--- a/Slides/slides_indicators_inflation_f14.pptx
+++ b/Slides/slides_indicators_inflation_f14.pptx
@@ -238,7 +238,7 @@
   </p:defaultTextStyle>
   <p:extLst>
     <p:ext uri="{EFAFB233-063F-42B5-8137-9DF3F51BA10A}">
-      <p15:sldGuideLst xmlns:p15="http://schemas.microsoft.com/office/powerpoint/2012/main">
+      <p15:sldGuideLst xmlns:p15="http://schemas.microsoft.com/office/powerpoint/2012/main" xmlns="">
         <p15:guide id="1" orient="horz" pos="2160">
           <p15:clr>
             <a:srgbClr val="A4A3A4"/>
@@ -429,12 +429,12 @@
         <c:gapWidth val="150"/>
         <c:gapDepth val="0"/>
         <c:shape val="box"/>
-        <c:axId val="262171536"/>
-        <c:axId val="210953024"/>
+        <c:axId val="42283776"/>
+        <c:axId val="42285312"/>
         <c:axId val="0"/>
       </c:bar3DChart>
       <c:catAx>
-        <c:axId val="262171536"/>
+        <c:axId val="42283776"/>
         <c:scaling>
           <c:orientation val="minMax"/>
         </c:scaling>
@@ -469,7 +469,7 @@
             <a:endParaRPr lang="en-US"/>
           </a:p>
         </c:txPr>
-        <c:crossAx val="210953024"/>
+        <c:crossAx val="42285312"/>
         <c:crosses val="autoZero"/>
         <c:auto val="1"/>
         <c:lblAlgn val="ctr"/>
@@ -479,7 +479,7 @@
         <c:noMultiLvlLbl val="0"/>
       </c:catAx>
       <c:valAx>
-        <c:axId val="210953024"/>
+        <c:axId val="42285312"/>
         <c:scaling>
           <c:orientation val="minMax"/>
         </c:scaling>
@@ -524,7 +524,7 @@
             <a:endParaRPr lang="en-US"/>
           </a:p>
         </c:txPr>
-        <c:crossAx val="262171536"/>
+        <c:crossAx val="42283776"/>
         <c:crosses val="autoZero"/>
         <c:crossBetween val="between"/>
       </c:valAx>
@@ -760,12 +760,12 @@
         <c:gapWidth val="150"/>
         <c:gapDepth val="0"/>
         <c:shape val="box"/>
-        <c:axId val="210951848"/>
-        <c:axId val="210951456"/>
+        <c:axId val="74991104"/>
+        <c:axId val="74992640"/>
         <c:axId val="0"/>
       </c:bar3DChart>
       <c:catAx>
-        <c:axId val="210951848"/>
+        <c:axId val="74991104"/>
         <c:scaling>
           <c:orientation val="minMax"/>
         </c:scaling>
@@ -800,7 +800,7 @@
             <a:endParaRPr lang="en-US"/>
           </a:p>
         </c:txPr>
-        <c:crossAx val="210951456"/>
+        <c:crossAx val="74992640"/>
         <c:crosses val="autoZero"/>
         <c:auto val="1"/>
         <c:lblAlgn val="ctr"/>
@@ -810,7 +810,7 @@
         <c:noMultiLvlLbl val="0"/>
       </c:catAx>
       <c:valAx>
-        <c:axId val="210951456"/>
+        <c:axId val="74992640"/>
         <c:scaling>
           <c:orientation val="minMax"/>
         </c:scaling>
@@ -855,7 +855,7 @@
             <a:endParaRPr lang="en-US"/>
           </a:p>
         </c:txPr>
-        <c:crossAx val="210951848"/>
+        <c:crossAx val="74991104"/>
         <c:crosses val="autoZero"/>
         <c:crossBetween val="between"/>
       </c:valAx>
@@ -1020,11 +1020,11 @@
           <c:showBubbleSize val="0"/>
         </c:dLbls>
         <c:gapWidth val="150"/>
-        <c:axId val="210950672"/>
-        <c:axId val="210950280"/>
+        <c:axId val="37099392"/>
+        <c:axId val="37100928"/>
       </c:barChart>
       <c:catAx>
-        <c:axId val="210950672"/>
+        <c:axId val="37099392"/>
         <c:scaling>
           <c:orientation val="minMax"/>
         </c:scaling>
@@ -1059,7 +1059,7 @@
             <a:endParaRPr lang="en-US"/>
           </a:p>
         </c:txPr>
-        <c:crossAx val="210950280"/>
+        <c:crossAx val="37100928"/>
         <c:crosses val="autoZero"/>
         <c:auto val="1"/>
         <c:lblAlgn val="ctr"/>
@@ -1069,7 +1069,7 @@
         <c:noMultiLvlLbl val="0"/>
       </c:catAx>
       <c:valAx>
-        <c:axId val="210950280"/>
+        <c:axId val="37100928"/>
         <c:scaling>
           <c:orientation val="minMax"/>
         </c:scaling>
@@ -1114,7 +1114,7 @@
             <a:endParaRPr lang="en-US"/>
           </a:p>
         </c:txPr>
-        <c:crossAx val="210950672"/>
+        <c:crossAx val="37099392"/>
         <c:crosses val="autoZero"/>
         <c:crossBetween val="between"/>
       </c:valAx>
@@ -1376,12 +1376,12 @@
         <c:gapWidth val="150"/>
         <c:gapDepth val="0"/>
         <c:shape val="box"/>
-        <c:axId val="210949496"/>
-        <c:axId val="210949104"/>
+        <c:axId val="37137024"/>
+        <c:axId val="37155200"/>
         <c:axId val="0"/>
       </c:bar3DChart>
       <c:catAx>
-        <c:axId val="210949496"/>
+        <c:axId val="37137024"/>
         <c:scaling>
           <c:orientation val="minMax"/>
         </c:scaling>
@@ -1416,7 +1416,7 @@
             <a:endParaRPr lang="en-US"/>
           </a:p>
         </c:txPr>
-        <c:crossAx val="210949104"/>
+        <c:crossAx val="37155200"/>
         <c:crosses val="autoZero"/>
         <c:auto val="1"/>
         <c:lblAlgn val="ctr"/>
@@ -1426,7 +1426,7 @@
         <c:noMultiLvlLbl val="0"/>
       </c:catAx>
       <c:valAx>
-        <c:axId val="210949104"/>
+        <c:axId val="37155200"/>
         <c:scaling>
           <c:orientation val="minMax"/>
         </c:scaling>
@@ -1471,7 +1471,7 @@
             <a:endParaRPr lang="en-US"/>
           </a:p>
         </c:txPr>
-        <c:crossAx val="210949496"/>
+        <c:crossAx val="37137024"/>
         <c:crosses val="autoZero"/>
         <c:crossBetween val="between"/>
       </c:valAx>
@@ -1695,12 +1695,12 @@
         <c:gapWidth val="150"/>
         <c:gapDepth val="0"/>
         <c:shape val="box"/>
-        <c:axId val="210947536"/>
-        <c:axId val="210947144"/>
+        <c:axId val="100383360"/>
+        <c:axId val="100393344"/>
         <c:axId val="0"/>
       </c:bar3DChart>
       <c:catAx>
-        <c:axId val="210947536"/>
+        <c:axId val="100383360"/>
         <c:scaling>
           <c:orientation val="minMax"/>
         </c:scaling>
@@ -1735,7 +1735,7 @@
             <a:endParaRPr lang="en-US"/>
           </a:p>
         </c:txPr>
-        <c:crossAx val="210947144"/>
+        <c:crossAx val="100393344"/>
         <c:crosses val="autoZero"/>
         <c:auto val="1"/>
         <c:lblAlgn val="ctr"/>
@@ -1745,7 +1745,7 @@
         <c:noMultiLvlLbl val="0"/>
       </c:catAx>
       <c:valAx>
-        <c:axId val="210947144"/>
+        <c:axId val="100393344"/>
         <c:scaling>
           <c:orientation val="minMax"/>
         </c:scaling>
@@ -1790,7 +1790,7 @@
             <a:endParaRPr lang="en-US"/>
           </a:p>
         </c:txPr>
-        <c:crossAx val="210947536"/>
+        <c:crossAx val="100383360"/>
         <c:crosses val="autoZero"/>
         <c:crossBetween val="between"/>
       </c:valAx>
@@ -9553,38 +9553,6 @@
       </p:sp>
       <p:pic>
         <p:nvPicPr>
-          <p:cNvPr id="3075" name="Picture 4" descr="Logo3"/>
-          <p:cNvPicPr>
-            <a:picLocks noChangeAspect="1" noChangeArrowheads="1"/>
-          </p:cNvPicPr>
-          <p:nvPr/>
-        </p:nvPicPr>
-        <p:blipFill>
-          <a:blip r:embed="rId3"/>
-          <a:srcRect/>
-          <a:stretch>
-            <a:fillRect/>
-          </a:stretch>
-        </p:blipFill>
-        <p:spPr bwMode="auto">
-          <a:xfrm>
-            <a:off x="3581400" y="6019800"/>
-            <a:ext cx="2209800" cy="465138"/>
-          </a:xfrm>
-          <a:prstGeom prst="rect">
-            <a:avLst/>
-          </a:prstGeom>
-          <a:noFill/>
-          <a:ln w="9525">
-            <a:noFill/>
-            <a:miter lim="800000"/>
-            <a:headEnd/>
-            <a:tailEnd/>
-          </a:ln>
-        </p:spPr>
-      </p:pic>
-      <p:pic>
-        <p:nvPicPr>
           <p:cNvPr id="4" name="Picture 3"/>
           <p:cNvPicPr>
             <a:picLocks noChangeAspect="1"/>
@@ -9592,7 +9560,7 @@
           <p:nvPr/>
         </p:nvPicPr>
         <p:blipFill>
-          <a:blip r:embed="rId4">
+          <a:blip r:embed="rId3">
             <a:extLst>
               <a:ext uri="{28A0092B-C50C-407E-A947-70E740481C1C}">
                 <a14:useLocalDpi xmlns:a14="http://schemas.microsoft.com/office/drawing/2010/main" val="0"/>

--- a/Slides/slides_indicators_inflation_f14.pptx
+++ b/Slides/slides_indicators_inflation_f14.pptx
@@ -5,71 +5,71 @@
     <p:sldMasterId id="2147483648" r:id="rId1"/>
   </p:sldMasterIdLst>
   <p:notesMasterIdLst>
-    <p:notesMasterId r:id="rId99"/>
+    <p:notesMasterId r:id="rId100"/>
   </p:notesMasterIdLst>
   <p:handoutMasterIdLst>
-    <p:handoutMasterId r:id="rId100"/>
+    <p:handoutMasterId r:id="rId101"/>
   </p:handoutMasterIdLst>
   <p:sldIdLst>
     <p:sldId id="256" r:id="rId2"/>
-    <p:sldId id="538" r:id="rId3"/>
-    <p:sldId id="564" r:id="rId4"/>
-    <p:sldId id="562" r:id="rId5"/>
-    <p:sldId id="559" r:id="rId6"/>
-    <p:sldId id="404" r:id="rId7"/>
-    <p:sldId id="451" r:id="rId8"/>
-    <p:sldId id="536" r:id="rId9"/>
-    <p:sldId id="557" r:id="rId10"/>
-    <p:sldId id="542" r:id="rId11"/>
-    <p:sldId id="551" r:id="rId12"/>
-    <p:sldId id="548" r:id="rId13"/>
-    <p:sldId id="300" r:id="rId14"/>
-    <p:sldId id="453" r:id="rId15"/>
-    <p:sldId id="431" r:id="rId16"/>
-    <p:sldId id="461" r:id="rId17"/>
-    <p:sldId id="529" r:id="rId18"/>
-    <p:sldId id="454" r:id="rId19"/>
-    <p:sldId id="467" r:id="rId20"/>
-    <p:sldId id="458" r:id="rId21"/>
-    <p:sldId id="560" r:id="rId22"/>
-    <p:sldId id="460" r:id="rId23"/>
-    <p:sldId id="462" r:id="rId24"/>
-    <p:sldId id="455" r:id="rId25"/>
-    <p:sldId id="456" r:id="rId26"/>
-    <p:sldId id="457" r:id="rId27"/>
-    <p:sldId id="463" r:id="rId28"/>
-    <p:sldId id="464" r:id="rId29"/>
-    <p:sldId id="466" r:id="rId30"/>
-    <p:sldId id="483" r:id="rId31"/>
-    <p:sldId id="484" r:id="rId32"/>
-    <p:sldId id="471" r:id="rId33"/>
-    <p:sldId id="485" r:id="rId34"/>
-    <p:sldId id="486" r:id="rId35"/>
-    <p:sldId id="474" r:id="rId36"/>
-    <p:sldId id="475" r:id="rId37"/>
-    <p:sldId id="476" r:id="rId38"/>
-    <p:sldId id="472" r:id="rId39"/>
-    <p:sldId id="473" r:id="rId40"/>
-    <p:sldId id="555" r:id="rId41"/>
-    <p:sldId id="478" r:id="rId42"/>
-    <p:sldId id="479" r:id="rId43"/>
-    <p:sldId id="480" r:id="rId44"/>
-    <p:sldId id="481" r:id="rId45"/>
-    <p:sldId id="482" r:id="rId46"/>
-    <p:sldId id="492" r:id="rId47"/>
-    <p:sldId id="545" r:id="rId48"/>
-    <p:sldId id="488" r:id="rId49"/>
-    <p:sldId id="487" r:id="rId50"/>
-    <p:sldId id="537" r:id="rId51"/>
-    <p:sldId id="561" r:id="rId52"/>
-    <p:sldId id="547" r:id="rId53"/>
-    <p:sldId id="497" r:id="rId54"/>
-    <p:sldId id="553" r:id="rId55"/>
-    <p:sldId id="493" r:id="rId56"/>
-    <p:sldId id="546" r:id="rId57"/>
-    <p:sldId id="494" r:id="rId58"/>
-    <p:sldId id="543" r:id="rId59"/>
-    <p:sldId id="408" r:id="rId60"/>
+    <p:sldId id="562" r:id="rId3"/>
+    <p:sldId id="559" r:id="rId4"/>
+    <p:sldId id="404" r:id="rId5"/>
+    <p:sldId id="451" r:id="rId6"/>
+    <p:sldId id="536" r:id="rId7"/>
+    <p:sldId id="557" r:id="rId8"/>
+    <p:sldId id="542" r:id="rId9"/>
+    <p:sldId id="551" r:id="rId10"/>
+    <p:sldId id="548" r:id="rId11"/>
+    <p:sldId id="300" r:id="rId12"/>
+    <p:sldId id="453" r:id="rId13"/>
+    <p:sldId id="431" r:id="rId14"/>
+    <p:sldId id="461" r:id="rId15"/>
+    <p:sldId id="529" r:id="rId16"/>
+    <p:sldId id="454" r:id="rId17"/>
+    <p:sldId id="467" r:id="rId18"/>
+    <p:sldId id="458" r:id="rId19"/>
+    <p:sldId id="560" r:id="rId20"/>
+    <p:sldId id="460" r:id="rId21"/>
+    <p:sldId id="462" r:id="rId22"/>
+    <p:sldId id="455" r:id="rId23"/>
+    <p:sldId id="456" r:id="rId24"/>
+    <p:sldId id="457" r:id="rId25"/>
+    <p:sldId id="463" r:id="rId26"/>
+    <p:sldId id="464" r:id="rId27"/>
+    <p:sldId id="466" r:id="rId28"/>
+    <p:sldId id="483" r:id="rId29"/>
+    <p:sldId id="484" r:id="rId30"/>
+    <p:sldId id="471" r:id="rId31"/>
+    <p:sldId id="485" r:id="rId32"/>
+    <p:sldId id="486" r:id="rId33"/>
+    <p:sldId id="474" r:id="rId34"/>
+    <p:sldId id="475" r:id="rId35"/>
+    <p:sldId id="476" r:id="rId36"/>
+    <p:sldId id="472" r:id="rId37"/>
+    <p:sldId id="473" r:id="rId38"/>
+    <p:sldId id="555" r:id="rId39"/>
+    <p:sldId id="478" r:id="rId40"/>
+    <p:sldId id="479" r:id="rId41"/>
+    <p:sldId id="480" r:id="rId42"/>
+    <p:sldId id="481" r:id="rId43"/>
+    <p:sldId id="482" r:id="rId44"/>
+    <p:sldId id="492" r:id="rId45"/>
+    <p:sldId id="545" r:id="rId46"/>
+    <p:sldId id="488" r:id="rId47"/>
+    <p:sldId id="487" r:id="rId48"/>
+    <p:sldId id="537" r:id="rId49"/>
+    <p:sldId id="561" r:id="rId50"/>
+    <p:sldId id="547" r:id="rId51"/>
+    <p:sldId id="497" r:id="rId52"/>
+    <p:sldId id="553" r:id="rId53"/>
+    <p:sldId id="493" r:id="rId54"/>
+    <p:sldId id="564" r:id="rId55"/>
+    <p:sldId id="546" r:id="rId56"/>
+    <p:sldId id="494" r:id="rId57"/>
+    <p:sldId id="543" r:id="rId58"/>
+    <p:sldId id="408" r:id="rId59"/>
+    <p:sldId id="565" r:id="rId60"/>
     <p:sldId id="498" r:id="rId61"/>
     <p:sldId id="531" r:id="rId62"/>
     <p:sldId id="499" r:id="rId63"/>
@@ -108,9 +108,10 @@
     <p:sldId id="541" r:id="rId96"/>
     <p:sldId id="533" r:id="rId97"/>
     <p:sldId id="491" r:id="rId98"/>
+    <p:sldId id="566" r:id="rId99"/>
   </p:sldIdLst>
   <p:sldSz cx="9144000" cy="6858000" type="screen4x3"/>
-  <p:notesSz cx="7099300" cy="10234613"/>
+  <p:notesSz cx="6881813" cy="9296400"/>
   <p:defaultTextStyle>
     <a:defPPr>
       <a:defRPr lang="en-US"/>
@@ -238,7 +239,7 @@
   </p:defaultTextStyle>
   <p:extLst>
     <p:ext uri="{EFAFB233-063F-42B5-8137-9DF3F51BA10A}">
-      <p15:sldGuideLst xmlns:p15="http://schemas.microsoft.com/office/powerpoint/2012/main" xmlns="">
+      <p15:sldGuideLst xmlns:p15="http://schemas.microsoft.com/office/powerpoint/2012/main">
         <p15:guide id="1" orient="horz" pos="2160">
           <p15:clr>
             <a:srgbClr val="A4A3A4"/>
@@ -429,12 +430,12 @@
         <c:gapWidth val="150"/>
         <c:gapDepth val="0"/>
         <c:shape val="box"/>
-        <c:axId val="42283776"/>
-        <c:axId val="42285312"/>
+        <c:axId val="201788504"/>
+        <c:axId val="201789680"/>
         <c:axId val="0"/>
       </c:bar3DChart>
       <c:catAx>
-        <c:axId val="42283776"/>
+        <c:axId val="201788504"/>
         <c:scaling>
           <c:orientation val="minMax"/>
         </c:scaling>
@@ -469,7 +470,7 @@
             <a:endParaRPr lang="en-US"/>
           </a:p>
         </c:txPr>
-        <c:crossAx val="42285312"/>
+        <c:crossAx val="201789680"/>
         <c:crosses val="autoZero"/>
         <c:auto val="1"/>
         <c:lblAlgn val="ctr"/>
@@ -479,7 +480,7 @@
         <c:noMultiLvlLbl val="0"/>
       </c:catAx>
       <c:valAx>
-        <c:axId val="42285312"/>
+        <c:axId val="201789680"/>
         <c:scaling>
           <c:orientation val="minMax"/>
         </c:scaling>
@@ -524,7 +525,7 @@
             <a:endParaRPr lang="en-US"/>
           </a:p>
         </c:txPr>
-        <c:crossAx val="42283776"/>
+        <c:crossAx val="201788504"/>
         <c:crosses val="autoZero"/>
         <c:crossBetween val="between"/>
       </c:valAx>
@@ -760,12 +761,12 @@
         <c:gapWidth val="150"/>
         <c:gapDepth val="0"/>
         <c:shape val="box"/>
-        <c:axId val="74991104"/>
-        <c:axId val="74992640"/>
+        <c:axId val="201787720"/>
+        <c:axId val="201787328"/>
         <c:axId val="0"/>
       </c:bar3DChart>
       <c:catAx>
-        <c:axId val="74991104"/>
+        <c:axId val="201787720"/>
         <c:scaling>
           <c:orientation val="minMax"/>
         </c:scaling>
@@ -800,7 +801,7 @@
             <a:endParaRPr lang="en-US"/>
           </a:p>
         </c:txPr>
-        <c:crossAx val="74992640"/>
+        <c:crossAx val="201787328"/>
         <c:crosses val="autoZero"/>
         <c:auto val="1"/>
         <c:lblAlgn val="ctr"/>
@@ -810,7 +811,7 @@
         <c:noMultiLvlLbl val="0"/>
       </c:catAx>
       <c:valAx>
-        <c:axId val="74992640"/>
+        <c:axId val="201787328"/>
         <c:scaling>
           <c:orientation val="minMax"/>
         </c:scaling>
@@ -855,7 +856,7 @@
             <a:endParaRPr lang="en-US"/>
           </a:p>
         </c:txPr>
-        <c:crossAx val="74991104"/>
+        <c:crossAx val="201787720"/>
         <c:crosses val="autoZero"/>
         <c:crossBetween val="between"/>
       </c:valAx>
@@ -1020,11 +1021,11 @@
           <c:showBubbleSize val="0"/>
         </c:dLbls>
         <c:gapWidth val="150"/>
-        <c:axId val="37099392"/>
-        <c:axId val="37100928"/>
+        <c:axId val="201786544"/>
+        <c:axId val="201786152"/>
       </c:barChart>
       <c:catAx>
-        <c:axId val="37099392"/>
+        <c:axId val="201786544"/>
         <c:scaling>
           <c:orientation val="minMax"/>
         </c:scaling>
@@ -1059,7 +1060,7 @@
             <a:endParaRPr lang="en-US"/>
           </a:p>
         </c:txPr>
-        <c:crossAx val="37100928"/>
+        <c:crossAx val="201786152"/>
         <c:crosses val="autoZero"/>
         <c:auto val="1"/>
         <c:lblAlgn val="ctr"/>
@@ -1069,7 +1070,7 @@
         <c:noMultiLvlLbl val="0"/>
       </c:catAx>
       <c:valAx>
-        <c:axId val="37100928"/>
+        <c:axId val="201786152"/>
         <c:scaling>
           <c:orientation val="minMax"/>
         </c:scaling>
@@ -1114,7 +1115,7 @@
             <a:endParaRPr lang="en-US"/>
           </a:p>
         </c:txPr>
-        <c:crossAx val="37099392"/>
+        <c:crossAx val="201786544"/>
         <c:crosses val="autoZero"/>
         <c:crossBetween val="between"/>
       </c:valAx>
@@ -1376,12 +1377,12 @@
         <c:gapWidth val="150"/>
         <c:gapDepth val="0"/>
         <c:shape val="box"/>
-        <c:axId val="37137024"/>
-        <c:axId val="37155200"/>
+        <c:axId val="201785368"/>
+        <c:axId val="201784976"/>
         <c:axId val="0"/>
       </c:bar3DChart>
       <c:catAx>
-        <c:axId val="37137024"/>
+        <c:axId val="201785368"/>
         <c:scaling>
           <c:orientation val="minMax"/>
         </c:scaling>
@@ -1416,7 +1417,7 @@
             <a:endParaRPr lang="en-US"/>
           </a:p>
         </c:txPr>
-        <c:crossAx val="37155200"/>
+        <c:crossAx val="201784976"/>
         <c:crosses val="autoZero"/>
         <c:auto val="1"/>
         <c:lblAlgn val="ctr"/>
@@ -1426,7 +1427,7 @@
         <c:noMultiLvlLbl val="0"/>
       </c:catAx>
       <c:valAx>
-        <c:axId val="37155200"/>
+        <c:axId val="201784976"/>
         <c:scaling>
           <c:orientation val="minMax"/>
         </c:scaling>
@@ -1471,7 +1472,7 @@
             <a:endParaRPr lang="en-US"/>
           </a:p>
         </c:txPr>
-        <c:crossAx val="37137024"/>
+        <c:crossAx val="201785368"/>
         <c:crosses val="autoZero"/>
         <c:crossBetween val="between"/>
       </c:valAx>
@@ -1695,12 +1696,12 @@
         <c:gapWidth val="150"/>
         <c:gapDepth val="0"/>
         <c:shape val="box"/>
-        <c:axId val="100383360"/>
-        <c:axId val="100393344"/>
+        <c:axId val="201784192"/>
+        <c:axId val="201783800"/>
         <c:axId val="0"/>
       </c:bar3DChart>
       <c:catAx>
-        <c:axId val="100383360"/>
+        <c:axId val="201784192"/>
         <c:scaling>
           <c:orientation val="minMax"/>
         </c:scaling>
@@ -1735,7 +1736,7 @@
             <a:endParaRPr lang="en-US"/>
           </a:p>
         </c:txPr>
-        <c:crossAx val="100393344"/>
+        <c:crossAx val="201783800"/>
         <c:crosses val="autoZero"/>
         <c:auto val="1"/>
         <c:lblAlgn val="ctr"/>
@@ -1745,7 +1746,7 @@
         <c:noMultiLvlLbl val="0"/>
       </c:catAx>
       <c:valAx>
-        <c:axId val="100393344"/>
+        <c:axId val="201783800"/>
         <c:scaling>
           <c:orientation val="minMax"/>
         </c:scaling>
@@ -1790,7 +1791,7 @@
             <a:endParaRPr lang="en-US"/>
           </a:p>
         </c:txPr>
-        <c:crossAx val="100383360"/>
+        <c:crossAx val="201784192"/>
         <c:crosses val="autoZero"/>
         <c:crossBetween val="between"/>
       </c:valAx>
@@ -1871,8 +1872,8 @@
         </p:nvSpPr>
         <p:spPr bwMode="auto">
           <a:xfrm>
-            <a:off x="0" y="1"/>
-            <a:ext cx="3076672" cy="511053"/>
+            <a:off x="0" y="2"/>
+            <a:ext cx="2982418" cy="464204"/>
           </a:xfrm>
           <a:prstGeom prst="rect">
             <a:avLst/>
@@ -1887,14 +1888,14 @@
           <a:effectLst/>
         </p:spPr>
         <p:txBody>
-          <a:bodyPr vert="horz" wrap="square" lIns="99026" tIns="49514" rIns="99026" bIns="49514" numCol="1" anchor="t" anchorCtr="0" compatLnSpc="1">
+          <a:bodyPr vert="horz" wrap="square" lIns="92421" tIns="46211" rIns="92421" bIns="46211" numCol="1" anchor="t" anchorCtr="0" compatLnSpc="1">
             <a:prstTxWarp prst="textNoShape">
               <a:avLst/>
             </a:prstTxWarp>
           </a:bodyPr>
           <a:lstStyle>
-            <a:lvl1pPr defTabSz="990445">
-              <a:defRPr sz="1400">
+            <a:lvl1pPr defTabSz="924382">
+              <a:defRPr sz="1300">
                 <a:latin typeface="Arial" pitchFamily="-108" charset="0"/>
                 <a:ea typeface="Arial" pitchFamily="-108" charset="0"/>
                 <a:cs typeface="Arial" pitchFamily="-108" charset="0"/>
@@ -1921,8 +1922,8 @@
         </p:nvSpPr>
         <p:spPr bwMode="auto">
           <a:xfrm>
-            <a:off x="4021089" y="1"/>
-            <a:ext cx="3076672" cy="511053"/>
+            <a:off x="3897903" y="2"/>
+            <a:ext cx="2982418" cy="464204"/>
           </a:xfrm>
           <a:prstGeom prst="rect">
             <a:avLst/>
@@ -1937,14 +1938,14 @@
           <a:effectLst/>
         </p:spPr>
         <p:txBody>
-          <a:bodyPr vert="horz" wrap="square" lIns="99026" tIns="49514" rIns="99026" bIns="49514" numCol="1" anchor="t" anchorCtr="0" compatLnSpc="1">
+          <a:bodyPr vert="horz" wrap="square" lIns="92421" tIns="46211" rIns="92421" bIns="46211" numCol="1" anchor="t" anchorCtr="0" compatLnSpc="1">
             <a:prstTxWarp prst="textNoShape">
               <a:avLst/>
             </a:prstTxWarp>
           </a:bodyPr>
           <a:lstStyle>
-            <a:lvl1pPr algn="r" defTabSz="990445">
-              <a:defRPr sz="1400">
+            <a:lvl1pPr algn="r" defTabSz="924382">
+              <a:defRPr sz="1300">
                 <a:latin typeface="Arial" pitchFamily="-108" charset="0"/>
                 <a:ea typeface="Arial" pitchFamily="-108" charset="0"/>
                 <a:cs typeface="Arial" pitchFamily="-108" charset="0"/>
@@ -1971,8 +1972,8 @@
         </p:nvSpPr>
         <p:spPr bwMode="auto">
           <a:xfrm>
-            <a:off x="0" y="9723559"/>
-            <a:ext cx="3076672" cy="509362"/>
+            <a:off x="0" y="8832195"/>
+            <a:ext cx="2982418" cy="462668"/>
           </a:xfrm>
           <a:prstGeom prst="rect">
             <a:avLst/>
@@ -1987,14 +1988,14 @@
           <a:effectLst/>
         </p:spPr>
         <p:txBody>
-          <a:bodyPr vert="horz" wrap="square" lIns="99026" tIns="49514" rIns="99026" bIns="49514" numCol="1" anchor="b" anchorCtr="0" compatLnSpc="1">
+          <a:bodyPr vert="horz" wrap="square" lIns="92421" tIns="46211" rIns="92421" bIns="46211" numCol="1" anchor="b" anchorCtr="0" compatLnSpc="1">
             <a:prstTxWarp prst="textNoShape">
               <a:avLst/>
             </a:prstTxWarp>
           </a:bodyPr>
           <a:lstStyle>
-            <a:lvl1pPr defTabSz="990445">
-              <a:defRPr sz="1400">
+            <a:lvl1pPr defTabSz="924382">
+              <a:defRPr sz="1300">
                 <a:latin typeface="Arial" pitchFamily="-108" charset="0"/>
                 <a:ea typeface="Arial" pitchFamily="-108" charset="0"/>
                 <a:cs typeface="Arial" pitchFamily="-108" charset="0"/>
@@ -2021,8 +2022,8 @@
         </p:nvSpPr>
         <p:spPr bwMode="auto">
           <a:xfrm>
-            <a:off x="4021089" y="9723559"/>
-            <a:ext cx="3076672" cy="509362"/>
+            <a:off x="3897903" y="8832195"/>
+            <a:ext cx="2982418" cy="462668"/>
           </a:xfrm>
           <a:prstGeom prst="rect">
             <a:avLst/>
@@ -2037,14 +2038,14 @@
           <a:effectLst/>
         </p:spPr>
         <p:txBody>
-          <a:bodyPr vert="horz" wrap="square" lIns="99026" tIns="49514" rIns="99026" bIns="49514" numCol="1" anchor="b" anchorCtr="0" compatLnSpc="1">
+          <a:bodyPr vert="horz" wrap="square" lIns="92421" tIns="46211" rIns="92421" bIns="46211" numCol="1" anchor="b" anchorCtr="0" compatLnSpc="1">
             <a:prstTxWarp prst="textNoShape">
               <a:avLst/>
             </a:prstTxWarp>
           </a:bodyPr>
           <a:lstStyle>
-            <a:lvl1pPr algn="r" defTabSz="989304">
-              <a:defRPr sz="1400"/>
+            <a:lvl1pPr algn="r" defTabSz="923317">
+              <a:defRPr sz="1300"/>
             </a:lvl1pPr>
           </a:lstStyle>
           <a:p>
@@ -2110,8 +2111,8 @@
         </p:nvSpPr>
         <p:spPr bwMode="auto">
           <a:xfrm>
-            <a:off x="0" y="1"/>
-            <a:ext cx="3076672" cy="511053"/>
+            <a:off x="0" y="2"/>
+            <a:ext cx="2982418" cy="464204"/>
           </a:xfrm>
           <a:prstGeom prst="rect">
             <a:avLst/>
@@ -2126,14 +2127,14 @@
           <a:effectLst/>
         </p:spPr>
         <p:txBody>
-          <a:bodyPr vert="horz" wrap="square" lIns="99026" tIns="49514" rIns="99026" bIns="49514" numCol="1" anchor="t" anchorCtr="0" compatLnSpc="1">
+          <a:bodyPr vert="horz" wrap="square" lIns="92421" tIns="46211" rIns="92421" bIns="46211" numCol="1" anchor="t" anchorCtr="0" compatLnSpc="1">
             <a:prstTxWarp prst="textNoShape">
               <a:avLst/>
             </a:prstTxWarp>
           </a:bodyPr>
           <a:lstStyle>
-            <a:lvl1pPr defTabSz="990445">
-              <a:defRPr sz="1400">
+            <a:lvl1pPr defTabSz="924382">
+              <a:defRPr sz="1300">
                 <a:latin typeface="Arial" pitchFamily="-108" charset="0"/>
                 <a:ea typeface="Arial" pitchFamily="-108" charset="0"/>
                 <a:cs typeface="Arial" pitchFamily="-108" charset="0"/>
@@ -2160,8 +2161,8 @@
         </p:nvSpPr>
         <p:spPr bwMode="auto">
           <a:xfrm>
-            <a:off x="4021089" y="1"/>
-            <a:ext cx="3076672" cy="511053"/>
+            <a:off x="3897903" y="2"/>
+            <a:ext cx="2982418" cy="464204"/>
           </a:xfrm>
           <a:prstGeom prst="rect">
             <a:avLst/>
@@ -2176,14 +2177,14 @@
           <a:effectLst/>
         </p:spPr>
         <p:txBody>
-          <a:bodyPr vert="horz" wrap="square" lIns="99026" tIns="49514" rIns="99026" bIns="49514" numCol="1" anchor="t" anchorCtr="0" compatLnSpc="1">
+          <a:bodyPr vert="horz" wrap="square" lIns="92421" tIns="46211" rIns="92421" bIns="46211" numCol="1" anchor="t" anchorCtr="0" compatLnSpc="1">
             <a:prstTxWarp prst="textNoShape">
               <a:avLst/>
             </a:prstTxWarp>
           </a:bodyPr>
           <a:lstStyle>
-            <a:lvl1pPr algn="r" defTabSz="990445">
-              <a:defRPr sz="1400">
+            <a:lvl1pPr algn="r" defTabSz="924382">
+              <a:defRPr sz="1300">
                 <a:latin typeface="Arial" pitchFamily="-108" charset="0"/>
                 <a:ea typeface="Arial" pitchFamily="-108" charset="0"/>
                 <a:cs typeface="Arial" pitchFamily="-108" charset="0"/>
@@ -2210,8 +2211,8 @@
         </p:nvSpPr>
         <p:spPr bwMode="auto">
           <a:xfrm>
-            <a:off x="990600" y="768350"/>
-            <a:ext cx="5118100" cy="3838575"/>
+            <a:off x="1116013" y="698500"/>
+            <a:ext cx="4649787" cy="3486150"/>
           </a:xfrm>
           <a:prstGeom prst="rect">
             <a:avLst/>
@@ -2239,8 +2240,8 @@
         </p:nvSpPr>
         <p:spPr bwMode="auto">
           <a:xfrm>
-            <a:off x="710239" y="4861781"/>
-            <a:ext cx="5678824" cy="4604561"/>
+            <a:off x="688481" y="4416099"/>
+            <a:ext cx="5504853" cy="4182458"/>
           </a:xfrm>
           <a:prstGeom prst="rect">
             <a:avLst/>
@@ -2255,7 +2256,7 @@
           <a:effectLst/>
         </p:spPr>
         <p:txBody>
-          <a:bodyPr vert="horz" wrap="square" lIns="99026" tIns="49514" rIns="99026" bIns="49514" numCol="1" anchor="t" anchorCtr="0" compatLnSpc="1">
+          <a:bodyPr vert="horz" wrap="square" lIns="92421" tIns="46211" rIns="92421" bIns="46211" numCol="1" anchor="t" anchorCtr="0" compatLnSpc="1">
             <a:prstTxWarp prst="textNoShape">
               <a:avLst/>
             </a:prstTxWarp>
@@ -2310,8 +2311,8 @@
         </p:nvSpPr>
         <p:spPr bwMode="auto">
           <a:xfrm>
-            <a:off x="0" y="9723559"/>
-            <a:ext cx="3076672" cy="509362"/>
+            <a:off x="0" y="8832195"/>
+            <a:ext cx="2982418" cy="462668"/>
           </a:xfrm>
           <a:prstGeom prst="rect">
             <a:avLst/>
@@ -2326,14 +2327,14 @@
           <a:effectLst/>
         </p:spPr>
         <p:txBody>
-          <a:bodyPr vert="horz" wrap="square" lIns="99026" tIns="49514" rIns="99026" bIns="49514" numCol="1" anchor="b" anchorCtr="0" compatLnSpc="1">
+          <a:bodyPr vert="horz" wrap="square" lIns="92421" tIns="46211" rIns="92421" bIns="46211" numCol="1" anchor="b" anchorCtr="0" compatLnSpc="1">
             <a:prstTxWarp prst="textNoShape">
               <a:avLst/>
             </a:prstTxWarp>
           </a:bodyPr>
           <a:lstStyle>
-            <a:lvl1pPr defTabSz="990445">
-              <a:defRPr sz="1400">
+            <a:lvl1pPr defTabSz="924382">
+              <a:defRPr sz="1300">
                 <a:latin typeface="Arial" pitchFamily="-108" charset="0"/>
                 <a:ea typeface="Arial" pitchFamily="-108" charset="0"/>
                 <a:cs typeface="Arial" pitchFamily="-108" charset="0"/>
@@ -2360,8 +2361,8 @@
         </p:nvSpPr>
         <p:spPr bwMode="auto">
           <a:xfrm>
-            <a:off x="4021089" y="9723559"/>
-            <a:ext cx="3076672" cy="509362"/>
+            <a:off x="3897903" y="8832195"/>
+            <a:ext cx="2982418" cy="462668"/>
           </a:xfrm>
           <a:prstGeom prst="rect">
             <a:avLst/>
@@ -2376,14 +2377,14 @@
           <a:effectLst/>
         </p:spPr>
         <p:txBody>
-          <a:bodyPr vert="horz" wrap="square" lIns="99026" tIns="49514" rIns="99026" bIns="49514" numCol="1" anchor="b" anchorCtr="0" compatLnSpc="1">
+          <a:bodyPr vert="horz" wrap="square" lIns="92421" tIns="46211" rIns="92421" bIns="46211" numCol="1" anchor="b" anchorCtr="0" compatLnSpc="1">
             <a:prstTxWarp prst="textNoShape">
               <a:avLst/>
             </a:prstTxWarp>
           </a:bodyPr>
           <a:lstStyle>
-            <a:lvl1pPr algn="r" defTabSz="989304">
-              <a:defRPr sz="1400"/>
+            <a:lvl1pPr algn="r" defTabSz="923317">
+              <a:defRPr sz="1300"/>
             </a:lvl1pPr>
           </a:lstStyle>
           <a:p>
@@ -2568,10 +2569,10 @@
           <a:bodyPr/>
           <a:lstStyle/>
           <a:p>
-            <a:pPr defTabSz="988842"/>
+            <a:pPr defTabSz="922886"/>
             <a:fld id="{94563BD0-5864-49B7-84B7-53C12A821313}" type="slidenum">
               <a:rPr lang="en-US" smtClean="0"/>
-              <a:pPr defTabSz="988842"/>
+              <a:pPr defTabSz="922886"/>
               <a:t>1</a:t>
             </a:fld>
             <a:endParaRPr lang="en-US" dirty="0" smtClean="0"/>
@@ -2637,6 +2638,37 @@
                 <a:cs typeface="Arial" charset="0"/>
               </a:rPr>
               <a:t>Open Outline </a:t>
+            </a:r>
+          </a:p>
+          <a:p>
+            <a:pPr eaLnBrk="1" hangingPunct="1"/>
+            <a:endParaRPr lang="en-US" dirty="0" smtClean="0">
+              <a:latin typeface="Arial" charset="0"/>
+              <a:cs typeface="Arial" charset="0"/>
+            </a:endParaRPr>
+          </a:p>
+          <a:p>
+            <a:pPr eaLnBrk="1" hangingPunct="1"/>
+            <a:r>
+              <a:rPr lang="en-US" dirty="0" smtClean="0">
+                <a:latin typeface="Arial" charset="0"/>
+                <a:cs typeface="Arial" charset="0"/>
+              </a:rPr>
+              <a:t>Short?  </a:t>
+            </a:r>
+            <a:r>
+              <a:rPr lang="en-US" dirty="0" err="1" smtClean="0">
+                <a:latin typeface="Arial" charset="0"/>
+                <a:cs typeface="Arial" charset="0"/>
+              </a:rPr>
+              <a:t>Esp</a:t>
+            </a:r>
+            <a:r>
+              <a:rPr lang="en-US" dirty="0" smtClean="0">
+                <a:latin typeface="Arial" charset="0"/>
+                <a:cs typeface="Arial" charset="0"/>
+              </a:rPr>
+              <a:t> second half?  </a:t>
             </a:r>
           </a:p>
         </p:txBody>
@@ -2673,7 +2705,7 @@
       </p:grpSpPr>
       <p:sp>
         <p:nvSpPr>
-          <p:cNvPr id="81922" name="Rectangle 7"/>
+          <p:cNvPr id="80898" name="Rectangle 7"/>
           <p:cNvSpPr>
             <a:spLocks noGrp="1" noChangeArrowheads="1"/>
           </p:cNvSpPr>
@@ -2688,10 +2720,10 @@
           <a:bodyPr/>
           <a:lstStyle/>
           <a:p>
-            <a:fld id="{B738455C-C352-4E2C-AC13-5178669938C2}" type="slidenum">
+            <a:fld id="{545CC26A-88B7-4A29-92A4-2A6F1340BC87}" type="slidenum">
               <a:rPr lang="en-US" smtClean="0"/>
               <a:pPr/>
-              <a:t>70</a:t>
+              <a:t>69</a:t>
             </a:fld>
             <a:endParaRPr lang="en-US" smtClean="0"/>
           </a:p>
@@ -2699,7 +2731,7 @@
       </p:sp>
       <p:sp>
         <p:nvSpPr>
-          <p:cNvPr id="81923" name="Rectangle 2"/>
+          <p:cNvPr id="80899" name="Rectangle 2"/>
           <p:cNvSpPr>
             <a:spLocks noGrp="1" noRot="1" noChangeAspect="1" noChangeArrowheads="1" noTextEdit="1"/>
           </p:cNvSpPr>
@@ -2713,7 +2745,7 @@
       </p:sp>
       <p:sp>
         <p:nvSpPr>
-          <p:cNvPr id="81924" name="Rectangle 3"/>
+          <p:cNvPr id="80900" name="Rectangle 3"/>
           <p:cNvSpPr>
             <a:spLocks noGrp="1" noChangeArrowheads="1"/>
           </p:cNvSpPr>
@@ -2736,7 +2768,7 @@
     </p:spTree>
     <p:extLst>
       <p:ext uri="{BB962C8B-B14F-4D97-AF65-F5344CB8AC3E}">
-        <p14:creationId xmlns:p14="http://schemas.microsoft.com/office/powerpoint/2010/main" val="808266530"/>
+        <p14:creationId xmlns:p14="http://schemas.microsoft.com/office/powerpoint/2010/main" val="2979349008"/>
       </p:ext>
     </p:extLst>
   </p:cSld>
@@ -2765,7 +2797,7 @@
       </p:grpSpPr>
       <p:sp>
         <p:nvSpPr>
-          <p:cNvPr id="82946" name="Rectangle 7"/>
+          <p:cNvPr id="81922" name="Rectangle 7"/>
           <p:cNvSpPr>
             <a:spLocks noGrp="1" noChangeArrowheads="1"/>
           </p:cNvSpPr>
@@ -2780,10 +2812,10 @@
           <a:bodyPr/>
           <a:lstStyle/>
           <a:p>
-            <a:fld id="{3DD60358-5474-416E-A3B8-5FA179C53614}" type="slidenum">
+            <a:fld id="{B738455C-C352-4E2C-AC13-5178669938C2}" type="slidenum">
               <a:rPr lang="en-US" smtClean="0"/>
               <a:pPr/>
-              <a:t>71</a:t>
+              <a:t>70</a:t>
             </a:fld>
             <a:endParaRPr lang="en-US" smtClean="0"/>
           </a:p>
@@ -2791,7 +2823,7 @@
       </p:sp>
       <p:sp>
         <p:nvSpPr>
-          <p:cNvPr id="82947" name="Rectangle 2"/>
+          <p:cNvPr id="81923" name="Rectangle 2"/>
           <p:cNvSpPr>
             <a:spLocks noGrp="1" noRot="1" noChangeAspect="1" noChangeArrowheads="1" noTextEdit="1"/>
           </p:cNvSpPr>
@@ -2805,7 +2837,7 @@
       </p:sp>
       <p:sp>
         <p:nvSpPr>
-          <p:cNvPr id="82948" name="Rectangle 3"/>
+          <p:cNvPr id="81924" name="Rectangle 3"/>
           <p:cNvSpPr>
             <a:spLocks noGrp="1" noChangeArrowheads="1"/>
           </p:cNvSpPr>
@@ -2828,7 +2860,7 @@
     </p:spTree>
     <p:extLst>
       <p:ext uri="{BB962C8B-B14F-4D97-AF65-F5344CB8AC3E}">
-        <p14:creationId xmlns:p14="http://schemas.microsoft.com/office/powerpoint/2010/main" val="3354615773"/>
+        <p14:creationId xmlns:p14="http://schemas.microsoft.com/office/powerpoint/2010/main" val="808266530"/>
       </p:ext>
     </p:extLst>
   </p:cSld>
@@ -2857,7 +2889,7 @@
       </p:grpSpPr>
       <p:sp>
         <p:nvSpPr>
-          <p:cNvPr id="83970" name="Rectangle 7"/>
+          <p:cNvPr id="82946" name="Rectangle 7"/>
           <p:cNvSpPr>
             <a:spLocks noGrp="1" noChangeArrowheads="1"/>
           </p:cNvSpPr>
@@ -2872,10 +2904,10 @@
           <a:bodyPr/>
           <a:lstStyle/>
           <a:p>
-            <a:fld id="{DC2A8D02-B17A-4249-BFA3-73D621FA7ABC}" type="slidenum">
+            <a:fld id="{3DD60358-5474-416E-A3B8-5FA179C53614}" type="slidenum">
               <a:rPr lang="en-US" smtClean="0"/>
               <a:pPr/>
-              <a:t>72</a:t>
+              <a:t>71</a:t>
             </a:fld>
             <a:endParaRPr lang="en-US" smtClean="0"/>
           </a:p>
@@ -2883,7 +2915,7 @@
       </p:sp>
       <p:sp>
         <p:nvSpPr>
-          <p:cNvPr id="83971" name="Rectangle 2"/>
+          <p:cNvPr id="82947" name="Rectangle 2"/>
           <p:cNvSpPr>
             <a:spLocks noGrp="1" noRot="1" noChangeAspect="1" noChangeArrowheads="1" noTextEdit="1"/>
           </p:cNvSpPr>
@@ -2897,7 +2929,7 @@
       </p:sp>
       <p:sp>
         <p:nvSpPr>
-          <p:cNvPr id="83972" name="Rectangle 3"/>
+          <p:cNvPr id="82948" name="Rectangle 3"/>
           <p:cNvSpPr>
             <a:spLocks noGrp="1" noChangeArrowheads="1"/>
           </p:cNvSpPr>
@@ -2920,7 +2952,7 @@
     </p:spTree>
     <p:extLst>
       <p:ext uri="{BB962C8B-B14F-4D97-AF65-F5344CB8AC3E}">
-        <p14:creationId xmlns:p14="http://schemas.microsoft.com/office/powerpoint/2010/main" val="768704787"/>
+        <p14:creationId xmlns:p14="http://schemas.microsoft.com/office/powerpoint/2010/main" val="3354615773"/>
       </p:ext>
     </p:extLst>
   </p:cSld>
@@ -2949,7 +2981,7 @@
       </p:grpSpPr>
       <p:sp>
         <p:nvSpPr>
-          <p:cNvPr id="77826" name="Rectangle 7"/>
+          <p:cNvPr id="83970" name="Rectangle 7"/>
           <p:cNvSpPr>
             <a:spLocks noGrp="1" noChangeArrowheads="1"/>
           </p:cNvSpPr>
@@ -2964,10 +2996,10 @@
           <a:bodyPr/>
           <a:lstStyle/>
           <a:p>
-            <a:fld id="{D8896A52-3B6E-4F91-82F4-F43B6B164B77}" type="slidenum">
+            <a:fld id="{DC2A8D02-B17A-4249-BFA3-73D621FA7ABC}" type="slidenum">
               <a:rPr lang="en-US" smtClean="0"/>
               <a:pPr/>
-              <a:t>73</a:t>
+              <a:t>72</a:t>
             </a:fld>
             <a:endParaRPr lang="en-US" smtClean="0"/>
           </a:p>
@@ -2975,7 +3007,7 @@
       </p:sp>
       <p:sp>
         <p:nvSpPr>
-          <p:cNvPr id="77827" name="Rectangle 2"/>
+          <p:cNvPr id="83971" name="Rectangle 2"/>
           <p:cNvSpPr>
             <a:spLocks noGrp="1" noRot="1" noChangeAspect="1" noChangeArrowheads="1" noTextEdit="1"/>
           </p:cNvSpPr>
@@ -2989,7 +3021,7 @@
       </p:sp>
       <p:sp>
         <p:nvSpPr>
-          <p:cNvPr id="77828" name="Rectangle 3"/>
+          <p:cNvPr id="83972" name="Rectangle 3"/>
           <p:cNvSpPr>
             <a:spLocks noGrp="1" noChangeArrowheads="1"/>
           </p:cNvSpPr>
@@ -3012,7 +3044,7 @@
     </p:spTree>
     <p:extLst>
       <p:ext uri="{BB962C8B-B14F-4D97-AF65-F5344CB8AC3E}">
-        <p14:creationId xmlns:p14="http://schemas.microsoft.com/office/powerpoint/2010/main" val="854286989"/>
+        <p14:creationId xmlns:p14="http://schemas.microsoft.com/office/powerpoint/2010/main" val="768704787"/>
       </p:ext>
     </p:extLst>
   </p:cSld>
@@ -3041,45 +3073,33 @@
       </p:grpSpPr>
       <p:sp>
         <p:nvSpPr>
-          <p:cNvPr id="84994" name="Rectangle 7"/>
-          <p:cNvSpPr txBox="1">
+          <p:cNvPr id="77826" name="Rectangle 7"/>
+          <p:cNvSpPr>
             <a:spLocks noGrp="1" noChangeArrowheads="1"/>
           </p:cNvSpPr>
-          <p:nvPr/>
-        </p:nvSpPr>
-        <p:spPr bwMode="auto">
-          <a:xfrm>
-            <a:off x="4022516" y="9722195"/>
-            <a:ext cx="3076784" cy="512418"/>
-          </a:xfrm>
-          <a:prstGeom prst="rect">
-            <a:avLst/>
-          </a:prstGeom>
+          <p:nvPr>
+            <p:ph type="sldNum" sz="quarter" idx="5"/>
+          </p:nvPr>
+        </p:nvSpPr>
+        <p:spPr>
           <a:noFill/>
-          <a:ln w="9525">
-            <a:noFill/>
-            <a:miter lim="800000"/>
-            <a:headEnd/>
-            <a:tailEnd/>
-          </a:ln>
         </p:spPr>
         <p:txBody>
-          <a:bodyPr lIns="93351" tIns="46675" rIns="93351" bIns="46675" anchor="b"/>
+          <a:bodyPr/>
           <a:lstStyle/>
           <a:p>
-            <a:pPr algn="r" defTabSz="933359"/>
-            <a:fld id="{17BD1F79-C326-4DAE-BB1A-386B3184F379}" type="slidenum">
-              <a:rPr lang="en-US" sz="1200"/>
-              <a:pPr algn="r" defTabSz="933359"/>
-              <a:t>75</a:t>
+            <a:fld id="{D8896A52-3B6E-4F91-82F4-F43B6B164B77}" type="slidenum">
+              <a:rPr lang="en-US" smtClean="0"/>
+              <a:pPr/>
+              <a:t>73</a:t>
             </a:fld>
-            <a:endParaRPr lang="en-US" sz="1200" dirty="0"/>
-          </a:p>
-        </p:txBody>
-      </p:sp>
-      <p:sp>
-        <p:nvSpPr>
-          <p:cNvPr id="84995" name="Rectangle 2"/>
+            <a:endParaRPr lang="en-US" smtClean="0"/>
+          </a:p>
+        </p:txBody>
+      </p:sp>
+      <p:sp>
+        <p:nvSpPr>
+          <p:cNvPr id="77827" name="Rectangle 2"/>
           <p:cNvSpPr>
             <a:spLocks noGrp="1" noRot="1" noChangeAspect="1" noChangeArrowheads="1" noTextEdit="1"/>
           </p:cNvSpPr>
@@ -3093,7 +3113,7 @@
       </p:sp>
       <p:sp>
         <p:nvSpPr>
-          <p:cNvPr id="84996" name="Rectangle 3"/>
+          <p:cNvPr id="77828" name="Rectangle 3"/>
           <p:cNvSpPr>
             <a:spLocks noGrp="1" noChangeArrowheads="1"/>
           </p:cNvSpPr>
@@ -3116,7 +3136,7 @@
     </p:spTree>
     <p:extLst>
       <p:ext uri="{BB962C8B-B14F-4D97-AF65-F5344CB8AC3E}">
-        <p14:creationId xmlns:p14="http://schemas.microsoft.com/office/powerpoint/2010/main" val="1882419778"/>
+        <p14:creationId xmlns:p14="http://schemas.microsoft.com/office/powerpoint/2010/main" val="854286989"/>
       </p:ext>
     </p:extLst>
   </p:cSld>
@@ -3145,33 +3165,45 @@
       </p:grpSpPr>
       <p:sp>
         <p:nvSpPr>
-          <p:cNvPr id="86018" name="Rectangle 7"/>
-          <p:cNvSpPr>
+          <p:cNvPr id="84994" name="Rectangle 7"/>
+          <p:cNvSpPr txBox="1">
             <a:spLocks noGrp="1" noChangeArrowheads="1"/>
           </p:cNvSpPr>
-          <p:nvPr>
-            <p:ph type="sldNum" sz="quarter" idx="5"/>
-          </p:nvPr>
-        </p:nvSpPr>
-        <p:spPr>
+          <p:nvPr/>
+        </p:nvSpPr>
+        <p:spPr bwMode="auto">
+          <a:xfrm>
+            <a:off x="3899286" y="8830956"/>
+            <a:ext cx="2982527" cy="465444"/>
+          </a:xfrm>
+          <a:prstGeom prst="rect">
+            <a:avLst/>
+          </a:prstGeom>
           <a:noFill/>
+          <a:ln w="9525">
+            <a:noFill/>
+            <a:miter lim="800000"/>
+            <a:headEnd/>
+            <a:tailEnd/>
+          </a:ln>
         </p:spPr>
         <p:txBody>
-          <a:bodyPr/>
+          <a:bodyPr lIns="87124" tIns="43562" rIns="87124" bIns="43562" anchor="b"/>
           <a:lstStyle/>
           <a:p>
-            <a:fld id="{695B7415-F2A2-4D9D-803B-6E696D66111F}" type="slidenum">
-              <a:rPr lang="en-US" smtClean="0"/>
-              <a:pPr/>
-              <a:t>76</a:t>
+            <a:pPr algn="r" defTabSz="871104"/>
+            <a:fld id="{17BD1F79-C326-4DAE-BB1A-386B3184F379}" type="slidenum">
+              <a:rPr lang="en-US" sz="1100"/>
+              <a:pPr algn="r" defTabSz="871104"/>
+              <a:t>75</a:t>
             </a:fld>
-            <a:endParaRPr lang="en-US" smtClean="0"/>
-          </a:p>
-        </p:txBody>
-      </p:sp>
-      <p:sp>
-        <p:nvSpPr>
-          <p:cNvPr id="86019" name="Rectangle 2"/>
+            <a:endParaRPr lang="en-US" sz="1100" dirty="0"/>
+          </a:p>
+        </p:txBody>
+      </p:sp>
+      <p:sp>
+        <p:nvSpPr>
+          <p:cNvPr id="84995" name="Rectangle 2"/>
           <p:cNvSpPr>
             <a:spLocks noGrp="1" noRot="1" noChangeAspect="1" noChangeArrowheads="1" noTextEdit="1"/>
           </p:cNvSpPr>
@@ -3185,7 +3217,7 @@
       </p:sp>
       <p:sp>
         <p:nvSpPr>
-          <p:cNvPr id="86020" name="Rectangle 3"/>
+          <p:cNvPr id="84996" name="Rectangle 3"/>
           <p:cNvSpPr>
             <a:spLocks noGrp="1" noChangeArrowheads="1"/>
           </p:cNvSpPr>
@@ -3208,7 +3240,7 @@
     </p:spTree>
     <p:extLst>
       <p:ext uri="{BB962C8B-B14F-4D97-AF65-F5344CB8AC3E}">
-        <p14:creationId xmlns:p14="http://schemas.microsoft.com/office/powerpoint/2010/main" val="1926436943"/>
+        <p14:creationId xmlns:p14="http://schemas.microsoft.com/office/powerpoint/2010/main" val="1882419778"/>
       </p:ext>
     </p:extLst>
   </p:cSld>
@@ -3255,7 +3287,7 @@
             <a:fld id="{695B7415-F2A2-4D9D-803B-6E696D66111F}" type="slidenum">
               <a:rPr lang="en-US" smtClean="0"/>
               <a:pPr/>
-              <a:t>77</a:t>
+              <a:t>76</a:t>
             </a:fld>
             <a:endParaRPr lang="en-US" smtClean="0"/>
           </a:p>
@@ -3300,7 +3332,7 @@
     </p:spTree>
     <p:extLst>
       <p:ext uri="{BB962C8B-B14F-4D97-AF65-F5344CB8AC3E}">
-        <p14:creationId xmlns:p14="http://schemas.microsoft.com/office/powerpoint/2010/main" val="4062603368"/>
+        <p14:creationId xmlns:p14="http://schemas.microsoft.com/office/powerpoint/2010/main" val="1926436943"/>
       </p:ext>
     </p:extLst>
   </p:cSld>
@@ -3347,7 +3379,7 @@
             <a:fld id="{695B7415-F2A2-4D9D-803B-6E696D66111F}" type="slidenum">
               <a:rPr lang="en-US" smtClean="0"/>
               <a:pPr/>
-              <a:t>78</a:t>
+              <a:t>77</a:t>
             </a:fld>
             <a:endParaRPr lang="en-US" smtClean="0"/>
           </a:p>
@@ -3392,7 +3424,7 @@
     </p:spTree>
     <p:extLst>
       <p:ext uri="{BB962C8B-B14F-4D97-AF65-F5344CB8AC3E}">
-        <p14:creationId xmlns:p14="http://schemas.microsoft.com/office/powerpoint/2010/main" val="1786752407"/>
+        <p14:creationId xmlns:p14="http://schemas.microsoft.com/office/powerpoint/2010/main" val="4062603368"/>
       </p:ext>
     </p:extLst>
   </p:cSld>
@@ -3421,7 +3453,7 @@
       </p:grpSpPr>
       <p:sp>
         <p:nvSpPr>
-          <p:cNvPr id="88066" name="Rectangle 7"/>
+          <p:cNvPr id="86018" name="Rectangle 7"/>
           <p:cNvSpPr>
             <a:spLocks noGrp="1" noChangeArrowheads="1"/>
           </p:cNvSpPr>
@@ -3436,10 +3468,10 @@
           <a:bodyPr/>
           <a:lstStyle/>
           <a:p>
-            <a:fld id="{91D6B7AD-1913-488A-8101-522C70AA3584}" type="slidenum">
+            <a:fld id="{695B7415-F2A2-4D9D-803B-6E696D66111F}" type="slidenum">
               <a:rPr lang="en-US" smtClean="0"/>
               <a:pPr/>
-              <a:t>80</a:t>
+              <a:t>78</a:t>
             </a:fld>
             <a:endParaRPr lang="en-US" smtClean="0"/>
           </a:p>
@@ -3447,7 +3479,7 @@
       </p:sp>
       <p:sp>
         <p:nvSpPr>
-          <p:cNvPr id="88067" name="Rectangle 2"/>
+          <p:cNvPr id="86019" name="Rectangle 2"/>
           <p:cNvSpPr>
             <a:spLocks noGrp="1" noRot="1" noChangeAspect="1" noChangeArrowheads="1" noTextEdit="1"/>
           </p:cNvSpPr>
@@ -3461,7 +3493,7 @@
       </p:sp>
       <p:sp>
         <p:nvSpPr>
-          <p:cNvPr id="88068" name="Rectangle 3"/>
+          <p:cNvPr id="86020" name="Rectangle 3"/>
           <p:cNvSpPr>
             <a:spLocks noGrp="1" noChangeArrowheads="1"/>
           </p:cNvSpPr>
@@ -3484,7 +3516,7 @@
     </p:spTree>
     <p:extLst>
       <p:ext uri="{BB962C8B-B14F-4D97-AF65-F5344CB8AC3E}">
-        <p14:creationId xmlns:p14="http://schemas.microsoft.com/office/powerpoint/2010/main" val="3496245300"/>
+        <p14:creationId xmlns:p14="http://schemas.microsoft.com/office/powerpoint/2010/main" val="1786752407"/>
       </p:ext>
     </p:extLst>
   </p:cSld>
@@ -3513,7 +3545,7 @@
       </p:grpSpPr>
       <p:sp>
         <p:nvSpPr>
-          <p:cNvPr id="89090" name="Rectangle 7"/>
+          <p:cNvPr id="88066" name="Rectangle 7"/>
           <p:cNvSpPr>
             <a:spLocks noGrp="1" noChangeArrowheads="1"/>
           </p:cNvSpPr>
@@ -3528,10 +3560,10 @@
           <a:bodyPr/>
           <a:lstStyle/>
           <a:p>
-            <a:fld id="{EED9B452-1929-4A6A-BA49-521AF3BDA0CB}" type="slidenum">
+            <a:fld id="{91D6B7AD-1913-488A-8101-522C70AA3584}" type="slidenum">
               <a:rPr lang="en-US" smtClean="0"/>
               <a:pPr/>
-              <a:t>81</a:t>
+              <a:t>80</a:t>
             </a:fld>
             <a:endParaRPr lang="en-US" smtClean="0"/>
           </a:p>
@@ -3539,7 +3571,7 @@
       </p:sp>
       <p:sp>
         <p:nvSpPr>
-          <p:cNvPr id="89091" name="Rectangle 2"/>
+          <p:cNvPr id="88067" name="Rectangle 2"/>
           <p:cNvSpPr>
             <a:spLocks noGrp="1" noRot="1" noChangeAspect="1" noChangeArrowheads="1" noTextEdit="1"/>
           </p:cNvSpPr>
@@ -3553,7 +3585,7 @@
       </p:sp>
       <p:sp>
         <p:nvSpPr>
-          <p:cNvPr id="89092" name="Rectangle 3"/>
+          <p:cNvPr id="88068" name="Rectangle 3"/>
           <p:cNvSpPr>
             <a:spLocks noGrp="1" noChangeArrowheads="1"/>
           </p:cNvSpPr>
@@ -3576,7 +3608,7 @@
     </p:spTree>
     <p:extLst>
       <p:ext uri="{BB962C8B-B14F-4D97-AF65-F5344CB8AC3E}">
-        <p14:creationId xmlns:p14="http://schemas.microsoft.com/office/powerpoint/2010/main" val="3532363097"/>
+        <p14:creationId xmlns:p14="http://schemas.microsoft.com/office/powerpoint/2010/main" val="3496245300"/>
       </p:ext>
     </p:extLst>
   </p:cSld>
@@ -3613,8 +3645,8 @@
         </p:nvSpPr>
         <p:spPr bwMode="auto">
           <a:xfrm>
-            <a:off x="4022516" y="9722195"/>
-            <a:ext cx="3076784" cy="512418"/>
+            <a:off x="3899286" y="8830956"/>
+            <a:ext cx="2982527" cy="465444"/>
           </a:xfrm>
           <a:prstGeom prst="rect">
             <a:avLst/>
@@ -3628,24 +3660,16 @@
           </a:ln>
         </p:spPr>
         <p:txBody>
-          <a:bodyPr lIns="93360" tIns="46680" rIns="93360" bIns="46680" anchor="b"/>
+          <a:bodyPr lIns="87133" tIns="43566" rIns="87133" bIns="43566" anchor="b"/>
           <a:lstStyle/>
           <a:p>
-            <a:pPr algn="r" defTabSz="933450">
-              <a:spcBef>
-                <a:spcPct val="0"/>
-              </a:spcBef>
-            </a:pPr>
+            <a:pPr algn="r" defTabSz="871189"/>
             <a:fld id="{25FD8ACE-0FB9-4103-825E-41CDEBB51AD3}" type="slidenum">
-              <a:rPr lang="en-US" sz="1200"/>
-              <a:pPr algn="r" defTabSz="933450">
-                <a:spcBef>
-                  <a:spcPct val="0"/>
-                </a:spcBef>
-              </a:pPr>
-              <a:t>8</a:t>
+              <a:rPr lang="en-US" sz="1100"/>
+              <a:pPr algn="r" defTabSz="871189"/>
+              <a:t>6</a:t>
             </a:fld>
-            <a:endParaRPr lang="en-US" sz="1200"/>
+            <a:endParaRPr lang="en-US" sz="1100"/>
           </a:p>
         </p:txBody>
       </p:sp>
@@ -3744,7 +3768,7 @@
             <a:fld id="{EED9B452-1929-4A6A-BA49-521AF3BDA0CB}" type="slidenum">
               <a:rPr lang="en-US" smtClean="0"/>
               <a:pPr/>
-              <a:t>82</a:t>
+              <a:t>81</a:t>
             </a:fld>
             <a:endParaRPr lang="en-US" smtClean="0"/>
           </a:p>
@@ -3789,7 +3813,7 @@
     </p:spTree>
     <p:extLst>
       <p:ext uri="{BB962C8B-B14F-4D97-AF65-F5344CB8AC3E}">
-        <p14:creationId xmlns:p14="http://schemas.microsoft.com/office/powerpoint/2010/main" val="1128132195"/>
+        <p14:creationId xmlns:p14="http://schemas.microsoft.com/office/powerpoint/2010/main" val="3532363097"/>
       </p:ext>
     </p:extLst>
   </p:cSld>
@@ -3836,7 +3860,7 @@
             <a:fld id="{EED9B452-1929-4A6A-BA49-521AF3BDA0CB}" type="slidenum">
               <a:rPr lang="en-US" smtClean="0"/>
               <a:pPr/>
-              <a:t>83</a:t>
+              <a:t>82</a:t>
             </a:fld>
             <a:endParaRPr lang="en-US" smtClean="0"/>
           </a:p>
@@ -3881,7 +3905,7 @@
     </p:spTree>
     <p:extLst>
       <p:ext uri="{BB962C8B-B14F-4D97-AF65-F5344CB8AC3E}">
-        <p14:creationId xmlns:p14="http://schemas.microsoft.com/office/powerpoint/2010/main" val="3843358450"/>
+        <p14:creationId xmlns:p14="http://schemas.microsoft.com/office/powerpoint/2010/main" val="1128132195"/>
       </p:ext>
     </p:extLst>
   </p:cSld>
@@ -3910,45 +3934,33 @@
       </p:grpSpPr>
       <p:sp>
         <p:nvSpPr>
-          <p:cNvPr id="90114" name="Rectangle 7"/>
-          <p:cNvSpPr txBox="1">
+          <p:cNvPr id="89090" name="Rectangle 7"/>
+          <p:cNvSpPr>
             <a:spLocks noGrp="1" noChangeArrowheads="1"/>
           </p:cNvSpPr>
-          <p:nvPr/>
-        </p:nvSpPr>
-        <p:spPr bwMode="auto">
-          <a:xfrm>
-            <a:off x="4022516" y="9722195"/>
-            <a:ext cx="3076784" cy="512418"/>
-          </a:xfrm>
-          <a:prstGeom prst="rect">
-            <a:avLst/>
-          </a:prstGeom>
+          <p:nvPr>
+            <p:ph type="sldNum" sz="quarter" idx="5"/>
+          </p:nvPr>
+        </p:nvSpPr>
+        <p:spPr>
           <a:noFill/>
-          <a:ln w="9525">
-            <a:noFill/>
-            <a:miter lim="800000"/>
-            <a:headEnd/>
-            <a:tailEnd/>
-          </a:ln>
         </p:spPr>
         <p:txBody>
-          <a:bodyPr lIns="93351" tIns="46675" rIns="93351" bIns="46675" anchor="b"/>
+          <a:bodyPr/>
           <a:lstStyle/>
           <a:p>
-            <a:pPr algn="r" defTabSz="933359"/>
-            <a:fld id="{256C1BA9-CE50-4EA1-AD0F-3A05F6DD72E4}" type="slidenum">
-              <a:rPr lang="en-US" sz="1200"/>
-              <a:pPr algn="r" defTabSz="933359"/>
-              <a:t>84</a:t>
+            <a:fld id="{EED9B452-1929-4A6A-BA49-521AF3BDA0CB}" type="slidenum">
+              <a:rPr lang="en-US" smtClean="0"/>
+              <a:pPr/>
+              <a:t>83</a:t>
             </a:fld>
-            <a:endParaRPr lang="en-US" sz="1200" dirty="0"/>
-          </a:p>
-        </p:txBody>
-      </p:sp>
-      <p:sp>
-        <p:nvSpPr>
-          <p:cNvPr id="90115" name="Rectangle 2"/>
+            <a:endParaRPr lang="en-US" smtClean="0"/>
+          </a:p>
+        </p:txBody>
+      </p:sp>
+      <p:sp>
+        <p:nvSpPr>
+          <p:cNvPr id="89091" name="Rectangle 2"/>
           <p:cNvSpPr>
             <a:spLocks noGrp="1" noRot="1" noChangeAspect="1" noChangeArrowheads="1" noTextEdit="1"/>
           </p:cNvSpPr>
@@ -3962,7 +3974,7 @@
       </p:sp>
       <p:sp>
         <p:nvSpPr>
-          <p:cNvPr id="90116" name="Rectangle 3"/>
+          <p:cNvPr id="89092" name="Rectangle 3"/>
           <p:cNvSpPr>
             <a:spLocks noGrp="1" noChangeArrowheads="1"/>
           </p:cNvSpPr>
@@ -3985,7 +3997,7 @@
     </p:spTree>
     <p:extLst>
       <p:ext uri="{BB962C8B-B14F-4D97-AF65-F5344CB8AC3E}">
-        <p14:creationId xmlns:p14="http://schemas.microsoft.com/office/powerpoint/2010/main" val="4061036036"/>
+        <p14:creationId xmlns:p14="http://schemas.microsoft.com/office/powerpoint/2010/main" val="3843358450"/>
       </p:ext>
     </p:extLst>
   </p:cSld>
@@ -4014,33 +4026,45 @@
       </p:grpSpPr>
       <p:sp>
         <p:nvSpPr>
-          <p:cNvPr id="91138" name="Rectangle 7"/>
-          <p:cNvSpPr>
+          <p:cNvPr id="90114" name="Rectangle 7"/>
+          <p:cNvSpPr txBox="1">
             <a:spLocks noGrp="1" noChangeArrowheads="1"/>
           </p:cNvSpPr>
-          <p:nvPr>
-            <p:ph type="sldNum" sz="quarter" idx="5"/>
-          </p:nvPr>
-        </p:nvSpPr>
-        <p:spPr>
+          <p:nvPr/>
+        </p:nvSpPr>
+        <p:spPr bwMode="auto">
+          <a:xfrm>
+            <a:off x="3899286" y="8830956"/>
+            <a:ext cx="2982527" cy="465444"/>
+          </a:xfrm>
+          <a:prstGeom prst="rect">
+            <a:avLst/>
+          </a:prstGeom>
           <a:noFill/>
+          <a:ln w="9525">
+            <a:noFill/>
+            <a:miter lim="800000"/>
+            <a:headEnd/>
+            <a:tailEnd/>
+          </a:ln>
         </p:spPr>
         <p:txBody>
-          <a:bodyPr/>
+          <a:bodyPr lIns="87124" tIns="43562" rIns="87124" bIns="43562" anchor="b"/>
           <a:lstStyle/>
           <a:p>
-            <a:fld id="{6F8780E5-E52C-4A54-8081-8BBC0E747182}" type="slidenum">
-              <a:rPr lang="en-US" smtClean="0"/>
-              <a:pPr/>
-              <a:t>85</a:t>
+            <a:pPr algn="r" defTabSz="871104"/>
+            <a:fld id="{256C1BA9-CE50-4EA1-AD0F-3A05F6DD72E4}" type="slidenum">
+              <a:rPr lang="en-US" sz="1100"/>
+              <a:pPr algn="r" defTabSz="871104"/>
+              <a:t>84</a:t>
             </a:fld>
-            <a:endParaRPr lang="en-US" smtClean="0"/>
-          </a:p>
-        </p:txBody>
-      </p:sp>
-      <p:sp>
-        <p:nvSpPr>
-          <p:cNvPr id="91139" name="Rectangle 2"/>
+            <a:endParaRPr lang="en-US" sz="1100" dirty="0"/>
+          </a:p>
+        </p:txBody>
+      </p:sp>
+      <p:sp>
+        <p:nvSpPr>
+          <p:cNvPr id="90115" name="Rectangle 2"/>
           <p:cNvSpPr>
             <a:spLocks noGrp="1" noRot="1" noChangeAspect="1" noChangeArrowheads="1" noTextEdit="1"/>
           </p:cNvSpPr>
@@ -4049,16 +4073,12 @@
           </p:nvPr>
         </p:nvSpPr>
         <p:spPr>
-          <a:xfrm>
-            <a:off x="992188" y="765175"/>
-            <a:ext cx="5118100" cy="3838575"/>
-          </a:xfrm>
           <a:ln/>
         </p:spPr>
       </p:sp>
       <p:sp>
         <p:nvSpPr>
-          <p:cNvPr id="91140" name="Rectangle 3"/>
+          <p:cNvPr id="90116" name="Rectangle 3"/>
           <p:cNvSpPr>
             <a:spLocks noGrp="1" noChangeArrowheads="1"/>
           </p:cNvSpPr>
@@ -4067,10 +4087,6 @@
           </p:nvPr>
         </p:nvSpPr>
         <p:spPr>
-          <a:xfrm>
-            <a:off x="947310" y="4862817"/>
-            <a:ext cx="5204682" cy="4606608"/>
-          </a:xfrm>
           <a:noFill/>
           <a:ln/>
         </p:spPr>
@@ -4085,7 +4101,7 @@
     </p:spTree>
     <p:extLst>
       <p:ext uri="{BB962C8B-B14F-4D97-AF65-F5344CB8AC3E}">
-        <p14:creationId xmlns:p14="http://schemas.microsoft.com/office/powerpoint/2010/main" val="639193741"/>
+        <p14:creationId xmlns:p14="http://schemas.microsoft.com/office/powerpoint/2010/main" val="4061036036"/>
       </p:ext>
     </p:extLst>
   </p:cSld>
@@ -4114,7 +4130,7 @@
       </p:grpSpPr>
       <p:sp>
         <p:nvSpPr>
-          <p:cNvPr id="92162" name="Rectangle 7"/>
+          <p:cNvPr id="91138" name="Rectangle 7"/>
           <p:cNvSpPr>
             <a:spLocks noGrp="1" noChangeArrowheads="1"/>
           </p:cNvSpPr>
@@ -4129,10 +4145,10 @@
           <a:bodyPr/>
           <a:lstStyle/>
           <a:p>
-            <a:fld id="{0E1552CE-9097-4E07-8203-ADB4F0E8949C}" type="slidenum">
+            <a:fld id="{6F8780E5-E52C-4A54-8081-8BBC0E747182}" type="slidenum">
               <a:rPr lang="en-US" smtClean="0"/>
               <a:pPr/>
-              <a:t>86</a:t>
+              <a:t>85</a:t>
             </a:fld>
             <a:endParaRPr lang="en-US" smtClean="0"/>
           </a:p>
@@ -4140,7 +4156,7 @@
       </p:sp>
       <p:sp>
         <p:nvSpPr>
-          <p:cNvPr id="92163" name="Rectangle 2"/>
+          <p:cNvPr id="91139" name="Rectangle 2"/>
           <p:cNvSpPr>
             <a:spLocks noGrp="1" noRot="1" noChangeAspect="1" noChangeArrowheads="1" noTextEdit="1"/>
           </p:cNvSpPr>
@@ -4150,15 +4166,15 @@
         </p:nvSpPr>
         <p:spPr>
           <a:xfrm>
-            <a:off x="992188" y="765175"/>
-            <a:ext cx="5118100" cy="3838575"/>
+            <a:off x="1117600" y="695325"/>
+            <a:ext cx="4649788" cy="3486150"/>
           </a:xfrm>
           <a:ln/>
         </p:spPr>
       </p:sp>
       <p:sp>
         <p:nvSpPr>
-          <p:cNvPr id="92164" name="Rectangle 3"/>
+          <p:cNvPr id="91140" name="Rectangle 3"/>
           <p:cNvSpPr>
             <a:spLocks noGrp="1" noChangeArrowheads="1"/>
           </p:cNvSpPr>
@@ -4168,8 +4184,8 @@
         </p:nvSpPr>
         <p:spPr>
           <a:xfrm>
-            <a:off x="947310" y="4862817"/>
-            <a:ext cx="5204682" cy="4606608"/>
+            <a:off x="918289" y="4417039"/>
+            <a:ext cx="5045237" cy="4184318"/>
           </a:xfrm>
           <a:noFill/>
           <a:ln/>
@@ -4185,7 +4201,7 @@
     </p:spTree>
     <p:extLst>
       <p:ext uri="{BB962C8B-B14F-4D97-AF65-F5344CB8AC3E}">
-        <p14:creationId xmlns:p14="http://schemas.microsoft.com/office/powerpoint/2010/main" val="1568483519"/>
+        <p14:creationId xmlns:p14="http://schemas.microsoft.com/office/powerpoint/2010/main" val="639193741"/>
       </p:ext>
     </p:extLst>
   </p:cSld>
@@ -4214,7 +4230,7 @@
       </p:grpSpPr>
       <p:sp>
         <p:nvSpPr>
-          <p:cNvPr id="93186" name="Rectangle 7"/>
+          <p:cNvPr id="92162" name="Rectangle 7"/>
           <p:cNvSpPr>
             <a:spLocks noGrp="1" noChangeArrowheads="1"/>
           </p:cNvSpPr>
@@ -4229,10 +4245,10 @@
           <a:bodyPr/>
           <a:lstStyle/>
           <a:p>
-            <a:fld id="{7B34B2A6-DB80-48F1-8B30-96E9023AAA27}" type="slidenum">
+            <a:fld id="{0E1552CE-9097-4E07-8203-ADB4F0E8949C}" type="slidenum">
               <a:rPr lang="en-US" smtClean="0"/>
               <a:pPr/>
-              <a:t>89</a:t>
+              <a:t>86</a:t>
             </a:fld>
             <a:endParaRPr lang="en-US" smtClean="0"/>
           </a:p>
@@ -4240,7 +4256,7 @@
       </p:sp>
       <p:sp>
         <p:nvSpPr>
-          <p:cNvPr id="93187" name="Rectangle 2"/>
+          <p:cNvPr id="92163" name="Rectangle 2"/>
           <p:cNvSpPr>
             <a:spLocks noGrp="1" noRot="1" noChangeAspect="1" noChangeArrowheads="1" noTextEdit="1"/>
           </p:cNvSpPr>
@@ -4249,12 +4265,16 @@
           </p:nvPr>
         </p:nvSpPr>
         <p:spPr>
+          <a:xfrm>
+            <a:off x="1117600" y="695325"/>
+            <a:ext cx="4649788" cy="3486150"/>
+          </a:xfrm>
           <a:ln/>
         </p:spPr>
       </p:sp>
       <p:sp>
         <p:nvSpPr>
-          <p:cNvPr id="93188" name="Rectangle 3"/>
+          <p:cNvPr id="92164" name="Rectangle 3"/>
           <p:cNvSpPr>
             <a:spLocks noGrp="1" noChangeArrowheads="1"/>
           </p:cNvSpPr>
@@ -4264,8 +4284,8 @@
         </p:nvSpPr>
         <p:spPr>
           <a:xfrm>
-            <a:off x="947310" y="4862818"/>
-            <a:ext cx="5204682" cy="4604887"/>
+            <a:off x="918289" y="4417039"/>
+            <a:ext cx="5045237" cy="4184318"/>
           </a:xfrm>
           <a:noFill/>
           <a:ln/>
@@ -4281,7 +4301,7 @@
     </p:spTree>
     <p:extLst>
       <p:ext uri="{BB962C8B-B14F-4D97-AF65-F5344CB8AC3E}">
-        <p14:creationId xmlns:p14="http://schemas.microsoft.com/office/powerpoint/2010/main" val="2344452456"/>
+        <p14:creationId xmlns:p14="http://schemas.microsoft.com/office/powerpoint/2010/main" val="1568483519"/>
       </p:ext>
     </p:extLst>
   </p:cSld>
@@ -4310,7 +4330,7 @@
       </p:grpSpPr>
       <p:sp>
         <p:nvSpPr>
-          <p:cNvPr id="94210" name="Rectangle 7"/>
+          <p:cNvPr id="93186" name="Rectangle 7"/>
           <p:cNvSpPr>
             <a:spLocks noGrp="1" noChangeArrowheads="1"/>
           </p:cNvSpPr>
@@ -4325,10 +4345,10 @@
           <a:bodyPr/>
           <a:lstStyle/>
           <a:p>
-            <a:fld id="{E0F6E56E-D728-4C77-87F4-545DE727E8FF}" type="slidenum">
+            <a:fld id="{7B34B2A6-DB80-48F1-8B30-96E9023AAA27}" type="slidenum">
               <a:rPr lang="en-US" smtClean="0"/>
               <a:pPr/>
-              <a:t>90</a:t>
+              <a:t>89</a:t>
             </a:fld>
             <a:endParaRPr lang="en-US" smtClean="0"/>
           </a:p>
@@ -4336,7 +4356,7 @@
       </p:sp>
       <p:sp>
         <p:nvSpPr>
-          <p:cNvPr id="94211" name="Rectangle 2"/>
+          <p:cNvPr id="93187" name="Rectangle 2"/>
           <p:cNvSpPr>
             <a:spLocks noGrp="1" noRot="1" noChangeAspect="1" noChangeArrowheads="1" noTextEdit="1"/>
           </p:cNvSpPr>
@@ -4350,7 +4370,7 @@
       </p:sp>
       <p:sp>
         <p:nvSpPr>
-          <p:cNvPr id="94212" name="Rectangle 3"/>
+          <p:cNvPr id="93188" name="Rectangle 3"/>
           <p:cNvSpPr>
             <a:spLocks noGrp="1" noChangeArrowheads="1"/>
           </p:cNvSpPr>
@@ -4360,8 +4380,8 @@
         </p:nvSpPr>
         <p:spPr>
           <a:xfrm>
-            <a:off x="947310" y="4862818"/>
-            <a:ext cx="5204682" cy="4604887"/>
+            <a:off x="918289" y="4417041"/>
+            <a:ext cx="5045237" cy="4182754"/>
           </a:xfrm>
           <a:noFill/>
           <a:ln/>
@@ -4377,7 +4397,7 @@
     </p:spTree>
     <p:extLst>
       <p:ext uri="{BB962C8B-B14F-4D97-AF65-F5344CB8AC3E}">
-        <p14:creationId xmlns:p14="http://schemas.microsoft.com/office/powerpoint/2010/main" val="1847523860"/>
+        <p14:creationId xmlns:p14="http://schemas.microsoft.com/office/powerpoint/2010/main" val="2344452456"/>
       </p:ext>
     </p:extLst>
   </p:cSld>
@@ -4424,7 +4444,7 @@
             <a:fld id="{E0F6E56E-D728-4C77-87F4-545DE727E8FF}" type="slidenum">
               <a:rPr lang="en-US" smtClean="0"/>
               <a:pPr/>
-              <a:t>91</a:t>
+              <a:t>90</a:t>
             </a:fld>
             <a:endParaRPr lang="en-US" smtClean="0"/>
           </a:p>
@@ -4456,8 +4476,8 @@
         </p:nvSpPr>
         <p:spPr>
           <a:xfrm>
-            <a:off x="947310" y="4862818"/>
-            <a:ext cx="5204682" cy="4604887"/>
+            <a:off x="918289" y="4417041"/>
+            <a:ext cx="5045237" cy="4182754"/>
           </a:xfrm>
           <a:noFill/>
           <a:ln/>
@@ -4473,7 +4493,7 @@
     </p:spTree>
     <p:extLst>
       <p:ext uri="{BB962C8B-B14F-4D97-AF65-F5344CB8AC3E}">
-        <p14:creationId xmlns:p14="http://schemas.microsoft.com/office/powerpoint/2010/main" val="432184218"/>
+        <p14:creationId xmlns:p14="http://schemas.microsoft.com/office/powerpoint/2010/main" val="1847523860"/>
       </p:ext>
     </p:extLst>
   </p:cSld>
@@ -4520,7 +4540,7 @@
             <a:fld id="{E0F6E56E-D728-4C77-87F4-545DE727E8FF}" type="slidenum">
               <a:rPr lang="en-US" smtClean="0"/>
               <a:pPr/>
-              <a:t>92</a:t>
+              <a:t>91</a:t>
             </a:fld>
             <a:endParaRPr lang="en-US" smtClean="0"/>
           </a:p>
@@ -4552,8 +4572,8 @@
         </p:nvSpPr>
         <p:spPr>
           <a:xfrm>
-            <a:off x="947310" y="4862818"/>
-            <a:ext cx="5204682" cy="4604887"/>
+            <a:off x="918289" y="4417041"/>
+            <a:ext cx="5045237" cy="4182754"/>
           </a:xfrm>
           <a:noFill/>
           <a:ln/>
@@ -4569,7 +4589,7 @@
     </p:spTree>
     <p:extLst>
       <p:ext uri="{BB962C8B-B14F-4D97-AF65-F5344CB8AC3E}">
-        <p14:creationId xmlns:p14="http://schemas.microsoft.com/office/powerpoint/2010/main" val="2244661975"/>
+        <p14:creationId xmlns:p14="http://schemas.microsoft.com/office/powerpoint/2010/main" val="432184218"/>
       </p:ext>
     </p:extLst>
   </p:cSld>
@@ -4598,7 +4618,7 @@
       </p:grpSpPr>
       <p:sp>
         <p:nvSpPr>
-          <p:cNvPr id="88066" name="Rectangle 7"/>
+          <p:cNvPr id="94210" name="Rectangle 7"/>
           <p:cNvSpPr>
             <a:spLocks noGrp="1" noChangeArrowheads="1"/>
           </p:cNvSpPr>
@@ -4613,10 +4633,10 @@
           <a:bodyPr/>
           <a:lstStyle/>
           <a:p>
-            <a:fld id="{91D6B7AD-1913-488A-8101-522C70AA3584}" type="slidenum">
+            <a:fld id="{E0F6E56E-D728-4C77-87F4-545DE727E8FF}" type="slidenum">
               <a:rPr lang="en-US" smtClean="0"/>
               <a:pPr/>
-              <a:t>93</a:t>
+              <a:t>92</a:t>
             </a:fld>
             <a:endParaRPr lang="en-US" smtClean="0"/>
           </a:p>
@@ -4624,7 +4644,7 @@
       </p:sp>
       <p:sp>
         <p:nvSpPr>
-          <p:cNvPr id="88067" name="Rectangle 2"/>
+          <p:cNvPr id="94211" name="Rectangle 2"/>
           <p:cNvSpPr>
             <a:spLocks noGrp="1" noRot="1" noChangeAspect="1" noChangeArrowheads="1" noTextEdit="1"/>
           </p:cNvSpPr>
@@ -4638,7 +4658,7 @@
       </p:sp>
       <p:sp>
         <p:nvSpPr>
-          <p:cNvPr id="88068" name="Rectangle 3"/>
+          <p:cNvPr id="94212" name="Rectangle 3"/>
           <p:cNvSpPr>
             <a:spLocks noGrp="1" noChangeArrowheads="1"/>
           </p:cNvSpPr>
@@ -4647,6 +4667,10 @@
           </p:nvPr>
         </p:nvSpPr>
         <p:spPr>
+          <a:xfrm>
+            <a:off x="918289" y="4417041"/>
+            <a:ext cx="5045237" cy="4182754"/>
+          </a:xfrm>
           <a:noFill/>
           <a:ln/>
         </p:spPr>
@@ -4661,7 +4685,7 @@
     </p:spTree>
     <p:extLst>
       <p:ext uri="{BB962C8B-B14F-4D97-AF65-F5344CB8AC3E}">
-        <p14:creationId xmlns:p14="http://schemas.microsoft.com/office/powerpoint/2010/main" val="3240806795"/>
+        <p14:creationId xmlns:p14="http://schemas.microsoft.com/office/powerpoint/2010/main" val="2244661975"/>
       </p:ext>
     </p:extLst>
   </p:cSld>
@@ -4705,11 +4729,11 @@
           <a:bodyPr/>
           <a:lstStyle/>
           <a:p>
-            <a:pPr defTabSz="988842"/>
+            <a:pPr defTabSz="922886"/>
             <a:fld id="{94563BD0-5864-49B7-84B7-53C12A821313}" type="slidenum">
               <a:rPr lang="en-US" smtClean="0"/>
-              <a:pPr defTabSz="988842"/>
-              <a:t>56</a:t>
+              <a:pPr defTabSz="922886"/>
+              <a:t>55</a:t>
             </a:fld>
             <a:endParaRPr lang="en-US" dirty="0" smtClean="0"/>
           </a:p>
@@ -4759,6 +4783,98 @@
     <p:extLst>
       <p:ext uri="{BB962C8B-B14F-4D97-AF65-F5344CB8AC3E}">
         <p14:creationId xmlns:p14="http://schemas.microsoft.com/office/powerpoint/2010/main" val="2610463194"/>
+      </p:ext>
+    </p:extLst>
+  </p:cSld>
+  <p:clrMapOvr>
+    <a:masterClrMapping/>
+  </p:clrMapOvr>
+</p:notes>
+</file>
+
+<file path=ppt/notesSlides/notesSlide30.xml><?xml version="1.0" encoding="utf-8"?>
+<p:notes xmlns:a="http://schemas.openxmlformats.org/drawingml/2006/main" xmlns:r="http://schemas.openxmlformats.org/officeDocument/2006/relationships" xmlns:p="http://schemas.openxmlformats.org/presentationml/2006/main">
+  <p:cSld>
+    <p:spTree>
+      <p:nvGrpSpPr>
+        <p:cNvPr id="1" name=""/>
+        <p:cNvGrpSpPr/>
+        <p:nvPr/>
+      </p:nvGrpSpPr>
+      <p:grpSpPr>
+        <a:xfrm>
+          <a:off x="0" y="0"/>
+          <a:ext cx="0" cy="0"/>
+          <a:chOff x="0" y="0"/>
+          <a:chExt cx="0" cy="0"/>
+        </a:xfrm>
+      </p:grpSpPr>
+      <p:sp>
+        <p:nvSpPr>
+          <p:cNvPr id="88066" name="Rectangle 7"/>
+          <p:cNvSpPr>
+            <a:spLocks noGrp="1" noChangeArrowheads="1"/>
+          </p:cNvSpPr>
+          <p:nvPr>
+            <p:ph type="sldNum" sz="quarter" idx="5"/>
+          </p:nvPr>
+        </p:nvSpPr>
+        <p:spPr>
+          <a:noFill/>
+        </p:spPr>
+        <p:txBody>
+          <a:bodyPr/>
+          <a:lstStyle/>
+          <a:p>
+            <a:fld id="{91D6B7AD-1913-488A-8101-522C70AA3584}" type="slidenum">
+              <a:rPr lang="en-US" smtClean="0"/>
+              <a:pPr/>
+              <a:t>93</a:t>
+            </a:fld>
+            <a:endParaRPr lang="en-US" smtClean="0"/>
+          </a:p>
+        </p:txBody>
+      </p:sp>
+      <p:sp>
+        <p:nvSpPr>
+          <p:cNvPr id="88067" name="Rectangle 2"/>
+          <p:cNvSpPr>
+            <a:spLocks noGrp="1" noRot="1" noChangeAspect="1" noChangeArrowheads="1" noTextEdit="1"/>
+          </p:cNvSpPr>
+          <p:nvPr>
+            <p:ph type="sldImg"/>
+          </p:nvPr>
+        </p:nvSpPr>
+        <p:spPr>
+          <a:ln/>
+        </p:spPr>
+      </p:sp>
+      <p:sp>
+        <p:nvSpPr>
+          <p:cNvPr id="88068" name="Rectangle 3"/>
+          <p:cNvSpPr>
+            <a:spLocks noGrp="1" noChangeArrowheads="1"/>
+          </p:cNvSpPr>
+          <p:nvPr>
+            <p:ph type="body" idx="1"/>
+          </p:nvPr>
+        </p:nvSpPr>
+        <p:spPr>
+          <a:noFill/>
+          <a:ln/>
+        </p:spPr>
+        <p:txBody>
+          <a:bodyPr/>
+          <a:lstStyle/>
+          <a:p>
+            <a:endParaRPr lang="en-US" smtClean="0"/>
+          </a:p>
+        </p:txBody>
+      </p:sp>
+    </p:spTree>
+    <p:extLst>
+      <p:ext uri="{BB962C8B-B14F-4D97-AF65-F5344CB8AC3E}">
+        <p14:creationId xmlns:p14="http://schemas.microsoft.com/office/powerpoint/2010/main" val="3240806795"/>
       </p:ext>
     </p:extLst>
   </p:cSld>
@@ -4802,11 +4918,11 @@
           <a:bodyPr/>
           <a:lstStyle/>
           <a:p>
-            <a:pPr defTabSz="988842"/>
+            <a:pPr defTabSz="922886"/>
             <a:fld id="{94563BD0-5864-49B7-84B7-53C12A821313}" type="slidenum">
               <a:rPr lang="en-US" smtClean="0"/>
-              <a:pPr defTabSz="988842"/>
-              <a:t>57</a:t>
+              <a:pPr defTabSz="922886"/>
+              <a:t>56</a:t>
             </a:fld>
             <a:endParaRPr lang="en-US" dirty="0" smtClean="0"/>
           </a:p>
@@ -4845,7 +4961,35 @@
           <a:lstStyle/>
           <a:p>
             <a:pPr eaLnBrk="1" hangingPunct="1"/>
-            <a:endParaRPr lang="en-US" smtClean="0">
+            <a:r>
+              <a:rPr lang="en-US" dirty="0" smtClean="0">
+                <a:latin typeface="Arial" charset="0"/>
+                <a:cs typeface="Arial" charset="0"/>
+              </a:rPr>
+              <a:t>This is like studying</a:t>
+            </a:r>
+            <a:r>
+              <a:rPr lang="en-US" baseline="0" dirty="0" smtClean="0">
+                <a:latin typeface="Arial" charset="0"/>
+                <a:cs typeface="Arial" charset="0"/>
+              </a:rPr>
+              <a:t> fevers starting with </a:t>
+            </a:r>
+            <a:r>
+              <a:rPr lang="en-US" baseline="0" dirty="0" err="1" smtClean="0">
+                <a:latin typeface="Arial" charset="0"/>
+                <a:cs typeface="Arial" charset="0"/>
+              </a:rPr>
+              <a:t>ebola</a:t>
+            </a:r>
+            <a:r>
+              <a:rPr lang="en-US" baseline="0" dirty="0" smtClean="0">
+                <a:latin typeface="Arial" charset="0"/>
+                <a:cs typeface="Arial" charset="0"/>
+              </a:rPr>
+              <a:t>. </a:t>
+            </a:r>
+            <a:endParaRPr lang="en-US" dirty="0" smtClean="0">
               <a:latin typeface="Arial" charset="0"/>
               <a:cs typeface="Arial" charset="0"/>
             </a:endParaRPr>
@@ -4884,78 +5028,76 @@
       </p:grpSpPr>
       <p:sp>
         <p:nvSpPr>
-          <p:cNvPr id="91138" name="Rectangle 7"/>
-          <p:cNvSpPr>
-            <a:spLocks noGrp="1" noChangeArrowheads="1"/>
-          </p:cNvSpPr>
-          <p:nvPr>
-            <p:ph type="sldNum" sz="quarter" idx="5"/>
-          </p:nvPr>
-        </p:nvSpPr>
-        <p:spPr>
-          <a:noFill/>
-        </p:spPr>
-        <p:txBody>
-          <a:bodyPr/>
-          <a:lstStyle/>
-          <a:p>
-            <a:fld id="{6F8780E5-E52C-4A54-8081-8BBC0E747182}" type="slidenum">
-              <a:rPr lang="en-US" smtClean="0"/>
-              <a:pPr/>
-              <a:t>61</a:t>
-            </a:fld>
-            <a:endParaRPr lang="en-US" smtClean="0"/>
-          </a:p>
-        </p:txBody>
-      </p:sp>
-      <p:sp>
-        <p:nvSpPr>
-          <p:cNvPr id="91139" name="Rectangle 2"/>
-          <p:cNvSpPr>
-            <a:spLocks noGrp="1" noRot="1" noChangeAspect="1" noChangeArrowheads="1" noTextEdit="1"/>
+          <p:cNvPr id="2" name="Slide Image Placeholder 1"/>
+          <p:cNvSpPr>
+            <a:spLocks noGrp="1" noRot="1" noChangeAspect="1"/>
           </p:cNvSpPr>
           <p:nvPr>
             <p:ph type="sldImg"/>
           </p:nvPr>
         </p:nvSpPr>
-        <p:spPr>
-          <a:xfrm>
-            <a:off x="992188" y="765175"/>
-            <a:ext cx="5118100" cy="3838575"/>
-          </a:xfrm>
-          <a:ln/>
-        </p:spPr>
-      </p:sp>
-      <p:sp>
-        <p:nvSpPr>
-          <p:cNvPr id="91140" name="Rectangle 3"/>
-          <p:cNvSpPr>
-            <a:spLocks noGrp="1" noChangeArrowheads="1"/>
+        <p:spPr/>
+      </p:sp>
+      <p:sp>
+        <p:nvSpPr>
+          <p:cNvPr id="3" name="Notes Placeholder 2"/>
+          <p:cNvSpPr>
+            <a:spLocks noGrp="1"/>
           </p:cNvSpPr>
           <p:nvPr>
             <p:ph type="body" idx="1"/>
           </p:nvPr>
         </p:nvSpPr>
-        <p:spPr>
-          <a:xfrm>
-            <a:off x="947310" y="4862817"/>
-            <a:ext cx="5204682" cy="4606608"/>
-          </a:xfrm>
-          <a:noFill/>
-          <a:ln/>
-        </p:spPr>
+        <p:spPr/>
         <p:txBody>
           <a:bodyPr/>
           <a:lstStyle/>
           <a:p>
-            <a:endParaRPr lang="en-US" smtClean="0"/>
+            <a:r>
+              <a:rPr lang="en-US" dirty="0" smtClean="0"/>
+              <a:t>Has anyone here lived through</a:t>
+            </a:r>
+            <a:r>
+              <a:rPr lang="en-US" baseline="0" dirty="0" smtClean="0"/>
+              <a:t> a hyperinflation?  </a:t>
+            </a:r>
+            <a:endParaRPr lang="en-US" dirty="0"/>
+          </a:p>
+        </p:txBody>
+      </p:sp>
+      <p:sp>
+        <p:nvSpPr>
+          <p:cNvPr id="4" name="Slide Number Placeholder 3"/>
+          <p:cNvSpPr>
+            <a:spLocks noGrp="1"/>
+          </p:cNvSpPr>
+          <p:nvPr>
+            <p:ph type="sldNum" sz="quarter" idx="10"/>
+          </p:nvPr>
+        </p:nvSpPr>
+        <p:spPr/>
+        <p:txBody>
+          <a:bodyPr/>
+          <a:lstStyle/>
+          <a:p>
+            <a:pPr>
+              <a:defRPr/>
+            </a:pPr>
+            <a:fld id="{B0384826-C387-481E-B59F-01706DB12BEA}" type="slidenum">
+              <a:rPr lang="en-US" smtClean="0"/>
+              <a:pPr>
+                <a:defRPr/>
+              </a:pPr>
+              <a:t>57</a:t>
+            </a:fld>
+            <a:endParaRPr lang="en-US"/>
           </a:p>
         </p:txBody>
       </p:sp>
     </p:spTree>
     <p:extLst>
       <p:ext uri="{BB962C8B-B14F-4D97-AF65-F5344CB8AC3E}">
-        <p14:creationId xmlns:p14="http://schemas.microsoft.com/office/powerpoint/2010/main" val="2214129966"/>
+        <p14:creationId xmlns:p14="http://schemas.microsoft.com/office/powerpoint/2010/main" val="2058301994"/>
       </p:ext>
     </p:extLst>
   </p:cSld>
@@ -4984,7 +5126,7 @@
       </p:grpSpPr>
       <p:sp>
         <p:nvSpPr>
-          <p:cNvPr id="78850" name="Rectangle 7"/>
+          <p:cNvPr id="91138" name="Rectangle 7"/>
           <p:cNvSpPr>
             <a:spLocks noGrp="1" noChangeArrowheads="1"/>
           </p:cNvSpPr>
@@ -4999,10 +5141,10 @@
           <a:bodyPr/>
           <a:lstStyle/>
           <a:p>
-            <a:fld id="{01D6CDBF-4F1E-44FA-B13A-83CA901AD94B}" type="slidenum">
+            <a:fld id="{6F8780E5-E52C-4A54-8081-8BBC0E747182}" type="slidenum">
               <a:rPr lang="en-US" smtClean="0"/>
               <a:pPr/>
-              <a:t>64</a:t>
+              <a:t>61</a:t>
             </a:fld>
             <a:endParaRPr lang="en-US" smtClean="0"/>
           </a:p>
@@ -5010,7 +5152,7 @@
       </p:sp>
       <p:sp>
         <p:nvSpPr>
-          <p:cNvPr id="78851" name="Rectangle 2"/>
+          <p:cNvPr id="91139" name="Rectangle 2"/>
           <p:cNvSpPr>
             <a:spLocks noGrp="1" noRot="1" noChangeAspect="1" noChangeArrowheads="1" noTextEdit="1"/>
           </p:cNvSpPr>
@@ -5020,15 +5162,15 @@
         </p:nvSpPr>
         <p:spPr>
           <a:xfrm>
-            <a:off x="992188" y="765175"/>
-            <a:ext cx="5118100" cy="3838575"/>
+            <a:off x="1117600" y="695325"/>
+            <a:ext cx="4649788" cy="3486150"/>
           </a:xfrm>
           <a:ln/>
         </p:spPr>
       </p:sp>
       <p:sp>
         <p:nvSpPr>
-          <p:cNvPr id="78852" name="Rectangle 3"/>
+          <p:cNvPr id="91140" name="Rectangle 3"/>
           <p:cNvSpPr>
             <a:spLocks noGrp="1" noChangeArrowheads="1"/>
           </p:cNvSpPr>
@@ -5038,8 +5180,8 @@
         </p:nvSpPr>
         <p:spPr>
           <a:xfrm>
-            <a:off x="947310" y="4861099"/>
-            <a:ext cx="5204682" cy="4608327"/>
+            <a:off x="918289" y="4417039"/>
+            <a:ext cx="5045237" cy="4184318"/>
           </a:xfrm>
           <a:noFill/>
           <a:ln/>
@@ -5048,17 +5190,14 @@
           <a:bodyPr/>
           <a:lstStyle/>
           <a:p>
-            <a:r>
-              <a:rPr lang="en-US" smtClean="0"/>
-              <a:t>http://www.zum.de/whkmla/region/germany/turm2023.html</a:t>
-            </a:r>
+            <a:endParaRPr lang="en-US" smtClean="0"/>
           </a:p>
         </p:txBody>
       </p:sp>
     </p:spTree>
     <p:extLst>
       <p:ext uri="{BB962C8B-B14F-4D97-AF65-F5344CB8AC3E}">
-        <p14:creationId xmlns:p14="http://schemas.microsoft.com/office/powerpoint/2010/main" val="1498824541"/>
+        <p14:creationId xmlns:p14="http://schemas.microsoft.com/office/powerpoint/2010/main" val="2214129966"/>
       </p:ext>
     </p:extLst>
   </p:cSld>
@@ -5087,7 +5226,7 @@
       </p:grpSpPr>
       <p:sp>
         <p:nvSpPr>
-          <p:cNvPr id="19458" name="Rectangle 7"/>
+          <p:cNvPr id="78850" name="Rectangle 7"/>
           <p:cNvSpPr>
             <a:spLocks noGrp="1" noChangeArrowheads="1"/>
           </p:cNvSpPr>
@@ -5102,18 +5241,18 @@
           <a:bodyPr/>
           <a:lstStyle/>
           <a:p>
-            <a:fld id="{9CD3E976-8469-4137-819B-EC355E998823}" type="slidenum">
-              <a:rPr lang="en-US"/>
+            <a:fld id="{01D6CDBF-4F1E-44FA-B13A-83CA901AD94B}" type="slidenum">
+              <a:rPr lang="en-US" smtClean="0"/>
               <a:pPr/>
-              <a:t>65</a:t>
+              <a:t>64</a:t>
             </a:fld>
-            <a:endParaRPr lang="en-US"/>
-          </a:p>
-        </p:txBody>
-      </p:sp>
-      <p:sp>
-        <p:nvSpPr>
-          <p:cNvPr id="19459" name="Rectangle 2"/>
+            <a:endParaRPr lang="en-US" smtClean="0"/>
+          </a:p>
+        </p:txBody>
+      </p:sp>
+      <p:sp>
+        <p:nvSpPr>
+          <p:cNvPr id="78851" name="Rectangle 2"/>
           <p:cNvSpPr>
             <a:spLocks noGrp="1" noRot="1" noChangeAspect="1" noChangeArrowheads="1" noTextEdit="1"/>
           </p:cNvSpPr>
@@ -5122,12 +5261,16 @@
           </p:nvPr>
         </p:nvSpPr>
         <p:spPr>
+          <a:xfrm>
+            <a:off x="1117600" y="695325"/>
+            <a:ext cx="4649788" cy="3486150"/>
+          </a:xfrm>
           <a:ln/>
         </p:spPr>
       </p:sp>
       <p:sp>
         <p:nvSpPr>
-          <p:cNvPr id="19460" name="Rectangle 3"/>
+          <p:cNvPr id="78852" name="Rectangle 3"/>
           <p:cNvSpPr>
             <a:spLocks noGrp="1" noChangeArrowheads="1"/>
           </p:cNvSpPr>
@@ -5136,6 +5279,10 @@
           </p:nvPr>
         </p:nvSpPr>
         <p:spPr>
+          <a:xfrm>
+            <a:off x="918289" y="4415480"/>
+            <a:ext cx="5045237" cy="4185879"/>
+          </a:xfrm>
           <a:noFill/>
           <a:ln/>
         </p:spPr>
@@ -5143,16 +5290,17 @@
           <a:bodyPr/>
           <a:lstStyle/>
           <a:p>
-            <a:endParaRPr lang="en-US" smtClean="0">
-              <a:latin typeface="Times New Roman" pitchFamily="18" charset="0"/>
-            </a:endParaRPr>
+            <a:r>
+              <a:rPr lang="en-US" smtClean="0"/>
+              <a:t>http://www.zum.de/whkmla/region/germany/turm2023.html</a:t>
+            </a:r>
           </a:p>
         </p:txBody>
       </p:sp>
     </p:spTree>
     <p:extLst>
       <p:ext uri="{BB962C8B-B14F-4D97-AF65-F5344CB8AC3E}">
-        <p14:creationId xmlns:p14="http://schemas.microsoft.com/office/powerpoint/2010/main" val="4014681619"/>
+        <p14:creationId xmlns:p14="http://schemas.microsoft.com/office/powerpoint/2010/main" val="1498824541"/>
       </p:ext>
     </p:extLst>
   </p:cSld>
@@ -5181,45 +5329,33 @@
       </p:grpSpPr>
       <p:sp>
         <p:nvSpPr>
-          <p:cNvPr id="76802" name="Rectangle 7"/>
-          <p:cNvSpPr txBox="1">
+          <p:cNvPr id="19458" name="Rectangle 7"/>
+          <p:cNvSpPr>
             <a:spLocks noGrp="1" noChangeArrowheads="1"/>
           </p:cNvSpPr>
-          <p:nvPr/>
-        </p:nvSpPr>
-        <p:spPr bwMode="auto">
-          <a:xfrm>
-            <a:off x="4022516" y="9722195"/>
-            <a:ext cx="3076784" cy="512418"/>
-          </a:xfrm>
-          <a:prstGeom prst="rect">
-            <a:avLst/>
-          </a:prstGeom>
+          <p:nvPr>
+            <p:ph type="sldNum" sz="quarter" idx="5"/>
+          </p:nvPr>
+        </p:nvSpPr>
+        <p:spPr>
           <a:noFill/>
-          <a:ln w="9525">
-            <a:noFill/>
-            <a:miter lim="800000"/>
-            <a:headEnd/>
-            <a:tailEnd/>
-          </a:ln>
         </p:spPr>
         <p:txBody>
-          <a:bodyPr lIns="93351" tIns="46675" rIns="93351" bIns="46675" anchor="b"/>
+          <a:bodyPr/>
           <a:lstStyle/>
           <a:p>
-            <a:pPr algn="r" defTabSz="933359"/>
-            <a:fld id="{BB41E30C-B377-4F5E-BD1B-43CA015E93C8}" type="slidenum">
-              <a:rPr lang="en-US" sz="1200"/>
-              <a:pPr algn="r" defTabSz="933359"/>
-              <a:t>68</a:t>
+            <a:fld id="{9CD3E976-8469-4137-819B-EC355E998823}" type="slidenum">
+              <a:rPr lang="en-US"/>
+              <a:pPr/>
+              <a:t>65</a:t>
             </a:fld>
-            <a:endParaRPr lang="en-US" sz="1200" dirty="0"/>
-          </a:p>
-        </p:txBody>
-      </p:sp>
-      <p:sp>
-        <p:nvSpPr>
-          <p:cNvPr id="76803" name="Rectangle 2"/>
+            <a:endParaRPr lang="en-US"/>
+          </a:p>
+        </p:txBody>
+      </p:sp>
+      <p:sp>
+        <p:nvSpPr>
+          <p:cNvPr id="19459" name="Rectangle 2"/>
           <p:cNvSpPr>
             <a:spLocks noGrp="1" noRot="1" noChangeAspect="1" noChangeArrowheads="1" noTextEdit="1"/>
           </p:cNvSpPr>
@@ -5233,7 +5369,7 @@
       </p:sp>
       <p:sp>
         <p:nvSpPr>
-          <p:cNvPr id="76804" name="Rectangle 3"/>
+          <p:cNvPr id="19460" name="Rectangle 3"/>
           <p:cNvSpPr>
             <a:spLocks noGrp="1" noChangeArrowheads="1"/>
           </p:cNvSpPr>
@@ -5249,17 +5385,16 @@
           <a:bodyPr/>
           <a:lstStyle/>
           <a:p>
-            <a:r>
-              <a:rPr lang="en-US" smtClean="0"/>
-              <a:t>Have you lived through a big inflation?  What was it like?  </a:t>
-            </a:r>
+            <a:endParaRPr lang="en-US" smtClean="0">
+              <a:latin typeface="Times New Roman" pitchFamily="18" charset="0"/>
+            </a:endParaRPr>
           </a:p>
         </p:txBody>
       </p:sp>
     </p:spTree>
     <p:extLst>
       <p:ext uri="{BB962C8B-B14F-4D97-AF65-F5344CB8AC3E}">
-        <p14:creationId xmlns:p14="http://schemas.microsoft.com/office/powerpoint/2010/main" val="1816313884"/>
+        <p14:creationId xmlns:p14="http://schemas.microsoft.com/office/powerpoint/2010/main" val="4014681619"/>
       </p:ext>
     </p:extLst>
   </p:cSld>
@@ -5288,33 +5423,45 @@
       </p:grpSpPr>
       <p:sp>
         <p:nvSpPr>
-          <p:cNvPr id="80898" name="Rectangle 7"/>
-          <p:cNvSpPr>
+          <p:cNvPr id="76802" name="Rectangle 7"/>
+          <p:cNvSpPr txBox="1">
             <a:spLocks noGrp="1" noChangeArrowheads="1"/>
           </p:cNvSpPr>
-          <p:nvPr>
-            <p:ph type="sldNum" sz="quarter" idx="5"/>
-          </p:nvPr>
-        </p:nvSpPr>
-        <p:spPr>
+          <p:nvPr/>
+        </p:nvSpPr>
+        <p:spPr bwMode="auto">
+          <a:xfrm>
+            <a:off x="3899286" y="8830956"/>
+            <a:ext cx="2982527" cy="465444"/>
+          </a:xfrm>
+          <a:prstGeom prst="rect">
+            <a:avLst/>
+          </a:prstGeom>
           <a:noFill/>
+          <a:ln w="9525">
+            <a:noFill/>
+            <a:miter lim="800000"/>
+            <a:headEnd/>
+            <a:tailEnd/>
+          </a:ln>
         </p:spPr>
         <p:txBody>
-          <a:bodyPr/>
+          <a:bodyPr lIns="87124" tIns="43562" rIns="87124" bIns="43562" anchor="b"/>
           <a:lstStyle/>
           <a:p>
-            <a:fld id="{545CC26A-88B7-4A29-92A4-2A6F1340BC87}" type="slidenum">
-              <a:rPr lang="en-US" smtClean="0"/>
-              <a:pPr/>
-              <a:t>69</a:t>
+            <a:pPr algn="r" defTabSz="871104"/>
+            <a:fld id="{BB41E30C-B377-4F5E-BD1B-43CA015E93C8}" type="slidenum">
+              <a:rPr lang="en-US" sz="1100"/>
+              <a:pPr algn="r" defTabSz="871104"/>
+              <a:t>68</a:t>
             </a:fld>
-            <a:endParaRPr lang="en-US" smtClean="0"/>
-          </a:p>
-        </p:txBody>
-      </p:sp>
-      <p:sp>
-        <p:nvSpPr>
-          <p:cNvPr id="80899" name="Rectangle 2"/>
+            <a:endParaRPr lang="en-US" sz="1100" dirty="0"/>
+          </a:p>
+        </p:txBody>
+      </p:sp>
+      <p:sp>
+        <p:nvSpPr>
+          <p:cNvPr id="76803" name="Rectangle 2"/>
           <p:cNvSpPr>
             <a:spLocks noGrp="1" noRot="1" noChangeAspect="1" noChangeArrowheads="1" noTextEdit="1"/>
           </p:cNvSpPr>
@@ -5328,7 +5475,7 @@
       </p:sp>
       <p:sp>
         <p:nvSpPr>
-          <p:cNvPr id="80900" name="Rectangle 3"/>
+          <p:cNvPr id="76804" name="Rectangle 3"/>
           <p:cNvSpPr>
             <a:spLocks noGrp="1" noChangeArrowheads="1"/>
           </p:cNvSpPr>
@@ -5344,14 +5491,17 @@
           <a:bodyPr/>
           <a:lstStyle/>
           <a:p>
-            <a:endParaRPr lang="en-US" smtClean="0"/>
+            <a:r>
+              <a:rPr lang="en-US" smtClean="0"/>
+              <a:t>Have you lived through a big inflation?  What was it like?  </a:t>
+            </a:r>
           </a:p>
         </p:txBody>
       </p:sp>
     </p:spTree>
     <p:extLst>
       <p:ext uri="{BB962C8B-B14F-4D97-AF65-F5344CB8AC3E}">
-        <p14:creationId xmlns:p14="http://schemas.microsoft.com/office/powerpoint/2010/main" val="2979349008"/>
+        <p14:creationId xmlns:p14="http://schemas.microsoft.com/office/powerpoint/2010/main" val="1816313884"/>
       </p:ext>
     </p:extLst>
   </p:cSld>
@@ -9615,12 +9765,12 @@
       </p:grpSpPr>
       <p:sp>
         <p:nvSpPr>
-          <p:cNvPr id="357378" name="Rectangle 2"/>
+          <p:cNvPr id="4098" name="Rectangle 2"/>
           <p:cNvSpPr>
             <a:spLocks noGrp="1" noChangeArrowheads="1"/>
           </p:cNvSpPr>
           <p:nvPr>
-            <p:ph type="title"/>
+            <p:ph type="title" idx="4294967295"/>
           </p:nvPr>
         </p:nvSpPr>
         <p:spPr/>
@@ -9628,142 +9778,71 @@
           <a:bodyPr/>
           <a:lstStyle/>
           <a:p>
-            <a:pPr algn="l"/>
-            <a:r>
-              <a:rPr lang="en-US" dirty="0"/>
-              <a:t>Courses related to </a:t>
-            </a:r>
+            <a:pPr algn="l" eaLnBrk="1" hangingPunct="1"/>
             <a:r>
               <a:rPr lang="en-US" dirty="0" smtClean="0"/>
-              <a:t>this topic</a:t>
-            </a:r>
-            <a:endParaRPr lang="en-US" dirty="0"/>
-          </a:p>
-        </p:txBody>
-      </p:sp>
-      <p:sp>
-        <p:nvSpPr>
-          <p:cNvPr id="357379" name="Rectangle 3"/>
+              <a:t>Roadmap</a:t>
+            </a:r>
+          </a:p>
+        </p:txBody>
+      </p:sp>
+      <p:sp>
+        <p:nvSpPr>
+          <p:cNvPr id="4099" name="Rectangle 3"/>
           <p:cNvSpPr>
             <a:spLocks noGrp="1" noChangeArrowheads="1"/>
           </p:cNvSpPr>
           <p:nvPr>
-            <p:ph type="body" idx="1"/>
+            <p:ph type="body" idx="4294967295"/>
           </p:nvPr>
         </p:nvSpPr>
         <p:spPr>
           <a:xfrm>
             <a:off x="457200" y="1600200"/>
-            <a:ext cx="8458200" cy="4525963"/>
+            <a:ext cx="7467600" cy="4525963"/>
           </a:xfrm>
         </p:spPr>
         <p:txBody>
           <a:bodyPr/>
           <a:lstStyle/>
           <a:p>
-            <a:pPr>
+            <a:pPr eaLnBrk="1" hangingPunct="1">
               <a:spcBef>
                 <a:spcPts val="1200"/>
               </a:spcBef>
             </a:pPr>
             <a:r>
               <a:rPr lang="en-US" sz="2400" dirty="0" smtClean="0"/>
-              <a:t>Real-world analysis of economic data (ECON-GB.2347)</a:t>
-            </a:r>
-            <a:endParaRPr lang="en-US" sz="2000" dirty="0" smtClean="0"/>
-          </a:p>
-          <a:p>
-            <a:pPr lvl="1">
+              <a:t>Indicators </a:t>
+            </a:r>
+          </a:p>
+          <a:p>
+            <a:pPr eaLnBrk="1" hangingPunct="1">
               <a:spcBef>
                 <a:spcPts val="1200"/>
               </a:spcBef>
             </a:pPr>
             <a:r>
-              <a:rPr lang="en-US" sz="2000" dirty="0" smtClean="0"/>
-              <a:t>Professor Peter </a:t>
-            </a:r>
-            <a:r>
-              <a:rPr lang="en-US" sz="2000" dirty="0" err="1" smtClean="0"/>
-              <a:t>D’Antonio</a:t>
-            </a:r>
-            <a:r>
-              <a:rPr lang="en-US" sz="2000" dirty="0" smtClean="0"/>
-              <a:t>, </a:t>
-            </a:r>
-            <a:r>
-              <a:rPr lang="en-US" sz="2000" dirty="0" err="1" smtClean="0"/>
-              <a:t>Citi</a:t>
-            </a:r>
-            <a:r>
-              <a:rPr lang="en-US" sz="2000" dirty="0" smtClean="0"/>
-              <a:t>, Director and Head of US Economic Forecasting, does this for a living </a:t>
-            </a:r>
-          </a:p>
-          <a:p>
-            <a:pPr>
+              <a:rPr lang="en-US" sz="2400" dirty="0" smtClean="0"/>
+              <a:t>The cross-correlation function </a:t>
+            </a:r>
+          </a:p>
+          <a:p>
+            <a:pPr eaLnBrk="1" hangingPunct="1">
               <a:spcBef>
                 <a:spcPts val="1200"/>
               </a:spcBef>
-              <a:spcAft>
-                <a:spcPts val="600"/>
-              </a:spcAft>
             </a:pPr>
             <a:r>
               <a:rPr lang="en-US" sz="2400" dirty="0" smtClean="0"/>
-              <a:t>Forecasting time series data (STAT-GB.0018) </a:t>
-            </a:r>
-          </a:p>
-          <a:p>
-            <a:pPr lvl="1">
-              <a:spcBef>
-                <a:spcPts val="600"/>
-              </a:spcBef>
-            </a:pPr>
-            <a:r>
-              <a:rPr lang="en-US" sz="2000" dirty="0" smtClean="0"/>
-              <a:t>Professor Cliff </a:t>
-            </a:r>
-            <a:r>
-              <a:rPr lang="en-US" sz="2000" dirty="0" err="1" smtClean="0"/>
-              <a:t>Hurvich</a:t>
-            </a:r>
-            <a:r>
-              <a:rPr lang="en-US" sz="2000" dirty="0" smtClean="0"/>
-              <a:t>, expert and pianist </a:t>
-            </a:r>
-          </a:p>
-          <a:p>
-            <a:pPr lvl="1">
-              <a:spcBef>
-                <a:spcPts val="600"/>
-              </a:spcBef>
-            </a:pPr>
-            <a:r>
-              <a:rPr lang="en-US" sz="2000" dirty="0" smtClean="0"/>
-              <a:t>Or Professor </a:t>
-            </a:r>
-            <a:r>
-              <a:rPr lang="en-US" sz="2000" dirty="0" err="1" smtClean="0"/>
-              <a:t>Rohit</a:t>
-            </a:r>
-            <a:r>
-              <a:rPr lang="en-US" sz="2000" dirty="0" smtClean="0"/>
-              <a:t> </a:t>
-            </a:r>
-            <a:r>
-              <a:rPr lang="en-US" sz="2000" dirty="0" err="1" smtClean="0"/>
-              <a:t>Deo</a:t>
-            </a:r>
-            <a:r>
-              <a:rPr lang="en-US" sz="2000" dirty="0" smtClean="0"/>
-              <a:t>, also an expert</a:t>
-            </a:r>
-          </a:p>
-        </p:txBody>
-      </p:sp>
-      <p:sp>
-        <p:nvSpPr>
-          <p:cNvPr id="4" name="Slide Number Placeholder 3"/>
+              <a:t>The business cycle scorecard   </a:t>
+            </a:r>
+          </a:p>
+        </p:txBody>
+      </p:sp>
+      <p:sp>
+        <p:nvSpPr>
+          <p:cNvPr id="4100" name="Slide Number Placeholder 3"/>
           <p:cNvSpPr>
             <a:spLocks noGrp="1"/>
           </p:cNvSpPr>
@@ -9771,31 +9850,23 @@
             <p:ph type="sldNum" sz="quarter" idx="12"/>
           </p:nvPr>
         </p:nvSpPr>
-        <p:spPr/>
+        <p:spPr>
+          <a:noFill/>
+        </p:spPr>
         <p:txBody>
           <a:bodyPr/>
           <a:lstStyle/>
           <a:p>
-            <a:pPr>
-              <a:defRPr/>
-            </a:pPr>
-            <a:fld id="{90DC53D5-C2E1-41A2-9018-B1428E4E4B53}" type="slidenum">
+            <a:fld id="{E041A9CD-8F68-446A-8192-3D8982304C37}" type="slidenum">
               <a:rPr lang="en-US" smtClean="0"/>
-              <a:pPr>
-                <a:defRPr/>
-              </a:pPr>
+              <a:pPr/>
               <a:t>10</a:t>
             </a:fld>
-            <a:endParaRPr lang="en-US"/>
+            <a:endParaRPr lang="en-US" smtClean="0"/>
           </a:p>
         </p:txBody>
       </p:sp>
     </p:spTree>
-    <p:extLst>
-      <p:ext uri="{BB962C8B-B14F-4D97-AF65-F5344CB8AC3E}">
-        <p14:creationId xmlns:p14="http://schemas.microsoft.com/office/powerpoint/2010/main" val="3512118795"/>
-      </p:ext>
-    </p:extLst>
   </p:cSld>
   <p:clrMapOvr>
     <a:masterClrMapping/>
@@ -9829,12 +9900,12 @@
       </p:grpSpPr>
       <p:sp>
         <p:nvSpPr>
-          <p:cNvPr id="4098" name="Rectangle 2"/>
+          <p:cNvPr id="57346" name="Rectangle 4"/>
           <p:cNvSpPr>
             <a:spLocks noGrp="1" noChangeArrowheads="1"/>
           </p:cNvSpPr>
           <p:nvPr>
-            <p:ph type="title" idx="4294967295"/>
+            <p:ph type="ctrTitle"/>
           </p:nvPr>
         </p:nvSpPr>
         <p:spPr/>
@@ -9842,138 +9913,11 @@
           <a:bodyPr/>
           <a:lstStyle/>
           <a:p>
-            <a:pPr algn="l" eaLnBrk="1" hangingPunct="1"/>
-            <a:r>
-              <a:rPr lang="en-US" dirty="0" smtClean="0"/>
-              <a:t>What’s happening?</a:t>
-            </a:r>
-          </a:p>
-        </p:txBody>
-      </p:sp>
-      <p:sp>
-        <p:nvSpPr>
-          <p:cNvPr id="4099" name="Rectangle 3"/>
-          <p:cNvSpPr>
-            <a:spLocks noGrp="1" noChangeArrowheads="1"/>
-          </p:cNvSpPr>
-          <p:nvPr>
-            <p:ph type="body" idx="4294967295"/>
-          </p:nvPr>
-        </p:nvSpPr>
-        <p:spPr>
-          <a:xfrm>
-            <a:off x="457200" y="1600200"/>
-            <a:ext cx="7467600" cy="4525963"/>
-          </a:xfrm>
-        </p:spPr>
-        <p:txBody>
-          <a:bodyPr/>
-          <a:lstStyle/>
-          <a:p>
-            <a:pPr eaLnBrk="1" hangingPunct="1">
-              <a:spcBef>
-                <a:spcPts val="1200"/>
-              </a:spcBef>
-              <a:spcAft>
-                <a:spcPts val="600"/>
-              </a:spcAft>
-            </a:pPr>
-            <a:r>
-              <a:rPr lang="en-US" sz="2400" dirty="0" smtClean="0"/>
-              <a:t>Employment report released yesterday</a:t>
-            </a:r>
-          </a:p>
-          <a:p>
-            <a:pPr lvl="1" eaLnBrk="1" hangingPunct="1">
-              <a:spcBef>
-                <a:spcPts val="600"/>
-              </a:spcBef>
-            </a:pPr>
-            <a:r>
-              <a:rPr lang="en-US" sz="2000" dirty="0" smtClean="0"/>
-              <a:t>Employment up 204k in October (consensus:  120k) </a:t>
-            </a:r>
-          </a:p>
-          <a:p>
-            <a:pPr lvl="1" eaLnBrk="1" hangingPunct="1">
-              <a:spcBef>
-                <a:spcPts val="600"/>
-              </a:spcBef>
-            </a:pPr>
-            <a:r>
-              <a:rPr lang="en-US" sz="2000" dirty="0" smtClean="0"/>
-              <a:t>September revised upward from 148k to 163k </a:t>
-            </a:r>
-          </a:p>
-          <a:p>
-            <a:pPr lvl="1" eaLnBrk="1" hangingPunct="1">
-              <a:spcBef>
-                <a:spcPts val="600"/>
-              </a:spcBef>
-            </a:pPr>
-            <a:r>
-              <a:rPr lang="en-US" sz="2000" dirty="0" smtClean="0"/>
-              <a:t>Unemployment up slightly from 7.2% to 7.3% </a:t>
-            </a:r>
-          </a:p>
-          <a:p>
-            <a:pPr lvl="1" eaLnBrk="1" hangingPunct="1">
-              <a:spcBef>
-                <a:spcPts val="600"/>
-              </a:spcBef>
-            </a:pPr>
-            <a:r>
-              <a:rPr lang="en-US" sz="2000" dirty="0" smtClean="0"/>
-              <a:t>More at Bloomberg calendar, FRED </a:t>
-            </a:r>
-          </a:p>
-          <a:p>
-            <a:pPr eaLnBrk="1" hangingPunct="1">
-              <a:spcBef>
-                <a:spcPts val="1200"/>
-              </a:spcBef>
-            </a:pPr>
-            <a:r>
-              <a:rPr lang="en-US" sz="2400" dirty="0" smtClean="0"/>
-              <a:t>What do we learn from this?  </a:t>
-            </a:r>
-          </a:p>
-          <a:p>
-            <a:pPr eaLnBrk="1" hangingPunct="1">
-              <a:spcBef>
-                <a:spcPts val="1200"/>
-              </a:spcBef>
-            </a:pPr>
-            <a:r>
-              <a:rPr lang="en-US" sz="2400" dirty="0" smtClean="0"/>
-              <a:t>How did markets respond?  </a:t>
-            </a:r>
-          </a:p>
-        </p:txBody>
-      </p:sp>
-      <p:sp>
-        <p:nvSpPr>
-          <p:cNvPr id="4100" name="Slide Number Placeholder 3"/>
-          <p:cNvSpPr>
-            <a:spLocks noGrp="1"/>
-          </p:cNvSpPr>
-          <p:nvPr>
-            <p:ph type="sldNum" sz="quarter" idx="12"/>
-          </p:nvPr>
-        </p:nvSpPr>
-        <p:spPr>
-          <a:noFill/>
-        </p:spPr>
-        <p:txBody>
-          <a:bodyPr/>
-          <a:lstStyle/>
-          <a:p>
-            <a:fld id="{E041A9CD-8F68-446A-8192-3D8982304C37}" type="slidenum">
-              <a:rPr lang="en-US" smtClean="0"/>
-              <a:pPr/>
-              <a:t>11</a:t>
-            </a:fld>
-            <a:endParaRPr lang="en-US" smtClean="0"/>
+            <a:pPr eaLnBrk="1" hangingPunct="1"/>
+            <a:r>
+              <a:rPr lang="en-US" i="1" dirty="0" smtClean="0"/>
+              <a:t>Indicators</a:t>
+            </a:r>
           </a:p>
         </p:txBody>
       </p:sp>
@@ -10027,7 +9971,7 @@
             <a:pPr algn="l" eaLnBrk="1" hangingPunct="1"/>
             <a:r>
               <a:rPr lang="en-US" dirty="0" smtClean="0"/>
-              <a:t>Roadmap</a:t>
+              <a:t>Indicators of economic activity</a:t>
             </a:r>
           </a:p>
         </p:txBody>
@@ -10045,7 +9989,7 @@
         <p:spPr>
           <a:xfrm>
             <a:off x="457200" y="1600200"/>
-            <a:ext cx="7467600" cy="4525963"/>
+            <a:ext cx="7848600" cy="4525963"/>
           </a:xfrm>
         </p:spPr>
         <p:txBody>
@@ -10059,7 +10003,7 @@
             </a:pPr>
             <a:r>
               <a:rPr lang="en-US" sz="2400" dirty="0" smtClean="0"/>
-              <a:t>Indicators </a:t>
+              <a:t>Hundreds of them, more all the time</a:t>
             </a:r>
           </a:p>
           <a:p>
@@ -10070,18 +10014,7 @@
             </a:pPr>
             <a:r>
               <a:rPr lang="en-US" sz="2400" dirty="0" smtClean="0"/>
-              <a:t>The cross-correlation function </a:t>
-            </a:r>
-          </a:p>
-          <a:p>
-            <a:pPr eaLnBrk="1" hangingPunct="1">
-              <a:spcBef>
-                <a:spcPts val="1200"/>
-              </a:spcBef>
-            </a:pPr>
-            <a:r>
-              <a:rPr lang="en-US" sz="2400" dirty="0" smtClean="0"/>
-              <a:t>The business cycle scorecard   </a:t>
+              <a:t>See Bloomberg calendar (ditto WSJ, others) </a:t>
             </a:r>
           </a:p>
         </p:txBody>
@@ -10146,12 +10079,12 @@
       </p:grpSpPr>
       <p:sp>
         <p:nvSpPr>
-          <p:cNvPr id="57346" name="Rectangle 4"/>
+          <p:cNvPr id="4098" name="Rectangle 2"/>
           <p:cNvSpPr>
             <a:spLocks noGrp="1" noChangeArrowheads="1"/>
           </p:cNvSpPr>
           <p:nvPr>
-            <p:ph type="ctrTitle"/>
+            <p:ph type="title" idx="4294967295"/>
           </p:nvPr>
         </p:nvSpPr>
         <p:spPr/>
@@ -10159,11 +10092,131 @@
           <a:bodyPr/>
           <a:lstStyle/>
           <a:p>
-            <a:pPr eaLnBrk="1" hangingPunct="1"/>
-            <a:r>
-              <a:rPr lang="en-US" i="1" dirty="0" smtClean="0"/>
-              <a:t>Indicators</a:t>
-            </a:r>
+            <a:pPr algn="l" eaLnBrk="1" hangingPunct="1"/>
+            <a:r>
+              <a:rPr lang="en-US" dirty="0" smtClean="0"/>
+              <a:t>Indicators:  terminology	</a:t>
+            </a:r>
+          </a:p>
+        </p:txBody>
+      </p:sp>
+      <p:sp>
+        <p:nvSpPr>
+          <p:cNvPr id="4099" name="Rectangle 3"/>
+          <p:cNvSpPr>
+            <a:spLocks noGrp="1" noChangeArrowheads="1"/>
+          </p:cNvSpPr>
+          <p:nvPr>
+            <p:ph type="body" idx="4294967295"/>
+          </p:nvPr>
+        </p:nvSpPr>
+        <p:spPr>
+          <a:xfrm>
+            <a:off x="457200" y="1600200"/>
+            <a:ext cx="7848600" cy="4525963"/>
+          </a:xfrm>
+        </p:spPr>
+        <p:txBody>
+          <a:bodyPr/>
+          <a:lstStyle/>
+          <a:p>
+            <a:pPr eaLnBrk="1" hangingPunct="1">
+              <a:spcBef>
+                <a:spcPts val="1200"/>
+              </a:spcBef>
+            </a:pPr>
+            <a:r>
+              <a:rPr lang="en-US" sz="2400" dirty="0" smtClean="0"/>
+              <a:t>A variable is </a:t>
+            </a:r>
+            <a:r>
+              <a:rPr lang="en-US" sz="2400" b="1" dirty="0" err="1" smtClean="0"/>
+              <a:t>procyclical</a:t>
+            </a:r>
+            <a:r>
+              <a:rPr lang="en-US" sz="2400" dirty="0" smtClean="0"/>
+              <a:t> if it moves up and down with the economy, </a:t>
+            </a:r>
+            <a:r>
+              <a:rPr lang="en-US" sz="2400" b="1" dirty="0" smtClean="0"/>
+              <a:t>countercyclical</a:t>
+            </a:r>
+            <a:r>
+              <a:rPr lang="en-US" sz="2400" dirty="0" smtClean="0"/>
+              <a:t> if it moves in the opposite direction </a:t>
+            </a:r>
+          </a:p>
+          <a:p>
+            <a:pPr eaLnBrk="1" hangingPunct="1">
+              <a:spcBef>
+                <a:spcPts val="1200"/>
+              </a:spcBef>
+            </a:pPr>
+            <a:r>
+              <a:rPr lang="en-US" sz="2400" dirty="0" smtClean="0"/>
+              <a:t>A variable </a:t>
+            </a:r>
+            <a:r>
+              <a:rPr lang="en-US" sz="2400" b="1" dirty="0" smtClean="0"/>
+              <a:t>leads</a:t>
+            </a:r>
+            <a:r>
+              <a:rPr lang="en-US" sz="2400" dirty="0" smtClean="0"/>
+              <a:t> the economy if its ups and downs come before, </a:t>
+            </a:r>
+            <a:r>
+              <a:rPr lang="en-US" sz="2400" b="1" dirty="0" smtClean="0"/>
+              <a:t>lags</a:t>
+            </a:r>
+            <a:r>
+              <a:rPr lang="en-US" sz="2400" dirty="0" smtClean="0"/>
+              <a:t> if its movements come after, </a:t>
+            </a:r>
+            <a:r>
+              <a:rPr lang="en-US" sz="2400" b="1" dirty="0" smtClean="0"/>
+              <a:t>coincident</a:t>
+            </a:r>
+            <a:r>
+              <a:rPr lang="en-US" sz="2400" dirty="0" smtClean="0"/>
+              <a:t> if they happen at the same time  </a:t>
+            </a:r>
+          </a:p>
+          <a:p>
+            <a:pPr eaLnBrk="1" hangingPunct="1">
+              <a:spcBef>
+                <a:spcPts val="1200"/>
+              </a:spcBef>
+            </a:pPr>
+            <a:r>
+              <a:rPr lang="en-US" sz="2400" dirty="0" smtClean="0"/>
+              <a:t>“The economy” = GDP growth  </a:t>
+            </a:r>
+          </a:p>
+        </p:txBody>
+      </p:sp>
+      <p:sp>
+        <p:nvSpPr>
+          <p:cNvPr id="4100" name="Slide Number Placeholder 3"/>
+          <p:cNvSpPr>
+            <a:spLocks noGrp="1"/>
+          </p:cNvSpPr>
+          <p:nvPr>
+            <p:ph type="sldNum" sz="quarter" idx="12"/>
+          </p:nvPr>
+        </p:nvSpPr>
+        <p:spPr>
+          <a:noFill/>
+        </p:spPr>
+        <p:txBody>
+          <a:bodyPr/>
+          <a:lstStyle/>
+          <a:p>
+            <a:fld id="{E041A9CD-8F68-446A-8192-3D8982304C37}" type="slidenum">
+              <a:rPr lang="en-US" smtClean="0"/>
+              <a:pPr/>
+              <a:t>13</a:t>
+            </a:fld>
+            <a:endParaRPr lang="en-US" smtClean="0"/>
           </a:p>
         </p:txBody>
       </p:sp>
@@ -10217,7 +10270,7 @@
             <a:pPr algn="l" eaLnBrk="1" hangingPunct="1"/>
             <a:r>
               <a:rPr lang="en-US" dirty="0" smtClean="0"/>
-              <a:t>Indicators of economic activity</a:t>
+              <a:t>Indicators:  plan</a:t>
             </a:r>
           </a:p>
         </p:txBody>
@@ -10249,7 +10302,15 @@
             </a:pPr>
             <a:r>
               <a:rPr lang="en-US" sz="2400" dirty="0" smtClean="0"/>
-              <a:t>Hundreds of them, more all the time</a:t>
+              <a:t>Look at monthly data (mostly </a:t>
+            </a:r>
+            <a:r>
+              <a:rPr lang="en-US" sz="2400" dirty="0" err="1" smtClean="0"/>
+              <a:t>yoy</a:t>
+            </a:r>
+            <a:r>
+              <a:rPr lang="en-US" sz="2400" dirty="0" smtClean="0"/>
+              <a:t> growth rates)</a:t>
             </a:r>
           </a:p>
           <a:p>
@@ -10260,7 +10321,7 @@
             </a:pPr>
             <a:r>
               <a:rPr lang="en-US" sz="2400" dirty="0" smtClean="0"/>
-              <a:t>See resource page </a:t>
+              <a:t>Shift from GDP to industrial production</a:t>
             </a:r>
           </a:p>
           <a:p>
@@ -10268,11 +10329,56 @@
               <a:spcBef>
                 <a:spcPts val="1200"/>
               </a:spcBef>
+              <a:spcAft>
+                <a:spcPts val="600"/>
+              </a:spcAft>
             </a:pPr>
             <a:r>
               <a:rPr lang="en-US" sz="2400" dirty="0" smtClean="0"/>
-              <a:t>Also Bloomberg and WSJ calendars </a:t>
-            </a:r>
+              <a:t>For each one</a:t>
+            </a:r>
+          </a:p>
+          <a:p>
+            <a:pPr lvl="1" eaLnBrk="1" hangingPunct="1">
+              <a:spcBef>
+                <a:spcPts val="600"/>
+              </a:spcBef>
+            </a:pPr>
+            <a:r>
+              <a:rPr lang="en-US" sz="2000" dirty="0" smtClean="0"/>
+              <a:t>Is it </a:t>
+            </a:r>
+            <a:r>
+              <a:rPr lang="en-US" sz="2000" dirty="0" err="1" smtClean="0"/>
+              <a:t>procyclical</a:t>
+            </a:r>
+            <a:r>
+              <a:rPr lang="en-US" sz="2000" dirty="0" smtClean="0"/>
+              <a:t>?  Countercyclical?</a:t>
+            </a:r>
+          </a:p>
+          <a:p>
+            <a:pPr lvl="1" eaLnBrk="1" hangingPunct="1">
+              <a:spcBef>
+                <a:spcPts val="600"/>
+              </a:spcBef>
+            </a:pPr>
+            <a:r>
+              <a:rPr lang="en-US" sz="2000" dirty="0" smtClean="0"/>
+              <a:t>Does it lead?  Lag?  </a:t>
+            </a:r>
+          </a:p>
+          <a:p>
+            <a:pPr lvl="1" eaLnBrk="1" hangingPunct="1">
+              <a:spcBef>
+                <a:spcPts val="600"/>
+              </a:spcBef>
+            </a:pPr>
+            <a:r>
+              <a:rPr lang="en-US" sz="2000" dirty="0" smtClean="0"/>
+              <a:t>What does it suggest about current and future conditions?  </a:t>
+            </a:r>
+            <a:endParaRPr lang="en-US" sz="1600" dirty="0" smtClean="0"/>
           </a:p>
         </p:txBody>
       </p:sp>
@@ -10352,7 +10458,7 @@
             <a:pPr algn="l" eaLnBrk="1" hangingPunct="1"/>
             <a:r>
               <a:rPr lang="en-US" dirty="0" smtClean="0"/>
-              <a:t>Indicators:  terminology	</a:t>
+              <a:t>Indicators:  FRED</a:t>
             </a:r>
           </a:p>
         </p:txBody>
@@ -10384,70 +10490,9 @@
             </a:pPr>
             <a:r>
               <a:rPr lang="en-US" sz="2400" dirty="0" smtClean="0"/>
-              <a:t>A variable is </a:t>
-            </a:r>
-            <a:r>
-              <a:rPr lang="en-US" sz="2400" b="1" dirty="0" err="1" smtClean="0"/>
-              <a:t>procyclical</a:t>
-            </a:r>
-            <a:r>
-              <a:rPr lang="en-US" sz="2400" dirty="0" smtClean="0"/>
-              <a:t> if it moves up and down with the economy, </a:t>
-            </a:r>
-            <a:r>
-              <a:rPr lang="en-US" sz="2400" b="1" dirty="0" smtClean="0"/>
-              <a:t>countercyclical</a:t>
-            </a:r>
-            <a:r>
-              <a:rPr lang="en-US" sz="2400" dirty="0" smtClean="0"/>
-              <a:t> if it moves in the opposite direction </a:t>
-            </a:r>
-          </a:p>
-          <a:p>
-            <a:pPr eaLnBrk="1" hangingPunct="1">
-              <a:spcBef>
-                <a:spcPts val="1200"/>
-              </a:spcBef>
-            </a:pPr>
-            <a:r>
-              <a:rPr lang="en-US" sz="2400" dirty="0" smtClean="0"/>
-              <a:t>A variable </a:t>
-            </a:r>
-            <a:r>
-              <a:rPr lang="en-US" sz="2400" b="1" dirty="0" smtClean="0"/>
-              <a:t>leads</a:t>
-            </a:r>
-            <a:r>
-              <a:rPr lang="en-US" sz="2400" dirty="0" smtClean="0"/>
-              <a:t> the economy if its ups and downs come before, </a:t>
-            </a:r>
-            <a:r>
-              <a:rPr lang="en-US" sz="2400" b="1" dirty="0" smtClean="0"/>
-              <a:t>lags</a:t>
-            </a:r>
-            <a:r>
-              <a:rPr lang="en-US" sz="2400" dirty="0" smtClean="0"/>
-              <a:t> if its movements come after, </a:t>
-            </a:r>
-            <a:r>
-              <a:rPr lang="en-US" sz="2400" b="1" dirty="0" smtClean="0"/>
-              <a:t>coincident</a:t>
-            </a:r>
-            <a:r>
-              <a:rPr lang="en-US" sz="2400" dirty="0" smtClean="0"/>
-              <a:t> if they happen at the same time  </a:t>
-            </a:r>
-          </a:p>
-          <a:p>
-            <a:pPr eaLnBrk="1" hangingPunct="1">
-              <a:spcBef>
-                <a:spcPts val="1200"/>
-              </a:spcBef>
-            </a:pPr>
-            <a:r>
-              <a:rPr lang="en-US" sz="2400" dirty="0" smtClean="0"/>
-              <a:t>“The economy” = GDP growth  </a:t>
-            </a:r>
+              <a:t>Plot and download data</a:t>
+            </a:r>
+            <a:endParaRPr lang="en-US" sz="1600" dirty="0" smtClean="0"/>
           </a:p>
         </p:txBody>
       </p:sp>
@@ -10527,39 +10572,11 @@
             <a:pPr algn="l" eaLnBrk="1" hangingPunct="1"/>
             <a:r>
               <a:rPr lang="en-US" dirty="0" smtClean="0"/>
-              <a:t>Indicators:  plan</a:t>
-            </a:r>
-          </a:p>
-        </p:txBody>
-      </p:sp>
-      <p:sp>
-        <p:nvSpPr>
-          <p:cNvPr id="4099" name="Rectangle 3"/>
-          <p:cNvSpPr>
-            <a:spLocks noGrp="1" noChangeArrowheads="1"/>
-          </p:cNvSpPr>
-          <p:nvPr>
-            <p:ph type="body" idx="4294967295"/>
-          </p:nvPr>
-        </p:nvSpPr>
-        <p:spPr>
-          <a:xfrm>
-            <a:off x="457200" y="1600200"/>
-            <a:ext cx="7848600" cy="4525963"/>
-          </a:xfrm>
-        </p:spPr>
-        <p:txBody>
-          <a:bodyPr/>
-          <a:lstStyle/>
-          <a:p>
-            <a:pPr eaLnBrk="1" hangingPunct="1">
-              <a:spcBef>
-                <a:spcPts val="1200"/>
-              </a:spcBef>
-            </a:pPr>
+              <a:t>Industrial production </a:t>
+            </a:r>
             <a:r>
               <a:rPr lang="en-US" sz="2400" dirty="0" smtClean="0"/>
-              <a:t>Look at monthly data (mostly </a:t>
+              <a:t>(</a:t>
             </a:r>
             <a:r>
               <a:rPr lang="en-US" sz="2400" dirty="0" err="1" smtClean="0"/>
@@ -10567,75 +10584,8 @@
             </a:r>
             <a:r>
               <a:rPr lang="en-US" sz="2400" dirty="0" smtClean="0"/>
-              <a:t> growth rates)</a:t>
-            </a:r>
-          </a:p>
-          <a:p>
-            <a:pPr eaLnBrk="1" hangingPunct="1">
-              <a:spcBef>
-                <a:spcPts val="1200"/>
-              </a:spcBef>
-            </a:pPr>
-            <a:r>
-              <a:rPr lang="en-US" sz="2400" dirty="0" smtClean="0"/>
-              <a:t>Shift from GDP to industrial production</a:t>
-            </a:r>
-          </a:p>
-          <a:p>
-            <a:pPr eaLnBrk="1" hangingPunct="1">
-              <a:spcBef>
-                <a:spcPts val="1200"/>
-              </a:spcBef>
-              <a:spcAft>
-                <a:spcPts val="600"/>
-              </a:spcAft>
-            </a:pPr>
-            <a:r>
-              <a:rPr lang="en-US" sz="2400" dirty="0" smtClean="0"/>
-              <a:t>For each one</a:t>
-            </a:r>
-          </a:p>
-          <a:p>
-            <a:pPr lvl="1" eaLnBrk="1" hangingPunct="1">
-              <a:spcBef>
-                <a:spcPts val="600"/>
-              </a:spcBef>
-            </a:pPr>
-            <a:r>
-              <a:rPr lang="en-US" sz="2000" dirty="0" smtClean="0"/>
-              <a:t>Is it </a:t>
-            </a:r>
-            <a:r>
-              <a:rPr lang="en-US" sz="2000" dirty="0" err="1" smtClean="0"/>
-              <a:t>procyclical</a:t>
-            </a:r>
-            <a:r>
-              <a:rPr lang="en-US" sz="2000" dirty="0" smtClean="0"/>
-              <a:t>?  Countercyclical?</a:t>
-            </a:r>
-          </a:p>
-          <a:p>
-            <a:pPr lvl="1" eaLnBrk="1" hangingPunct="1">
-              <a:spcBef>
-                <a:spcPts val="600"/>
-              </a:spcBef>
-            </a:pPr>
-            <a:r>
-              <a:rPr lang="en-US" sz="2000" dirty="0" smtClean="0"/>
-              <a:t>Does it lead?  Lag?  </a:t>
-            </a:r>
-          </a:p>
-          <a:p>
-            <a:pPr lvl="1" eaLnBrk="1" hangingPunct="1">
-              <a:spcBef>
-                <a:spcPts val="600"/>
-              </a:spcBef>
-            </a:pPr>
-            <a:r>
-              <a:rPr lang="en-US" sz="2000" dirty="0" smtClean="0"/>
-              <a:t>What does it suggest about current and future conditions?  </a:t>
-            </a:r>
-            <a:endParaRPr lang="en-US" sz="1600" dirty="0" smtClean="0"/>
+              <a:t> growth)</a:t>
+            </a:r>
           </a:p>
         </p:txBody>
       </p:sp>
@@ -10660,213 +10610,6 @@
               <a:rPr lang="en-US" smtClean="0"/>
               <a:pPr/>
               <a:t>16</a:t>
-            </a:fld>
-            <a:endParaRPr lang="en-US" smtClean="0"/>
-          </a:p>
-        </p:txBody>
-      </p:sp>
-    </p:spTree>
-  </p:cSld>
-  <p:clrMapOvr>
-    <a:masterClrMapping/>
-  </p:clrMapOvr>
-  <p:timing>
-    <p:tnLst>
-      <p:par>
-        <p:cTn id="1" dur="indefinite" restart="never" nodeType="tmRoot"/>
-      </p:par>
-    </p:tnLst>
-  </p:timing>
-</p:sld>
-</file>
-
-<file path=ppt/slides/slide17.xml><?xml version="1.0" encoding="utf-8"?>
-<p:sld xmlns:a="http://schemas.openxmlformats.org/drawingml/2006/main" xmlns:r="http://schemas.openxmlformats.org/officeDocument/2006/relationships" xmlns:p="http://schemas.openxmlformats.org/presentationml/2006/main">
-  <p:cSld>
-    <p:spTree>
-      <p:nvGrpSpPr>
-        <p:cNvPr id="1" name=""/>
-        <p:cNvGrpSpPr/>
-        <p:nvPr/>
-      </p:nvGrpSpPr>
-      <p:grpSpPr>
-        <a:xfrm>
-          <a:off x="0" y="0"/>
-          <a:ext cx="0" cy="0"/>
-          <a:chOff x="0" y="0"/>
-          <a:chExt cx="0" cy="0"/>
-        </a:xfrm>
-      </p:grpSpPr>
-      <p:sp>
-        <p:nvSpPr>
-          <p:cNvPr id="4098" name="Rectangle 2"/>
-          <p:cNvSpPr>
-            <a:spLocks noGrp="1" noChangeArrowheads="1"/>
-          </p:cNvSpPr>
-          <p:nvPr>
-            <p:ph type="title" idx="4294967295"/>
-          </p:nvPr>
-        </p:nvSpPr>
-        <p:spPr/>
-        <p:txBody>
-          <a:bodyPr/>
-          <a:lstStyle/>
-          <a:p>
-            <a:pPr algn="l" eaLnBrk="1" hangingPunct="1"/>
-            <a:r>
-              <a:rPr lang="en-US" dirty="0" smtClean="0"/>
-              <a:t>Indicators:  FRED</a:t>
-            </a:r>
-          </a:p>
-        </p:txBody>
-      </p:sp>
-      <p:sp>
-        <p:nvSpPr>
-          <p:cNvPr id="4099" name="Rectangle 3"/>
-          <p:cNvSpPr>
-            <a:spLocks noGrp="1" noChangeArrowheads="1"/>
-          </p:cNvSpPr>
-          <p:nvPr>
-            <p:ph type="body" idx="4294967295"/>
-          </p:nvPr>
-        </p:nvSpPr>
-        <p:spPr>
-          <a:xfrm>
-            <a:off x="457200" y="1600200"/>
-            <a:ext cx="7848600" cy="4525963"/>
-          </a:xfrm>
-        </p:spPr>
-        <p:txBody>
-          <a:bodyPr/>
-          <a:lstStyle/>
-          <a:p>
-            <a:pPr eaLnBrk="1" hangingPunct="1">
-              <a:spcBef>
-                <a:spcPts val="1200"/>
-              </a:spcBef>
-            </a:pPr>
-            <a:r>
-              <a:rPr lang="en-US" sz="2400" dirty="0" smtClean="0"/>
-              <a:t>Plot and download data</a:t>
-            </a:r>
-            <a:endParaRPr lang="en-US" sz="1600" dirty="0" smtClean="0"/>
-          </a:p>
-        </p:txBody>
-      </p:sp>
-      <p:sp>
-        <p:nvSpPr>
-          <p:cNvPr id="4100" name="Slide Number Placeholder 3"/>
-          <p:cNvSpPr>
-            <a:spLocks noGrp="1"/>
-          </p:cNvSpPr>
-          <p:nvPr>
-            <p:ph type="sldNum" sz="quarter" idx="12"/>
-          </p:nvPr>
-        </p:nvSpPr>
-        <p:spPr>
-          <a:noFill/>
-        </p:spPr>
-        <p:txBody>
-          <a:bodyPr/>
-          <a:lstStyle/>
-          <a:p>
-            <a:fld id="{E041A9CD-8F68-446A-8192-3D8982304C37}" type="slidenum">
-              <a:rPr lang="en-US" smtClean="0"/>
-              <a:pPr/>
-              <a:t>17</a:t>
-            </a:fld>
-            <a:endParaRPr lang="en-US" smtClean="0"/>
-          </a:p>
-        </p:txBody>
-      </p:sp>
-    </p:spTree>
-  </p:cSld>
-  <p:clrMapOvr>
-    <a:masterClrMapping/>
-  </p:clrMapOvr>
-  <p:timing>
-    <p:tnLst>
-      <p:par>
-        <p:cTn id="1" dur="indefinite" restart="never" nodeType="tmRoot"/>
-      </p:par>
-    </p:tnLst>
-  </p:timing>
-</p:sld>
-</file>
-
-<file path=ppt/slides/slide18.xml><?xml version="1.0" encoding="utf-8"?>
-<p:sld xmlns:a="http://schemas.openxmlformats.org/drawingml/2006/main" xmlns:r="http://schemas.openxmlformats.org/officeDocument/2006/relationships" xmlns:p="http://schemas.openxmlformats.org/presentationml/2006/main">
-  <p:cSld>
-    <p:spTree>
-      <p:nvGrpSpPr>
-        <p:cNvPr id="1" name=""/>
-        <p:cNvGrpSpPr/>
-        <p:nvPr/>
-      </p:nvGrpSpPr>
-      <p:grpSpPr>
-        <a:xfrm>
-          <a:off x="0" y="0"/>
-          <a:ext cx="0" cy="0"/>
-          <a:chOff x="0" y="0"/>
-          <a:chExt cx="0" cy="0"/>
-        </a:xfrm>
-      </p:grpSpPr>
-      <p:sp>
-        <p:nvSpPr>
-          <p:cNvPr id="4098" name="Rectangle 2"/>
-          <p:cNvSpPr>
-            <a:spLocks noGrp="1" noChangeArrowheads="1"/>
-          </p:cNvSpPr>
-          <p:nvPr>
-            <p:ph type="title" idx="4294967295"/>
-          </p:nvPr>
-        </p:nvSpPr>
-        <p:spPr/>
-        <p:txBody>
-          <a:bodyPr/>
-          <a:lstStyle/>
-          <a:p>
-            <a:pPr algn="l" eaLnBrk="1" hangingPunct="1"/>
-            <a:r>
-              <a:rPr lang="en-US" dirty="0" smtClean="0"/>
-              <a:t>Industrial production </a:t>
-            </a:r>
-            <a:r>
-              <a:rPr lang="en-US" sz="2400" dirty="0" smtClean="0"/>
-              <a:t>(</a:t>
-            </a:r>
-            <a:r>
-              <a:rPr lang="en-US" sz="2400" dirty="0" err="1" smtClean="0"/>
-              <a:t>yoy</a:t>
-            </a:r>
-            <a:r>
-              <a:rPr lang="en-US" sz="2400" dirty="0" smtClean="0"/>
-              <a:t> growth)</a:t>
-            </a:r>
-          </a:p>
-        </p:txBody>
-      </p:sp>
-      <p:sp>
-        <p:nvSpPr>
-          <p:cNvPr id="4100" name="Slide Number Placeholder 3"/>
-          <p:cNvSpPr>
-            <a:spLocks noGrp="1"/>
-          </p:cNvSpPr>
-          <p:nvPr>
-            <p:ph type="sldNum" sz="quarter" idx="12"/>
-          </p:nvPr>
-        </p:nvSpPr>
-        <p:spPr>
-          <a:noFill/>
-        </p:spPr>
-        <p:txBody>
-          <a:bodyPr/>
-          <a:lstStyle/>
-          <a:p>
-            <a:fld id="{E041A9CD-8F68-446A-8192-3D8982304C37}" type="slidenum">
-              <a:rPr lang="en-US" smtClean="0"/>
-              <a:pPr/>
-              <a:t>18</a:t>
             </a:fld>
             <a:endParaRPr lang="en-US" smtClean="0"/>
           </a:p>
@@ -10913,7 +10656,7 @@
 </p:sld>
 </file>
 
-<file path=ppt/slides/slide19.xml><?xml version="1.0" encoding="utf-8"?>
+<file path=ppt/slides/slide17.xml><?xml version="1.0" encoding="utf-8"?>
 <p:sld xmlns:a="http://schemas.openxmlformats.org/drawingml/2006/main" xmlns:r="http://schemas.openxmlformats.org/officeDocument/2006/relationships" xmlns:p="http://schemas.openxmlformats.org/presentationml/2006/main">
   <p:cSld>
     <p:spTree>
@@ -10985,7 +10728,7 @@
             <a:fld id="{E041A9CD-8F68-446A-8192-3D8982304C37}" type="slidenum">
               <a:rPr lang="en-US" smtClean="0"/>
               <a:pPr/>
-              <a:t>19</a:t>
+              <a:t>17</a:t>
             </a:fld>
             <a:endParaRPr lang="en-US" smtClean="0"/>
           </a:p>
@@ -11032,7 +10775,7 @@
 </p:sld>
 </file>
 
-<file path=ppt/slides/slide2.xml><?xml version="1.0" encoding="utf-8"?>
+<file path=ppt/slides/slide18.xml><?xml version="1.0" encoding="utf-8"?>
 <p:sld xmlns:a="http://schemas.openxmlformats.org/drawingml/2006/main" xmlns:r="http://schemas.openxmlformats.org/officeDocument/2006/relationships" xmlns:p="http://schemas.openxmlformats.org/presentationml/2006/main">
   <p:cSld>
     <p:spTree>
@@ -11067,70 +10810,12 @@
             <a:pPr algn="l" eaLnBrk="1" hangingPunct="1"/>
             <a:r>
               <a:rPr lang="en-US" dirty="0" smtClean="0"/>
-              <a:t>Comments</a:t>
-            </a:r>
-          </a:p>
-        </p:txBody>
-      </p:sp>
-      <p:sp>
-        <p:nvSpPr>
-          <p:cNvPr id="4099" name="Rectangle 3"/>
-          <p:cNvSpPr>
-            <a:spLocks noGrp="1" noChangeArrowheads="1"/>
-          </p:cNvSpPr>
-          <p:nvPr>
-            <p:ph type="body" idx="4294967295"/>
-          </p:nvPr>
-        </p:nvSpPr>
-        <p:spPr>
-          <a:xfrm>
-            <a:off x="457200" y="1600200"/>
-            <a:ext cx="8077200" cy="4525963"/>
-          </a:xfrm>
-        </p:spPr>
-        <p:txBody>
-          <a:bodyPr/>
-          <a:lstStyle/>
-          <a:p>
-            <a:pPr eaLnBrk="1" hangingPunct="1">
-              <a:lnSpc>
-                <a:spcPct val="90000"/>
-              </a:lnSpc>
-              <a:spcBef>
-                <a:spcPts val="1200"/>
-              </a:spcBef>
-            </a:pPr>
+              <a:t>Housing starts</a:t>
+            </a:r>
             <a:r>
               <a:rPr lang="en-US" sz="2400" dirty="0" smtClean="0"/>
-              <a:t>A little short, </a:t>
-            </a:r>
-            <a:r>
-              <a:rPr lang="en-US" sz="2400" dirty="0" err="1" smtClean="0"/>
-              <a:t>esp</a:t>
-            </a:r>
-            <a:r>
-              <a:rPr lang="en-US" sz="2400" dirty="0" smtClean="0"/>
-              <a:t> the second half </a:t>
-            </a:r>
-          </a:p>
-          <a:p>
-            <a:pPr eaLnBrk="1" hangingPunct="1">
-              <a:lnSpc>
-                <a:spcPct val="90000"/>
-              </a:lnSpc>
-              <a:spcBef>
-                <a:spcPts val="1200"/>
-              </a:spcBef>
-            </a:pPr>
-            <a:r>
-              <a:rPr lang="en-US" sz="2400" dirty="0" smtClean="0"/>
-              <a:t>Add midterm recap? </a:t>
-            </a:r>
-            <a:r>
-              <a:rPr lang="en-US" sz="2400" smtClean="0"/>
-              <a:t>????</a:t>
-            </a:r>
-            <a:endParaRPr lang="en-US" sz="1800" dirty="0" smtClean="0"/>
+              <a:t> (units, thousands) </a:t>
+            </a:r>
           </a:p>
         </p:txBody>
       </p:sp>
@@ -11154,92 +10839,7 @@
             <a:fld id="{E041A9CD-8F68-446A-8192-3D8982304C37}" type="slidenum">
               <a:rPr lang="en-US" smtClean="0"/>
               <a:pPr/>
-              <a:t>2</a:t>
-            </a:fld>
-            <a:endParaRPr lang="en-US" smtClean="0"/>
-          </a:p>
-        </p:txBody>
-      </p:sp>
-    </p:spTree>
-  </p:cSld>
-  <p:clrMapOvr>
-    <a:masterClrMapping/>
-  </p:clrMapOvr>
-  <p:timing>
-    <p:tnLst>
-      <p:par>
-        <p:cTn id="1" dur="indefinite" restart="never" nodeType="tmRoot"/>
-      </p:par>
-    </p:tnLst>
-  </p:timing>
-</p:sld>
-</file>
-
-<file path=ppt/slides/slide20.xml><?xml version="1.0" encoding="utf-8"?>
-<p:sld xmlns:a="http://schemas.openxmlformats.org/drawingml/2006/main" xmlns:r="http://schemas.openxmlformats.org/officeDocument/2006/relationships" xmlns:p="http://schemas.openxmlformats.org/presentationml/2006/main">
-  <p:cSld>
-    <p:spTree>
-      <p:nvGrpSpPr>
-        <p:cNvPr id="1" name=""/>
-        <p:cNvGrpSpPr/>
-        <p:nvPr/>
-      </p:nvGrpSpPr>
-      <p:grpSpPr>
-        <a:xfrm>
-          <a:off x="0" y="0"/>
-          <a:ext cx="0" cy="0"/>
-          <a:chOff x="0" y="0"/>
-          <a:chExt cx="0" cy="0"/>
-        </a:xfrm>
-      </p:grpSpPr>
-      <p:sp>
-        <p:nvSpPr>
-          <p:cNvPr id="4098" name="Rectangle 2"/>
-          <p:cNvSpPr>
-            <a:spLocks noGrp="1" noChangeArrowheads="1"/>
-          </p:cNvSpPr>
-          <p:nvPr>
-            <p:ph type="title" idx="4294967295"/>
-          </p:nvPr>
-        </p:nvSpPr>
-        <p:spPr/>
-        <p:txBody>
-          <a:bodyPr/>
-          <a:lstStyle/>
-          <a:p>
-            <a:pPr algn="l" eaLnBrk="1" hangingPunct="1"/>
-            <a:r>
-              <a:rPr lang="en-US" dirty="0" smtClean="0"/>
-              <a:t>Housing starts</a:t>
-            </a:r>
-            <a:r>
-              <a:rPr lang="en-US" sz="2400" dirty="0" smtClean="0"/>
-              <a:t> (units, thousands) </a:t>
-            </a:r>
-          </a:p>
-        </p:txBody>
-      </p:sp>
-      <p:sp>
-        <p:nvSpPr>
-          <p:cNvPr id="4100" name="Slide Number Placeholder 3"/>
-          <p:cNvSpPr>
-            <a:spLocks noGrp="1"/>
-          </p:cNvSpPr>
-          <p:nvPr>
-            <p:ph type="sldNum" sz="quarter" idx="12"/>
-          </p:nvPr>
-        </p:nvSpPr>
-        <p:spPr>
-          <a:noFill/>
-        </p:spPr>
-        <p:txBody>
-          <a:bodyPr/>
-          <a:lstStyle/>
-          <a:p>
-            <a:fld id="{E041A9CD-8F68-446A-8192-3D8982304C37}" type="slidenum">
-              <a:rPr lang="en-US" smtClean="0"/>
-              <a:pPr/>
-              <a:t>20</a:t>
+              <a:t>18</a:t>
             </a:fld>
             <a:endParaRPr lang="en-US" smtClean="0"/>
           </a:p>
@@ -11286,7 +10886,7 @@
 </p:sld>
 </file>
 
-<file path=ppt/slides/slide21.xml><?xml version="1.0" encoding="utf-8"?>
+<file path=ppt/slides/slide19.xml><?xml version="1.0" encoding="utf-8"?>
 <p:sld xmlns:a="http://schemas.openxmlformats.org/drawingml/2006/main" xmlns:r="http://schemas.openxmlformats.org/officeDocument/2006/relationships" xmlns:p="http://schemas.openxmlformats.org/presentationml/2006/main">
   <p:cSld>
     <p:spTree>
@@ -11358,7 +10958,7 @@
             <a:fld id="{E041A9CD-8F68-446A-8192-3D8982304C37}" type="slidenum">
               <a:rPr lang="en-US" smtClean="0"/>
               <a:pPr/>
-              <a:t>21</a:t>
+              <a:t>19</a:t>
             </a:fld>
             <a:endParaRPr lang="en-US" smtClean="0"/>
           </a:p>
@@ -11405,7 +11005,7 @@
 </p:sld>
 </file>
 
-<file path=ppt/slides/slide22.xml><?xml version="1.0" encoding="utf-8"?>
+<file path=ppt/slides/slide2.xml><?xml version="1.0" encoding="utf-8"?>
 <p:sld xmlns:a="http://schemas.openxmlformats.org/drawingml/2006/main" xmlns:r="http://schemas.openxmlformats.org/officeDocument/2006/relationships" xmlns:p="http://schemas.openxmlformats.org/presentationml/2006/main">
   <p:cSld>
     <p:spTree>
@@ -11440,19 +11040,98 @@
             <a:pPr algn="l" eaLnBrk="1" hangingPunct="1"/>
             <a:r>
               <a:rPr lang="en-US" dirty="0" smtClean="0"/>
-              <a:t>Retail sales </a:t>
-            </a:r>
+              <a:t>Where we’re headed</a:t>
+            </a:r>
+          </a:p>
+        </p:txBody>
+      </p:sp>
+      <p:sp>
+        <p:nvSpPr>
+          <p:cNvPr id="4099" name="Rectangle 3"/>
+          <p:cNvSpPr>
+            <a:spLocks noGrp="1" noChangeArrowheads="1"/>
+          </p:cNvSpPr>
+          <p:nvPr>
+            <p:ph type="body" idx="4294967295"/>
+          </p:nvPr>
+        </p:nvSpPr>
+        <p:spPr>
+          <a:xfrm>
+            <a:off x="457200" y="1600200"/>
+            <a:ext cx="8077200" cy="4525963"/>
+          </a:xfrm>
+        </p:spPr>
+        <p:txBody>
+          <a:bodyPr/>
+          <a:lstStyle/>
+          <a:p>
+            <a:pPr eaLnBrk="1" hangingPunct="1">
+              <a:lnSpc>
+                <a:spcPct val="90000"/>
+              </a:lnSpc>
+              <a:spcBef>
+                <a:spcPts val="1200"/>
+              </a:spcBef>
+            </a:pPr>
             <a:r>
               <a:rPr lang="en-US" sz="2400" dirty="0" smtClean="0"/>
-              <a:t>(</a:t>
-            </a:r>
-            <a:r>
-              <a:rPr lang="en-US" sz="2400" dirty="0" err="1" smtClean="0"/>
-              <a:t>yoy</a:t>
-            </a:r>
+              <a:t>Short-term economic performance</a:t>
+            </a:r>
+          </a:p>
+          <a:p>
+            <a:pPr eaLnBrk="1" hangingPunct="1">
+              <a:lnSpc>
+                <a:spcPct val="90000"/>
+              </a:lnSpc>
+              <a:spcBef>
+                <a:spcPts val="1200"/>
+              </a:spcBef>
+            </a:pPr>
             <a:r>
               <a:rPr lang="en-US" sz="2400" dirty="0" smtClean="0"/>
-              <a:t> growth)</a:t>
+              <a:t>A series of topics</a:t>
+            </a:r>
+          </a:p>
+          <a:p>
+            <a:pPr eaLnBrk="1" hangingPunct="1">
+              <a:lnSpc>
+                <a:spcPct val="90000"/>
+              </a:lnSpc>
+              <a:spcBef>
+                <a:spcPts val="1200"/>
+              </a:spcBef>
+            </a:pPr>
+            <a:r>
+              <a:rPr lang="en-US" sz="2400" dirty="0" smtClean="0"/>
+              <a:t>On today’s agenda </a:t>
+            </a:r>
+          </a:p>
+          <a:p>
+            <a:pPr lvl="1" eaLnBrk="1" hangingPunct="1">
+              <a:lnSpc>
+                <a:spcPct val="90000"/>
+              </a:lnSpc>
+              <a:spcBef>
+                <a:spcPct val="50000"/>
+              </a:spcBef>
+            </a:pPr>
+            <a:r>
+              <a:rPr lang="en-US" sz="1800" dirty="0" smtClean="0"/>
+              <a:t>Indicators</a:t>
+            </a:r>
+          </a:p>
+          <a:p>
+            <a:pPr lvl="1" eaLnBrk="1" hangingPunct="1">
+              <a:lnSpc>
+                <a:spcPct val="90000"/>
+              </a:lnSpc>
+              <a:spcBef>
+                <a:spcPct val="50000"/>
+              </a:spcBef>
+            </a:pPr>
+            <a:r>
+              <a:rPr lang="en-US" sz="1800" dirty="0" smtClean="0"/>
+              <a:t>Big inflations</a:t>
             </a:r>
           </a:p>
         </p:txBody>
@@ -11477,7 +11156,100 @@
             <a:fld id="{E041A9CD-8F68-446A-8192-3D8982304C37}" type="slidenum">
               <a:rPr lang="en-US" smtClean="0"/>
               <a:pPr/>
-              <a:t>22</a:t>
+              <a:t>2</a:t>
+            </a:fld>
+            <a:endParaRPr lang="en-US" smtClean="0"/>
+          </a:p>
+        </p:txBody>
+      </p:sp>
+    </p:spTree>
+  </p:cSld>
+  <p:clrMapOvr>
+    <a:masterClrMapping/>
+  </p:clrMapOvr>
+  <p:timing>
+    <p:tnLst>
+      <p:par>
+        <p:cTn id="1" dur="indefinite" restart="never" nodeType="tmRoot"/>
+      </p:par>
+    </p:tnLst>
+  </p:timing>
+</p:sld>
+</file>
+
+<file path=ppt/slides/slide20.xml><?xml version="1.0" encoding="utf-8"?>
+<p:sld xmlns:a="http://schemas.openxmlformats.org/drawingml/2006/main" xmlns:r="http://schemas.openxmlformats.org/officeDocument/2006/relationships" xmlns:p="http://schemas.openxmlformats.org/presentationml/2006/main">
+  <p:cSld>
+    <p:spTree>
+      <p:nvGrpSpPr>
+        <p:cNvPr id="1" name=""/>
+        <p:cNvGrpSpPr/>
+        <p:nvPr/>
+      </p:nvGrpSpPr>
+      <p:grpSpPr>
+        <a:xfrm>
+          <a:off x="0" y="0"/>
+          <a:ext cx="0" cy="0"/>
+          <a:chOff x="0" y="0"/>
+          <a:chExt cx="0" cy="0"/>
+        </a:xfrm>
+      </p:grpSpPr>
+      <p:sp>
+        <p:nvSpPr>
+          <p:cNvPr id="4098" name="Rectangle 2"/>
+          <p:cNvSpPr>
+            <a:spLocks noGrp="1" noChangeArrowheads="1"/>
+          </p:cNvSpPr>
+          <p:nvPr>
+            <p:ph type="title" idx="4294967295"/>
+          </p:nvPr>
+        </p:nvSpPr>
+        <p:spPr/>
+        <p:txBody>
+          <a:bodyPr/>
+          <a:lstStyle/>
+          <a:p>
+            <a:pPr algn="l" eaLnBrk="1" hangingPunct="1"/>
+            <a:r>
+              <a:rPr lang="en-US" dirty="0" smtClean="0"/>
+              <a:t>Retail sales </a:t>
+            </a:r>
+            <a:r>
+              <a:rPr lang="en-US" sz="2400" dirty="0" smtClean="0"/>
+              <a:t>(</a:t>
+            </a:r>
+            <a:r>
+              <a:rPr lang="en-US" sz="2400" dirty="0" err="1" smtClean="0"/>
+              <a:t>yoy</a:t>
+            </a:r>
+            <a:r>
+              <a:rPr lang="en-US" sz="2400" dirty="0" smtClean="0"/>
+              <a:t> growth)</a:t>
+            </a:r>
+          </a:p>
+        </p:txBody>
+      </p:sp>
+      <p:sp>
+        <p:nvSpPr>
+          <p:cNvPr id="4100" name="Slide Number Placeholder 3"/>
+          <p:cNvSpPr>
+            <a:spLocks noGrp="1"/>
+          </p:cNvSpPr>
+          <p:nvPr>
+            <p:ph type="sldNum" sz="quarter" idx="12"/>
+          </p:nvPr>
+        </p:nvSpPr>
+        <p:spPr>
+          <a:noFill/>
+        </p:spPr>
+        <p:txBody>
+          <a:bodyPr/>
+          <a:lstStyle/>
+          <a:p>
+            <a:fld id="{E041A9CD-8F68-446A-8192-3D8982304C37}" type="slidenum">
+              <a:rPr lang="en-US" smtClean="0"/>
+              <a:pPr/>
+              <a:t>20</a:t>
             </a:fld>
             <a:endParaRPr lang="en-US" smtClean="0"/>
           </a:p>
@@ -11524,7 +11296,7 @@
 </p:sld>
 </file>
 
-<file path=ppt/slides/slide23.xml><?xml version="1.0" encoding="utf-8"?>
+<file path=ppt/slides/slide21.xml><?xml version="1.0" encoding="utf-8"?>
 <p:sld xmlns:a="http://schemas.openxmlformats.org/drawingml/2006/main" xmlns:r="http://schemas.openxmlformats.org/officeDocument/2006/relationships" xmlns:p="http://schemas.openxmlformats.org/presentationml/2006/main">
   <p:cSld>
     <p:spTree>
@@ -11588,7 +11360,7 @@
             <a:fld id="{E041A9CD-8F68-446A-8192-3D8982304C37}" type="slidenum">
               <a:rPr lang="en-US" smtClean="0"/>
               <a:pPr/>
-              <a:t>23</a:t>
+              <a:t>21</a:t>
             </a:fld>
             <a:endParaRPr lang="en-US" smtClean="0"/>
           </a:p>
@@ -11635,7 +11407,7 @@
 </p:sld>
 </file>
 
-<file path=ppt/slides/slide24.xml><?xml version="1.0" encoding="utf-8"?>
+<file path=ppt/slides/slide22.xml><?xml version="1.0" encoding="utf-8"?>
 <p:sld xmlns:a="http://schemas.openxmlformats.org/drawingml/2006/main" xmlns:r="http://schemas.openxmlformats.org/officeDocument/2006/relationships" xmlns:p="http://schemas.openxmlformats.org/presentationml/2006/main">
   <p:cSld>
     <p:spTree>
@@ -11707,7 +11479,7 @@
             <a:fld id="{E041A9CD-8F68-446A-8192-3D8982304C37}" type="slidenum">
               <a:rPr lang="en-US" smtClean="0"/>
               <a:pPr/>
-              <a:t>24</a:t>
+              <a:t>22</a:t>
             </a:fld>
             <a:endParaRPr lang="en-US" smtClean="0"/>
           </a:p>
@@ -11754,7 +11526,7 @@
 </p:sld>
 </file>
 
-<file path=ppt/slides/slide25.xml><?xml version="1.0" encoding="utf-8"?>
+<file path=ppt/slides/slide23.xml><?xml version="1.0" encoding="utf-8"?>
 <p:sld xmlns:a="http://schemas.openxmlformats.org/drawingml/2006/main" xmlns:r="http://schemas.openxmlformats.org/officeDocument/2006/relationships" xmlns:p="http://schemas.openxmlformats.org/presentationml/2006/main">
   <p:cSld>
     <p:spTree>
@@ -11814,7 +11586,7 @@
             <a:fld id="{E041A9CD-8F68-446A-8192-3D8982304C37}" type="slidenum">
               <a:rPr lang="en-US" smtClean="0"/>
               <a:pPr/>
-              <a:t>25</a:t>
+              <a:t>23</a:t>
             </a:fld>
             <a:endParaRPr lang="en-US" smtClean="0"/>
           </a:p>
@@ -11861,7 +11633,7 @@
 </p:sld>
 </file>
 
-<file path=ppt/slides/slide26.xml><?xml version="1.0" encoding="utf-8"?>
+<file path=ppt/slides/slide24.xml><?xml version="1.0" encoding="utf-8"?>
 <p:sld xmlns:a="http://schemas.openxmlformats.org/drawingml/2006/main" xmlns:r="http://schemas.openxmlformats.org/officeDocument/2006/relationships" xmlns:p="http://schemas.openxmlformats.org/presentationml/2006/main">
   <p:cSld>
     <p:spTree>
@@ -11921,7 +11693,7 @@
             <a:fld id="{E041A9CD-8F68-446A-8192-3D8982304C37}" type="slidenum">
               <a:rPr lang="en-US" smtClean="0"/>
               <a:pPr/>
-              <a:t>26</a:t>
+              <a:t>24</a:t>
             </a:fld>
             <a:endParaRPr lang="en-US" smtClean="0"/>
           </a:p>
@@ -11968,7 +11740,7 @@
 </p:sld>
 </file>
 
-<file path=ppt/slides/slide27.xml><?xml version="1.0" encoding="utf-8"?>
+<file path=ppt/slides/slide25.xml><?xml version="1.0" encoding="utf-8"?>
 <p:sld xmlns:a="http://schemas.openxmlformats.org/drawingml/2006/main" xmlns:r="http://schemas.openxmlformats.org/officeDocument/2006/relationships" xmlns:p="http://schemas.openxmlformats.org/presentationml/2006/main">
   <p:cSld>
     <p:spTree>
@@ -12045,7 +11817,7 @@
             <a:fld id="{E041A9CD-8F68-446A-8192-3D8982304C37}" type="slidenum">
               <a:rPr lang="en-US" smtClean="0"/>
               <a:pPr/>
-              <a:t>27</a:t>
+              <a:t>25</a:t>
             </a:fld>
             <a:endParaRPr lang="en-US" smtClean="0"/>
           </a:p>
@@ -12092,7 +11864,7 @@
 </p:sld>
 </file>
 
-<file path=ppt/slides/slide28.xml><?xml version="1.0" encoding="utf-8"?>
+<file path=ppt/slides/slide26.xml><?xml version="1.0" encoding="utf-8"?>
 <p:sld xmlns:a="http://schemas.openxmlformats.org/drawingml/2006/main" xmlns:r="http://schemas.openxmlformats.org/officeDocument/2006/relationships" xmlns:p="http://schemas.openxmlformats.org/presentationml/2006/main">
   <p:cSld>
     <p:spTree>
@@ -12164,7 +11936,7 @@
             <a:fld id="{E041A9CD-8F68-446A-8192-3D8982304C37}" type="slidenum">
               <a:rPr lang="en-US" smtClean="0"/>
               <a:pPr/>
-              <a:t>28</a:t>
+              <a:t>26</a:t>
             </a:fld>
             <a:endParaRPr lang="en-US" smtClean="0"/>
           </a:p>
@@ -12211,7 +11983,7 @@
 </p:sld>
 </file>
 
-<file path=ppt/slides/slide29.xml><?xml version="1.0" encoding="utf-8"?>
+<file path=ppt/slides/slide27.xml><?xml version="1.0" encoding="utf-8"?>
 <p:sld xmlns:a="http://schemas.openxmlformats.org/drawingml/2006/main" xmlns:r="http://schemas.openxmlformats.org/officeDocument/2006/relationships" xmlns:p="http://schemas.openxmlformats.org/presentationml/2006/main">
   <p:cSld>
     <p:spTree>
@@ -12275,7 +12047,7 @@
             <a:fld id="{E041A9CD-8F68-446A-8192-3D8982304C37}" type="slidenum">
               <a:rPr lang="en-US" smtClean="0"/>
               <a:pPr/>
-              <a:t>29</a:t>
+              <a:t>27</a:t>
             </a:fld>
             <a:endParaRPr lang="en-US" smtClean="0"/>
           </a:p>
@@ -12322,6 +12094,247 @@
 </p:sld>
 </file>
 
+<file path=ppt/slides/slide28.xml><?xml version="1.0" encoding="utf-8"?>
+<p:sld xmlns:a="http://schemas.openxmlformats.org/drawingml/2006/main" xmlns:r="http://schemas.openxmlformats.org/officeDocument/2006/relationships" xmlns:p="http://schemas.openxmlformats.org/presentationml/2006/main">
+  <p:cSld>
+    <p:spTree>
+      <p:nvGrpSpPr>
+        <p:cNvPr id="1" name=""/>
+        <p:cNvGrpSpPr/>
+        <p:nvPr/>
+      </p:nvGrpSpPr>
+      <p:grpSpPr>
+        <a:xfrm>
+          <a:off x="0" y="0"/>
+          <a:ext cx="0" cy="0"/>
+          <a:chOff x="0" y="0"/>
+          <a:chExt cx="0" cy="0"/>
+        </a:xfrm>
+      </p:grpSpPr>
+      <p:sp>
+        <p:nvSpPr>
+          <p:cNvPr id="4098" name="Rectangle 2"/>
+          <p:cNvSpPr>
+            <a:spLocks noGrp="1" noChangeArrowheads="1"/>
+          </p:cNvSpPr>
+          <p:nvPr>
+            <p:ph type="title" idx="4294967295"/>
+          </p:nvPr>
+        </p:nvSpPr>
+        <p:spPr/>
+        <p:txBody>
+          <a:bodyPr/>
+          <a:lstStyle/>
+          <a:p>
+            <a:pPr algn="l" eaLnBrk="1" hangingPunct="1"/>
+            <a:r>
+              <a:rPr lang="en-US" dirty="0" smtClean="0"/>
+              <a:t>Indicator summary</a:t>
+            </a:r>
+          </a:p>
+        </p:txBody>
+      </p:sp>
+      <p:sp>
+        <p:nvSpPr>
+          <p:cNvPr id="4099" name="Rectangle 3"/>
+          <p:cNvSpPr>
+            <a:spLocks noGrp="1" noChangeArrowheads="1"/>
+          </p:cNvSpPr>
+          <p:nvPr>
+            <p:ph type="body" idx="4294967295"/>
+          </p:nvPr>
+        </p:nvSpPr>
+        <p:spPr>
+          <a:xfrm>
+            <a:off x="457200" y="1600200"/>
+            <a:ext cx="7848600" cy="4525963"/>
+          </a:xfrm>
+        </p:spPr>
+        <p:txBody>
+          <a:bodyPr/>
+          <a:lstStyle/>
+          <a:p>
+            <a:pPr eaLnBrk="1" hangingPunct="1">
+              <a:spcBef>
+                <a:spcPts val="1200"/>
+              </a:spcBef>
+              <a:spcAft>
+                <a:spcPts val="600"/>
+              </a:spcAft>
+            </a:pPr>
+            <a:r>
+              <a:rPr lang="en-US" sz="2400" dirty="0" smtClean="0"/>
+              <a:t>Think about which indicators are </a:t>
+            </a:r>
+          </a:p>
+          <a:p>
+            <a:pPr lvl="1" eaLnBrk="1" hangingPunct="1">
+              <a:spcBef>
+                <a:spcPts val="600"/>
+              </a:spcBef>
+            </a:pPr>
+            <a:r>
+              <a:rPr lang="en-US" sz="2000" dirty="0" err="1" smtClean="0"/>
+              <a:t>Procyclical</a:t>
+            </a:r>
+            <a:r>
+              <a:rPr lang="en-US" sz="2000" dirty="0" smtClean="0"/>
+              <a:t> </a:t>
+            </a:r>
+          </a:p>
+          <a:p>
+            <a:pPr lvl="1" eaLnBrk="1" hangingPunct="1">
+              <a:spcBef>
+                <a:spcPts val="600"/>
+              </a:spcBef>
+            </a:pPr>
+            <a:r>
+              <a:rPr lang="en-US" sz="2000" dirty="0" smtClean="0"/>
+              <a:t>Countercyclical</a:t>
+            </a:r>
+          </a:p>
+          <a:p>
+            <a:pPr lvl="1" eaLnBrk="1" hangingPunct="1">
+              <a:spcBef>
+                <a:spcPts val="600"/>
+              </a:spcBef>
+            </a:pPr>
+            <a:r>
+              <a:rPr lang="en-US" sz="2000" dirty="0" smtClean="0"/>
+              <a:t>Leading</a:t>
+            </a:r>
+          </a:p>
+          <a:p>
+            <a:pPr lvl="1" eaLnBrk="1" hangingPunct="1">
+              <a:spcBef>
+                <a:spcPts val="600"/>
+              </a:spcBef>
+            </a:pPr>
+            <a:r>
+              <a:rPr lang="en-US" sz="2000" dirty="0" smtClean="0"/>
+              <a:t>Lagging</a:t>
+            </a:r>
+          </a:p>
+          <a:p>
+            <a:pPr lvl="1" eaLnBrk="1" hangingPunct="1">
+              <a:spcBef>
+                <a:spcPts val="600"/>
+              </a:spcBef>
+            </a:pPr>
+            <a:r>
+              <a:rPr lang="en-US" sz="2000" dirty="0" smtClean="0"/>
+              <a:t>Coincident   </a:t>
+            </a:r>
+          </a:p>
+          <a:p>
+            <a:pPr eaLnBrk="1" hangingPunct="1">
+              <a:spcBef>
+                <a:spcPts val="1200"/>
+              </a:spcBef>
+            </a:pPr>
+            <a:r>
+              <a:rPr lang="en-US" sz="2400" dirty="0" smtClean="0"/>
+              <a:t>Which ones do you like best?  </a:t>
+            </a:r>
+          </a:p>
+        </p:txBody>
+      </p:sp>
+      <p:sp>
+        <p:nvSpPr>
+          <p:cNvPr id="4100" name="Slide Number Placeholder 3"/>
+          <p:cNvSpPr>
+            <a:spLocks noGrp="1"/>
+          </p:cNvSpPr>
+          <p:nvPr>
+            <p:ph type="sldNum" sz="quarter" idx="12"/>
+          </p:nvPr>
+        </p:nvSpPr>
+        <p:spPr>
+          <a:noFill/>
+        </p:spPr>
+        <p:txBody>
+          <a:bodyPr/>
+          <a:lstStyle/>
+          <a:p>
+            <a:fld id="{E041A9CD-8F68-446A-8192-3D8982304C37}" type="slidenum">
+              <a:rPr lang="en-US" smtClean="0"/>
+              <a:pPr/>
+              <a:t>28</a:t>
+            </a:fld>
+            <a:endParaRPr lang="en-US" smtClean="0"/>
+          </a:p>
+        </p:txBody>
+      </p:sp>
+    </p:spTree>
+  </p:cSld>
+  <p:clrMapOvr>
+    <a:masterClrMapping/>
+  </p:clrMapOvr>
+  <p:timing>
+    <p:tnLst>
+      <p:par>
+        <p:cTn id="1" dur="indefinite" restart="never" nodeType="tmRoot"/>
+      </p:par>
+    </p:tnLst>
+  </p:timing>
+</p:sld>
+</file>
+
+<file path=ppt/slides/slide29.xml><?xml version="1.0" encoding="utf-8"?>
+<p:sld xmlns:a="http://schemas.openxmlformats.org/drawingml/2006/main" xmlns:r="http://schemas.openxmlformats.org/officeDocument/2006/relationships" xmlns:p="http://schemas.openxmlformats.org/presentationml/2006/main">
+  <p:cSld>
+    <p:spTree>
+      <p:nvGrpSpPr>
+        <p:cNvPr id="1" name=""/>
+        <p:cNvGrpSpPr/>
+        <p:nvPr/>
+      </p:nvGrpSpPr>
+      <p:grpSpPr>
+        <a:xfrm>
+          <a:off x="0" y="0"/>
+          <a:ext cx="0" cy="0"/>
+          <a:chOff x="0" y="0"/>
+          <a:chExt cx="0" cy="0"/>
+        </a:xfrm>
+      </p:grpSpPr>
+      <p:sp>
+        <p:nvSpPr>
+          <p:cNvPr id="57346" name="Rectangle 4"/>
+          <p:cNvSpPr>
+            <a:spLocks noGrp="1" noChangeArrowheads="1"/>
+          </p:cNvSpPr>
+          <p:nvPr>
+            <p:ph type="ctrTitle"/>
+          </p:nvPr>
+        </p:nvSpPr>
+        <p:spPr/>
+        <p:txBody>
+          <a:bodyPr/>
+          <a:lstStyle/>
+          <a:p>
+            <a:pPr eaLnBrk="1" hangingPunct="1"/>
+            <a:r>
+              <a:rPr lang="en-US" i="1" dirty="0" smtClean="0"/>
+              <a:t>Cross-correlations</a:t>
+            </a:r>
+          </a:p>
+        </p:txBody>
+      </p:sp>
+    </p:spTree>
+  </p:cSld>
+  <p:clrMapOvr>
+    <a:masterClrMapping/>
+  </p:clrMapOvr>
+  <p:timing>
+    <p:tnLst>
+      <p:par>
+        <p:cTn id="1" dur="indefinite" restart="never" nodeType="tmRoot"/>
+      </p:par>
+    </p:tnLst>
+  </p:timing>
+</p:sld>
+</file>
+
 <file path=ppt/slides/slide3.xml><?xml version="1.0" encoding="utf-8"?>
 <p:sld xmlns:a="http://schemas.openxmlformats.org/drawingml/2006/main" xmlns:r="http://schemas.openxmlformats.org/officeDocument/2006/relationships" xmlns:p="http://schemas.openxmlformats.org/presentationml/2006/main">
   <p:cSld>
@@ -12357,7 +12370,7 @@
             <a:pPr algn="l" eaLnBrk="1" hangingPunct="1"/>
             <a:r>
               <a:rPr lang="en-US" dirty="0" smtClean="0"/>
-              <a:t>Midterm</a:t>
+              <a:t>The question </a:t>
             </a:r>
           </a:p>
         </p:txBody>
@@ -12387,12 +12400,12 @@
                 <a:spcPct val="90000"/>
               </a:lnSpc>
               <a:spcBef>
-                <a:spcPts val="1200"/>
+                <a:spcPct val="50000"/>
               </a:spcBef>
             </a:pPr>
             <a:r>
               <a:rPr lang="en-US" sz="2400" dirty="0" smtClean="0"/>
-              <a:t>Answers posted</a:t>
+              <a:t>How does the US economy look to you right now? </a:t>
             </a:r>
           </a:p>
           <a:p>
@@ -12401,14 +12414,14 @@
                 <a:spcPct val="90000"/>
               </a:lnSpc>
               <a:spcBef>
-                <a:spcPts val="1200"/>
+                <a:spcPct val="50000"/>
               </a:spcBef>
             </a:pPr>
             <a:r>
               <a:rPr lang="en-US" sz="2400" dirty="0" smtClean="0"/>
-              <a:t>You’ll get yours back next week </a:t>
-            </a:r>
-            <a:endParaRPr lang="en-US" sz="1800" dirty="0" smtClean="0"/>
+              <a:t>How can you tell?  </a:t>
+            </a:r>
+            <a:endParaRPr lang="en-US" sz="2000" dirty="0" smtClean="0"/>
           </a:p>
         </p:txBody>
       </p:sp>
@@ -12472,12 +12485,12 @@
       </p:grpSpPr>
       <p:sp>
         <p:nvSpPr>
-          <p:cNvPr id="4098" name="Rectangle 2"/>
-          <p:cNvSpPr>
-            <a:spLocks noGrp="1" noChangeArrowheads="1"/>
+          <p:cNvPr id="2" name="Title 1"/>
+          <p:cNvSpPr>
+            <a:spLocks noGrp="1"/>
           </p:cNvSpPr>
           <p:nvPr>
-            <p:ph type="title" idx="4294967295"/>
+            <p:ph type="title"/>
           </p:nvPr>
         </p:nvSpPr>
         <p:spPr/>
@@ -12485,122 +12498,83 @@
           <a:bodyPr/>
           <a:lstStyle/>
           <a:p>
-            <a:pPr algn="l" eaLnBrk="1" hangingPunct="1"/>
+            <a:pPr algn="l"/>
             <a:r>
               <a:rPr lang="en-US" dirty="0" smtClean="0"/>
-              <a:t>Indicator summary</a:t>
-            </a:r>
-          </a:p>
-        </p:txBody>
-      </p:sp>
-      <p:sp>
-        <p:nvSpPr>
-          <p:cNvPr id="4099" name="Rectangle 3"/>
-          <p:cNvSpPr>
-            <a:spLocks noGrp="1" noChangeArrowheads="1"/>
+              <a:t>Review:  correlations </a:t>
+            </a:r>
+            <a:endParaRPr lang="en-US" dirty="0"/>
+          </a:p>
+        </p:txBody>
+      </p:sp>
+      <p:sp>
+        <p:nvSpPr>
+          <p:cNvPr id="3" name="Content Placeholder 2"/>
+          <p:cNvSpPr>
+            <a:spLocks noGrp="1"/>
           </p:cNvSpPr>
           <p:nvPr>
-            <p:ph type="body" idx="4294967295"/>
+            <p:ph idx="1"/>
           </p:nvPr>
         </p:nvSpPr>
         <p:spPr>
           <a:xfrm>
-            <a:off x="457200" y="1600200"/>
-            <a:ext cx="7848600" cy="4525963"/>
+            <a:off x="503548" y="1448780"/>
+            <a:ext cx="8229600" cy="4525963"/>
           </a:xfrm>
         </p:spPr>
         <p:txBody>
           <a:bodyPr/>
           <a:lstStyle/>
           <a:p>
-            <a:pPr eaLnBrk="1" hangingPunct="1">
-              <a:spcBef>
-                <a:spcPts val="1200"/>
-              </a:spcBef>
-              <a:spcAft>
-                <a:spcPts val="600"/>
-              </a:spcAft>
-            </a:pPr>
-            <a:r>
-              <a:rPr lang="en-US" sz="2400" dirty="0" smtClean="0"/>
-              <a:t>Think about which indicators are </a:t>
-            </a:r>
-          </a:p>
-          <a:p>
-            <a:pPr lvl="1" eaLnBrk="1" hangingPunct="1">
-              <a:spcBef>
-                <a:spcPts val="600"/>
-              </a:spcBef>
-            </a:pPr>
-            <a:r>
-              <a:rPr lang="en-US" sz="2000" dirty="0" err="1" smtClean="0"/>
-              <a:t>Procyclical</a:t>
-            </a:r>
-            <a:r>
-              <a:rPr lang="en-US" sz="2000" dirty="0" smtClean="0"/>
-              <a:t> </a:t>
-            </a:r>
-          </a:p>
-          <a:p>
-            <a:pPr lvl="1" eaLnBrk="1" hangingPunct="1">
-              <a:spcBef>
-                <a:spcPts val="600"/>
-              </a:spcBef>
-            </a:pPr>
-            <a:r>
-              <a:rPr lang="en-US" sz="2000" dirty="0" smtClean="0"/>
-              <a:t>Countercyclical</a:t>
-            </a:r>
-          </a:p>
-          <a:p>
-            <a:pPr lvl="1" eaLnBrk="1" hangingPunct="1">
-              <a:spcBef>
-                <a:spcPts val="600"/>
-              </a:spcBef>
-            </a:pPr>
-            <a:r>
-              <a:rPr lang="en-US" sz="2000" dirty="0" smtClean="0"/>
-              <a:t>Leading</a:t>
-            </a:r>
-          </a:p>
-          <a:p>
-            <a:pPr lvl="1" eaLnBrk="1" hangingPunct="1">
-              <a:spcBef>
-                <a:spcPts val="600"/>
-              </a:spcBef>
-            </a:pPr>
-            <a:r>
-              <a:rPr lang="en-US" sz="2000" dirty="0" smtClean="0"/>
-              <a:t>Lagging</a:t>
-            </a:r>
-          </a:p>
-          <a:p>
-            <a:pPr lvl="1" eaLnBrk="1" hangingPunct="1">
-              <a:spcBef>
-                <a:spcPts val="600"/>
-              </a:spcBef>
-            </a:pPr>
-            <a:r>
-              <a:rPr lang="en-US" sz="2000" dirty="0" smtClean="0"/>
-              <a:t>Coincident   </a:t>
-            </a:r>
-          </a:p>
-          <a:p>
-            <a:pPr eaLnBrk="1" hangingPunct="1">
+            <a:pPr>
               <a:spcBef>
                 <a:spcPts val="1200"/>
               </a:spcBef>
             </a:pPr>
             <a:r>
               <a:rPr lang="en-US" sz="2400" dirty="0" smtClean="0"/>
-              <a:t>Which ones do you like best?  </a:t>
-            </a:r>
-          </a:p>
-        </p:txBody>
-      </p:sp>
-      <p:sp>
-        <p:nvSpPr>
-          <p:cNvPr id="4100" name="Slide Number Placeholder 3"/>
+              <a:t>Correlations:  a measure of (linear) association between two variables </a:t>
+            </a:r>
+          </a:p>
+          <a:p>
+            <a:pPr>
+              <a:spcBef>
+                <a:spcPts val="1200"/>
+              </a:spcBef>
+            </a:pPr>
+            <a:r>
+              <a:rPr lang="en-US" sz="2400" dirty="0" smtClean="0"/>
+              <a:t>Conveniently scaled between –1 and +1</a:t>
+            </a:r>
+          </a:p>
+          <a:p>
+            <a:pPr>
+              <a:spcBef>
+                <a:spcPts val="1200"/>
+              </a:spcBef>
+            </a:pPr>
+            <a:r>
+              <a:rPr lang="en-US" sz="2400" dirty="0" smtClean="0"/>
+              <a:t>The farther from zero, the stronger the association</a:t>
+            </a:r>
+          </a:p>
+          <a:p>
+            <a:pPr>
+              <a:spcBef>
+                <a:spcPts val="1200"/>
+              </a:spcBef>
+            </a:pPr>
+            <a:r>
+              <a:rPr lang="en-US" sz="2400" dirty="0" smtClean="0"/>
+              <a:t>Link to nontechnical guide on Course Outline </a:t>
+            </a:r>
+          </a:p>
+        </p:txBody>
+      </p:sp>
+      <p:sp>
+        <p:nvSpPr>
+          <p:cNvPr id="4" name="Slide Number Placeholder 3"/>
           <p:cNvSpPr>
             <a:spLocks noGrp="1"/>
           </p:cNvSpPr>
@@ -12608,23 +12582,31 @@
             <p:ph type="sldNum" sz="quarter" idx="12"/>
           </p:nvPr>
         </p:nvSpPr>
-        <p:spPr>
-          <a:noFill/>
-        </p:spPr>
+        <p:spPr/>
         <p:txBody>
           <a:bodyPr/>
           <a:lstStyle/>
           <a:p>
-            <a:fld id="{E041A9CD-8F68-446A-8192-3D8982304C37}" type="slidenum">
+            <a:pPr>
+              <a:defRPr/>
+            </a:pPr>
+            <a:fld id="{CD881EE7-D394-49C6-AE2C-728820140E60}" type="slidenum">
               <a:rPr lang="en-US" smtClean="0"/>
-              <a:pPr/>
+              <a:pPr>
+                <a:defRPr/>
+              </a:pPr>
               <a:t>30</a:t>
             </a:fld>
-            <a:endParaRPr lang="en-US" smtClean="0"/>
+            <a:endParaRPr lang="en-US"/>
           </a:p>
         </p:txBody>
       </p:sp>
     </p:spTree>
+    <p:extLst>
+      <p:ext uri="{BB962C8B-B14F-4D97-AF65-F5344CB8AC3E}">
+        <p14:creationId xmlns:p14="http://schemas.microsoft.com/office/powerpoint/2010/main" val="1153006610"/>
+      </p:ext>
+    </p:extLst>
   </p:cSld>
   <p:clrMapOvr>
     <a:masterClrMapping/>
@@ -12658,61 +12640,6 @@
       </p:grpSpPr>
       <p:sp>
         <p:nvSpPr>
-          <p:cNvPr id="57346" name="Rectangle 4"/>
-          <p:cNvSpPr>
-            <a:spLocks noGrp="1" noChangeArrowheads="1"/>
-          </p:cNvSpPr>
-          <p:nvPr>
-            <p:ph type="ctrTitle"/>
-          </p:nvPr>
-        </p:nvSpPr>
-        <p:spPr/>
-        <p:txBody>
-          <a:bodyPr/>
-          <a:lstStyle/>
-          <a:p>
-            <a:pPr eaLnBrk="1" hangingPunct="1"/>
-            <a:r>
-              <a:rPr lang="en-US" i="1" dirty="0" smtClean="0"/>
-              <a:t>Cross-correlations</a:t>
-            </a:r>
-          </a:p>
-        </p:txBody>
-      </p:sp>
-    </p:spTree>
-  </p:cSld>
-  <p:clrMapOvr>
-    <a:masterClrMapping/>
-  </p:clrMapOvr>
-  <p:timing>
-    <p:tnLst>
-      <p:par>
-        <p:cTn id="1" dur="indefinite" restart="never" nodeType="tmRoot"/>
-      </p:par>
-    </p:tnLst>
-  </p:timing>
-</p:sld>
-</file>
-
-<file path=ppt/slides/slide32.xml><?xml version="1.0" encoding="utf-8"?>
-<p:sld xmlns:a="http://schemas.openxmlformats.org/drawingml/2006/main" xmlns:r="http://schemas.openxmlformats.org/officeDocument/2006/relationships" xmlns:p="http://schemas.openxmlformats.org/presentationml/2006/main">
-  <p:cSld>
-    <p:spTree>
-      <p:nvGrpSpPr>
-        <p:cNvPr id="1" name=""/>
-        <p:cNvGrpSpPr/>
-        <p:nvPr/>
-      </p:nvGrpSpPr>
-      <p:grpSpPr>
-        <a:xfrm>
-          <a:off x="0" y="0"/>
-          <a:ext cx="0" cy="0"/>
-          <a:chOff x="0" y="0"/>
-          <a:chExt cx="0" cy="0"/>
-        </a:xfrm>
-      </p:grpSpPr>
-      <p:sp>
-        <p:nvSpPr>
           <p:cNvPr id="2" name="Title 1"/>
           <p:cNvSpPr>
             <a:spLocks noGrp="1"/>
@@ -12732,71 +12659,6 @@
               <a:t>Review:  correlations </a:t>
             </a:r>
             <a:endParaRPr lang="en-US" dirty="0"/>
-          </a:p>
-        </p:txBody>
-      </p:sp>
-      <p:sp>
-        <p:nvSpPr>
-          <p:cNvPr id="3" name="Content Placeholder 2"/>
-          <p:cNvSpPr>
-            <a:spLocks noGrp="1"/>
-          </p:cNvSpPr>
-          <p:nvPr>
-            <p:ph idx="1"/>
-          </p:nvPr>
-        </p:nvSpPr>
-        <p:spPr>
-          <a:xfrm>
-            <a:off x="503548" y="1448780"/>
-            <a:ext cx="8229600" cy="4525963"/>
-          </a:xfrm>
-        </p:spPr>
-        <p:txBody>
-          <a:bodyPr/>
-          <a:lstStyle/>
-          <a:p>
-            <a:pPr>
-              <a:spcBef>
-                <a:spcPts val="1200"/>
-              </a:spcBef>
-            </a:pPr>
-            <a:r>
-              <a:rPr lang="en-US" sz="2400" dirty="0" smtClean="0"/>
-              <a:t>Correlations:  a measure of (linear) association between two variables </a:t>
-            </a:r>
-          </a:p>
-          <a:p>
-            <a:pPr>
-              <a:spcBef>
-                <a:spcPts val="1200"/>
-              </a:spcBef>
-            </a:pPr>
-            <a:r>
-              <a:rPr lang="en-US" sz="2400" dirty="0" smtClean="0"/>
-              <a:t>Conveniently scaled between –1 and +1</a:t>
-            </a:r>
-          </a:p>
-          <a:p>
-            <a:pPr>
-              <a:spcBef>
-                <a:spcPts val="1200"/>
-              </a:spcBef>
-            </a:pPr>
-            <a:r>
-              <a:rPr lang="en-US" sz="2400" dirty="0" smtClean="0"/>
-              <a:t>The farther from zero, the stronger the association</a:t>
-            </a:r>
-          </a:p>
-          <a:p>
-            <a:pPr>
-              <a:spcBef>
-                <a:spcPts val="1200"/>
-              </a:spcBef>
-            </a:pPr>
-            <a:r>
-              <a:rPr lang="en-US" sz="2400" dirty="0" smtClean="0"/>
-              <a:t>Link to nontechnical guide on Course Outline </a:t>
-            </a:r>
           </a:p>
         </p:txBody>
       </p:sp>
@@ -12823,97 +12685,7 @@
               <a:pPr>
                 <a:defRPr/>
               </a:pPr>
-              <a:t>32</a:t>
-            </a:fld>
-            <a:endParaRPr lang="en-US"/>
-          </a:p>
-        </p:txBody>
-      </p:sp>
-    </p:spTree>
-    <p:extLst>
-      <p:ext uri="{BB962C8B-B14F-4D97-AF65-F5344CB8AC3E}">
-        <p14:creationId xmlns:p14="http://schemas.microsoft.com/office/powerpoint/2010/main" val="1153006610"/>
-      </p:ext>
-    </p:extLst>
-  </p:cSld>
-  <p:clrMapOvr>
-    <a:masterClrMapping/>
-  </p:clrMapOvr>
-  <p:timing>
-    <p:tnLst>
-      <p:par>
-        <p:cTn id="1" dur="indefinite" restart="never" nodeType="tmRoot"/>
-      </p:par>
-    </p:tnLst>
-  </p:timing>
-</p:sld>
-</file>
-
-<file path=ppt/slides/slide33.xml><?xml version="1.0" encoding="utf-8"?>
-<p:sld xmlns:a="http://schemas.openxmlformats.org/drawingml/2006/main" xmlns:r="http://schemas.openxmlformats.org/officeDocument/2006/relationships" xmlns:p="http://schemas.openxmlformats.org/presentationml/2006/main">
-  <p:cSld>
-    <p:spTree>
-      <p:nvGrpSpPr>
-        <p:cNvPr id="1" name=""/>
-        <p:cNvGrpSpPr/>
-        <p:nvPr/>
-      </p:nvGrpSpPr>
-      <p:grpSpPr>
-        <a:xfrm>
-          <a:off x="0" y="0"/>
-          <a:ext cx="0" cy="0"/>
-          <a:chOff x="0" y="0"/>
-          <a:chExt cx="0" cy="0"/>
-        </a:xfrm>
-      </p:grpSpPr>
-      <p:sp>
-        <p:nvSpPr>
-          <p:cNvPr id="2" name="Title 1"/>
-          <p:cNvSpPr>
-            <a:spLocks noGrp="1"/>
-          </p:cNvSpPr>
-          <p:nvPr>
-            <p:ph type="title"/>
-          </p:nvPr>
-        </p:nvSpPr>
-        <p:spPr/>
-        <p:txBody>
-          <a:bodyPr/>
-          <a:lstStyle/>
-          <a:p>
-            <a:pPr algn="l"/>
-            <a:r>
-              <a:rPr lang="en-US" dirty="0" smtClean="0"/>
-              <a:t>Review:  correlations </a:t>
-            </a:r>
-            <a:endParaRPr lang="en-US" dirty="0"/>
-          </a:p>
-        </p:txBody>
-      </p:sp>
-      <p:sp>
-        <p:nvSpPr>
-          <p:cNvPr id="4" name="Slide Number Placeholder 3"/>
-          <p:cNvSpPr>
-            <a:spLocks noGrp="1"/>
-          </p:cNvSpPr>
-          <p:nvPr>
-            <p:ph type="sldNum" sz="quarter" idx="12"/>
-          </p:nvPr>
-        </p:nvSpPr>
-        <p:spPr/>
-        <p:txBody>
-          <a:bodyPr/>
-          <a:lstStyle/>
-          <a:p>
-            <a:pPr>
-              <a:defRPr/>
-            </a:pPr>
-            <a:fld id="{CD881EE7-D394-49C6-AE2C-728820140E60}" type="slidenum">
-              <a:rPr lang="en-US" smtClean="0"/>
-              <a:pPr>
-                <a:defRPr/>
-              </a:pPr>
-              <a:t>33</a:t>
+              <a:t>31</a:t>
             </a:fld>
             <a:endParaRPr lang="en-US"/>
           </a:p>
@@ -12965,7 +12737,7 @@
 </p:sld>
 </file>
 
-<file path=ppt/slides/slide34.xml><?xml version="1.0" encoding="utf-8"?>
+<file path=ppt/slides/slide32.xml><?xml version="1.0" encoding="utf-8"?>
 <p:sld xmlns:a="http://schemas.openxmlformats.org/drawingml/2006/main" xmlns:r="http://schemas.openxmlformats.org/officeDocument/2006/relationships" xmlns:p="http://schemas.openxmlformats.org/presentationml/2006/main">
   <p:cSld>
     <p:spTree>
@@ -13137,7 +12909,7 @@
               <a:pPr>
                 <a:defRPr/>
               </a:pPr>
-              <a:t>34</a:t>
+              <a:t>32</a:t>
             </a:fld>
             <a:endParaRPr lang="en-US"/>
           </a:p>
@@ -13163,7 +12935,7 @@
 </p:sld>
 </file>
 
-<file path=ppt/slides/slide35.xml><?xml version="1.0" encoding="utf-8"?>
+<file path=ppt/slides/slide33.xml><?xml version="1.0" encoding="utf-8"?>
 <p:sld xmlns:a="http://schemas.openxmlformats.org/drawingml/2006/main" xmlns:r="http://schemas.openxmlformats.org/officeDocument/2006/relationships" xmlns:p="http://schemas.openxmlformats.org/presentationml/2006/main">
   <p:cSld>
     <p:spTree>
@@ -15570,7 +15342,7 @@
               <a:pPr>
                 <a:defRPr/>
               </a:pPr>
-              <a:t>35</a:t>
+              <a:t>33</a:t>
             </a:fld>
             <a:endParaRPr lang="en-US"/>
           </a:p>
@@ -15720,7 +15492,7 @@
 </p:sld>
 </file>
 
-<file path=ppt/slides/slide36.xml><?xml version="1.0" encoding="utf-8"?>
+<file path=ppt/slides/slide34.xml><?xml version="1.0" encoding="utf-8"?>
 <p:sld xmlns:a="http://schemas.openxmlformats.org/drawingml/2006/main" xmlns:r="http://schemas.openxmlformats.org/officeDocument/2006/relationships" xmlns:p="http://schemas.openxmlformats.org/presentationml/2006/main">
   <p:cSld>
     <p:spTree>
@@ -17352,7 +17124,7 @@
                         <a:tabLst/>
                       </a:pPr>
                       <a:r>
-                        <a:rPr kumimoji="0" lang="en-US" sz="2400" b="0" i="0" u="none" strike="noStrike" cap="none" normalizeH="0" baseline="0" smtClean="0">
+                        <a:rPr kumimoji="0" lang="en-US" sz="2400" b="0" i="0" u="none" strike="noStrike" cap="none" normalizeH="0" baseline="0" dirty="0" smtClean="0">
                           <a:ln>
                             <a:noFill/>
                           </a:ln>
@@ -17937,7 +17709,7 @@
                         <a:tabLst/>
                       </a:pPr>
                       <a:r>
-                        <a:rPr kumimoji="0" lang="en-US" sz="2400" b="0" i="0" u="none" strike="noStrike" cap="none" normalizeH="0" baseline="0" smtClean="0">
+                        <a:rPr kumimoji="0" lang="en-US" sz="2400" b="0" i="0" u="none" strike="noStrike" cap="none" normalizeH="0" baseline="0" dirty="0" smtClean="0">
                           <a:ln>
                             <a:noFill/>
                           </a:ln>
@@ -17950,7 +17722,7 @@
                         </a:rPr>
                         <a:t>3.60</a:t>
                       </a:r>
-                      <a:endParaRPr kumimoji="0" lang="en-US" sz="2400" b="0" i="0" u="none" strike="noStrike" cap="none" normalizeH="0" baseline="0" smtClean="0">
+                      <a:endParaRPr kumimoji="0" lang="en-US" sz="2400" b="0" i="0" u="none" strike="noStrike" cap="none" normalizeH="0" baseline="0" dirty="0" smtClean="0">
                         <a:ln>
                           <a:noFill/>
                         </a:ln>
@@ -18148,9 +17920,52 @@
               <a:pPr>
                 <a:defRPr/>
               </a:pPr>
-              <a:t>36</a:t>
+              <a:t>34</a:t>
             </a:fld>
             <a:endParaRPr lang="en-US"/>
+          </a:p>
+        </p:txBody>
+      </p:sp>
+      <p:sp>
+        <p:nvSpPr>
+          <p:cNvPr id="9" name="Oval 52"/>
+          <p:cNvSpPr>
+            <a:spLocks noChangeArrowheads="1"/>
+          </p:cNvSpPr>
+          <p:nvPr/>
+        </p:nvSpPr>
+        <p:spPr bwMode="auto">
+          <a:xfrm rot="20289614">
+            <a:off x="2121107" y="3912393"/>
+            <a:ext cx="1981200" cy="633413"/>
+          </a:xfrm>
+          <a:prstGeom prst="ellipse">
+            <a:avLst/>
+          </a:prstGeom>
+          <a:noFill/>
+          <a:ln w="25400">
+            <a:solidFill>
+              <a:schemeClr val="tx1"/>
+            </a:solidFill>
+            <a:round/>
+            <a:headEnd/>
+            <a:tailEnd/>
+          </a:ln>
+        </p:spPr>
+        <p:txBody>
+          <a:bodyPr anchor="ctr">
+            <a:spAutoFit/>
+          </a:bodyPr>
+          <a:lstStyle/>
+          <a:p>
+            <a:pPr algn="ctr" eaLnBrk="0" hangingPunct="0">
+              <a:spcBef>
+                <a:spcPct val="50000"/>
+              </a:spcBef>
+            </a:pPr>
+            <a:endParaRPr lang="en-US" sz="2400">
+              <a:latin typeface="Times New Roman" pitchFamily="18" charset="0"/>
+            </a:endParaRPr>
           </a:p>
         </p:txBody>
       </p:sp>
@@ -18169,7 +17984,7 @@
 </p:sld>
 </file>
 
-<file path=ppt/slides/slide37.xml><?xml version="1.0" encoding="utf-8"?>
+<file path=ppt/slides/slide35.xml><?xml version="1.0" encoding="utf-8"?>
 <p:sld xmlns:a="http://schemas.openxmlformats.org/drawingml/2006/main" xmlns:r="http://schemas.openxmlformats.org/officeDocument/2006/relationships" xmlns:p="http://schemas.openxmlformats.org/presentationml/2006/main">
   <p:cSld>
     <p:spTree>
@@ -20615,6 +20430,347 @@
               <a:pPr>
                 <a:defRPr/>
               </a:pPr>
+              <a:t>35</a:t>
+            </a:fld>
+            <a:endParaRPr lang="en-US"/>
+          </a:p>
+        </p:txBody>
+      </p:sp>
+      <p:sp>
+        <p:nvSpPr>
+          <p:cNvPr id="9" name="Oval 52"/>
+          <p:cNvSpPr>
+            <a:spLocks noChangeArrowheads="1"/>
+          </p:cNvSpPr>
+          <p:nvPr/>
+        </p:nvSpPr>
+        <p:spPr bwMode="auto">
+          <a:xfrm rot="1353173">
+            <a:off x="2133600" y="3938361"/>
+            <a:ext cx="1981200" cy="633413"/>
+          </a:xfrm>
+          <a:prstGeom prst="ellipse">
+            <a:avLst/>
+          </a:prstGeom>
+          <a:noFill/>
+          <a:ln w="25400">
+            <a:solidFill>
+              <a:schemeClr val="tx1"/>
+            </a:solidFill>
+            <a:round/>
+            <a:headEnd/>
+            <a:tailEnd/>
+          </a:ln>
+        </p:spPr>
+        <p:txBody>
+          <a:bodyPr anchor="ctr">
+            <a:spAutoFit/>
+          </a:bodyPr>
+          <a:lstStyle/>
+          <a:p>
+            <a:pPr algn="ctr" eaLnBrk="0" hangingPunct="0">
+              <a:spcBef>
+                <a:spcPct val="50000"/>
+              </a:spcBef>
+            </a:pPr>
+            <a:endParaRPr lang="en-US" sz="2400">
+              <a:latin typeface="Times New Roman" pitchFamily="18" charset="0"/>
+            </a:endParaRPr>
+          </a:p>
+        </p:txBody>
+      </p:sp>
+    </p:spTree>
+  </p:cSld>
+  <p:clrMapOvr>
+    <a:masterClrMapping/>
+  </p:clrMapOvr>
+  <p:timing>
+    <p:tnLst>
+      <p:par>
+        <p:cTn id="1" dur="indefinite" restart="never" nodeType="tmRoot"/>
+      </p:par>
+    </p:tnLst>
+  </p:timing>
+</p:sld>
+</file>
+
+<file path=ppt/slides/slide36.xml><?xml version="1.0" encoding="utf-8"?>
+<p:sld xmlns:a="http://schemas.openxmlformats.org/drawingml/2006/main" xmlns:r="http://schemas.openxmlformats.org/officeDocument/2006/relationships" xmlns:p="http://schemas.openxmlformats.org/presentationml/2006/main">
+  <p:cSld>
+    <p:spTree>
+      <p:nvGrpSpPr>
+        <p:cNvPr id="1" name=""/>
+        <p:cNvGrpSpPr/>
+        <p:nvPr/>
+      </p:nvGrpSpPr>
+      <p:grpSpPr>
+        <a:xfrm>
+          <a:off x="0" y="0"/>
+          <a:ext cx="0" cy="0"/>
+          <a:chOff x="0" y="0"/>
+          <a:chExt cx="0" cy="0"/>
+        </a:xfrm>
+      </p:grpSpPr>
+      <p:sp>
+        <p:nvSpPr>
+          <p:cNvPr id="49154" name="Rectangle 2"/>
+          <p:cNvSpPr>
+            <a:spLocks noGrp="1" noChangeArrowheads="1"/>
+          </p:cNvSpPr>
+          <p:nvPr>
+            <p:ph type="title"/>
+          </p:nvPr>
+        </p:nvSpPr>
+        <p:spPr/>
+        <p:txBody>
+          <a:bodyPr/>
+          <a:lstStyle/>
+          <a:p>
+            <a:pPr algn="l" eaLnBrk="1" hangingPunct="1"/>
+            <a:r>
+              <a:rPr lang="en-US" dirty="0" smtClean="0"/>
+              <a:t>Cross correlation graphs</a:t>
+            </a:r>
+          </a:p>
+        </p:txBody>
+      </p:sp>
+      <p:sp>
+        <p:nvSpPr>
+          <p:cNvPr id="49155" name="Rectangle 3"/>
+          <p:cNvSpPr>
+            <a:spLocks noGrp="1" noChangeArrowheads="1"/>
+          </p:cNvSpPr>
+          <p:nvPr>
+            <p:ph type="body" idx="1"/>
+          </p:nvPr>
+        </p:nvSpPr>
+        <p:spPr/>
+        <p:txBody>
+          <a:bodyPr/>
+          <a:lstStyle/>
+          <a:p>
+            <a:pPr eaLnBrk="1" hangingPunct="1">
+              <a:spcBef>
+                <a:spcPct val="50000"/>
+              </a:spcBef>
+            </a:pPr>
+            <a:r>
+              <a:rPr lang="en-US" sz="2400" dirty="0" smtClean="0"/>
+              <a:t>Pictures:  plot </a:t>
+            </a:r>
+            <a:r>
+              <a:rPr lang="en-US" sz="2400" dirty="0" err="1" smtClean="0"/>
+              <a:t>ccf</a:t>
+            </a:r>
+            <a:r>
+              <a:rPr lang="en-US" sz="2400" dirty="0" smtClean="0"/>
+              <a:t>(k) against k </a:t>
+            </a:r>
+          </a:p>
+          <a:p>
+            <a:pPr lvl="1" eaLnBrk="1" hangingPunct="1">
+              <a:spcBef>
+                <a:spcPct val="50000"/>
+              </a:spcBef>
+            </a:pPr>
+            <a:r>
+              <a:rPr lang="en-US" sz="2000" dirty="0" smtClean="0"/>
+              <a:t>y = IP growth </a:t>
+            </a:r>
+          </a:p>
+          <a:p>
+            <a:pPr lvl="1" eaLnBrk="1" hangingPunct="1">
+              <a:spcBef>
+                <a:spcPct val="50000"/>
+              </a:spcBef>
+            </a:pPr>
+            <a:r>
+              <a:rPr lang="en-US" sz="2000" dirty="0" smtClean="0"/>
+              <a:t>x = indicator</a:t>
+            </a:r>
+          </a:p>
+          <a:p>
+            <a:pPr eaLnBrk="1" hangingPunct="1">
+              <a:spcBef>
+                <a:spcPct val="50000"/>
+              </a:spcBef>
+            </a:pPr>
+            <a:r>
+              <a:rPr lang="en-US" sz="2400" dirty="0" smtClean="0"/>
+              <a:t>Sample period:  1960 to present [why?]</a:t>
+            </a:r>
+          </a:p>
+          <a:p>
+            <a:pPr eaLnBrk="1" hangingPunct="1">
+              <a:spcBef>
+                <a:spcPct val="50000"/>
+              </a:spcBef>
+            </a:pPr>
+            <a:r>
+              <a:rPr lang="en-US" sz="2400" dirty="0" smtClean="0"/>
+              <a:t>Most variables are </a:t>
+            </a:r>
+            <a:r>
+              <a:rPr lang="en-US" sz="2400" dirty="0" err="1" smtClean="0"/>
+              <a:t>yoy</a:t>
+            </a:r>
+            <a:r>
+              <a:rPr lang="en-US" sz="2400" dirty="0" smtClean="0"/>
+              <a:t> growth rates [why?]  </a:t>
+            </a:r>
+          </a:p>
+          <a:p>
+            <a:pPr eaLnBrk="1" hangingPunct="1">
+              <a:spcBef>
+                <a:spcPct val="50000"/>
+              </a:spcBef>
+            </a:pPr>
+            <a:r>
+              <a:rPr lang="en-US" sz="2400" dirty="0" smtClean="0"/>
+              <a:t>Does indicator lead or lag IP growth?</a:t>
+            </a:r>
+          </a:p>
+        </p:txBody>
+      </p:sp>
+      <p:sp>
+        <p:nvSpPr>
+          <p:cNvPr id="2" name="Slide Number Placeholder 1"/>
+          <p:cNvSpPr>
+            <a:spLocks noGrp="1"/>
+          </p:cNvSpPr>
+          <p:nvPr>
+            <p:ph type="sldNum" sz="quarter" idx="12"/>
+          </p:nvPr>
+        </p:nvSpPr>
+        <p:spPr/>
+        <p:txBody>
+          <a:bodyPr/>
+          <a:lstStyle/>
+          <a:p>
+            <a:pPr>
+              <a:defRPr/>
+            </a:pPr>
+            <a:fld id="{CD881EE7-D394-49C6-AE2C-728820140E60}" type="slidenum">
+              <a:rPr lang="en-US" smtClean="0"/>
+              <a:pPr>
+                <a:defRPr/>
+              </a:pPr>
+              <a:t>36</a:t>
+            </a:fld>
+            <a:endParaRPr lang="en-US"/>
+          </a:p>
+        </p:txBody>
+      </p:sp>
+    </p:spTree>
+  </p:cSld>
+  <p:clrMapOvr>
+    <a:masterClrMapping/>
+  </p:clrMapOvr>
+  <p:timing>
+    <p:tnLst>
+      <p:par>
+        <p:cTn id="1" dur="indefinite" restart="never" nodeType="tmRoot"/>
+      </p:par>
+    </p:tnLst>
+  </p:timing>
+</p:sld>
+</file>
+
+<file path=ppt/slides/slide37.xml><?xml version="1.0" encoding="utf-8"?>
+<p:sld xmlns:a="http://schemas.openxmlformats.org/drawingml/2006/main" xmlns:r="http://schemas.openxmlformats.org/officeDocument/2006/relationships" xmlns:p="http://schemas.openxmlformats.org/presentationml/2006/main">
+  <p:cSld>
+    <p:spTree>
+      <p:nvGrpSpPr>
+        <p:cNvPr id="1" name=""/>
+        <p:cNvGrpSpPr/>
+        <p:nvPr/>
+      </p:nvGrpSpPr>
+      <p:grpSpPr>
+        <a:xfrm>
+          <a:off x="0" y="0"/>
+          <a:ext cx="0" cy="0"/>
+          <a:chOff x="0" y="0"/>
+          <a:chExt cx="0" cy="0"/>
+        </a:xfrm>
+      </p:grpSpPr>
+      <p:sp>
+        <p:nvSpPr>
+          <p:cNvPr id="50178" name="Rectangle 4"/>
+          <p:cNvSpPr>
+            <a:spLocks noGrp="1" noChangeArrowheads="1"/>
+          </p:cNvSpPr>
+          <p:nvPr>
+            <p:ph type="title"/>
+          </p:nvPr>
+        </p:nvSpPr>
+        <p:spPr/>
+        <p:txBody>
+          <a:bodyPr/>
+          <a:lstStyle/>
+          <a:p>
+            <a:pPr algn="l" eaLnBrk="1" hangingPunct="1"/>
+            <a:r>
+              <a:rPr lang="en-US" dirty="0" smtClean="0"/>
+              <a:t>Does employment lead or lag?</a:t>
+            </a:r>
+          </a:p>
+        </p:txBody>
+      </p:sp>
+      <p:pic>
+        <p:nvPicPr>
+          <p:cNvPr id="50179" name="Picture 5" descr="xcemp"/>
+          <p:cNvPicPr>
+            <a:picLocks noChangeAspect="1" noChangeArrowheads="1"/>
+          </p:cNvPicPr>
+          <p:nvPr/>
+        </p:nvPicPr>
+        <p:blipFill>
+          <a:blip r:embed="rId2"/>
+          <a:srcRect/>
+          <a:stretch>
+            <a:fillRect/>
+          </a:stretch>
+        </p:blipFill>
+        <p:spPr bwMode="auto">
+          <a:xfrm>
+            <a:off x="1219200" y="1219200"/>
+            <a:ext cx="6705600" cy="4908550"/>
+          </a:xfrm>
+          <a:prstGeom prst="rect">
+            <a:avLst/>
+          </a:prstGeom>
+          <a:noFill/>
+          <a:ln w="9525">
+            <a:noFill/>
+            <a:miter lim="800000"/>
+            <a:headEnd/>
+            <a:tailEnd/>
+          </a:ln>
+        </p:spPr>
+      </p:pic>
+      <p:sp>
+        <p:nvSpPr>
+          <p:cNvPr id="2" name="Slide Number Placeholder 1"/>
+          <p:cNvSpPr>
+            <a:spLocks noGrp="1"/>
+          </p:cNvSpPr>
+          <p:nvPr>
+            <p:ph type="sldNum" sz="quarter" idx="12"/>
+          </p:nvPr>
+        </p:nvSpPr>
+        <p:spPr/>
+        <p:txBody>
+          <a:bodyPr/>
+          <a:lstStyle/>
+          <a:p>
+            <a:pPr>
+              <a:defRPr/>
+            </a:pPr>
+            <a:fld id="{7F74D1DA-387E-4C94-AA86-E5ADDE0B2FE6}" type="slidenum">
+              <a:rPr lang="en-US" smtClean="0"/>
+              <a:pPr>
+                <a:defRPr/>
+              </a:pPr>
               <a:t>37</a:t>
             </a:fld>
             <a:endParaRPr lang="en-US"/>
@@ -20671,7 +20827,7 @@
             <a:pPr algn="l" eaLnBrk="1" hangingPunct="1"/>
             <a:r>
               <a:rPr lang="en-US" dirty="0" smtClean="0"/>
-              <a:t>Cross correlation graphs</a:t>
+              <a:t>How to tell </a:t>
             </a:r>
           </a:p>
         </p:txBody>
@@ -20698,78 +20854,88 @@
             </a:pPr>
             <a:r>
               <a:rPr lang="en-US" sz="2400" dirty="0" smtClean="0"/>
-              <a:t>Pictures:  plot </a:t>
-            </a:r>
+              <a:t>Find the largest correlation</a:t>
+            </a:r>
+          </a:p>
+          <a:p>
+            <a:pPr eaLnBrk="1" hangingPunct="1">
+              <a:spcBef>
+                <a:spcPts val="1200"/>
+              </a:spcBef>
+              <a:spcAft>
+                <a:spcPts val="600"/>
+              </a:spcAft>
+            </a:pPr>
             <a:r>
               <a:rPr lang="en-US" sz="2400" dirty="0" err="1" smtClean="0"/>
-              <a:t>ccf</a:t>
+              <a:t>Procyclical</a:t>
             </a:r>
             <a:r>
               <a:rPr lang="en-US" sz="2400" dirty="0" smtClean="0"/>
-              <a:t>(k) against k </a:t>
+              <a:t> or countercyclical? </a:t>
             </a:r>
           </a:p>
           <a:p>
             <a:pPr lvl="1" eaLnBrk="1" hangingPunct="1">
               <a:spcBef>
-                <a:spcPct val="50000"/>
+                <a:spcPts val="600"/>
               </a:spcBef>
             </a:pPr>
             <a:r>
               <a:rPr lang="en-US" sz="2000" dirty="0" smtClean="0"/>
-              <a:t>y = IP growth </a:t>
-            </a:r>
+              <a:t>If positive, </a:t>
+            </a:r>
+            <a:r>
+              <a:rPr lang="en-US" sz="2000" dirty="0" err="1" smtClean="0"/>
+              <a:t>procyclical</a:t>
+            </a:r>
+            <a:endParaRPr lang="en-US" sz="2000" dirty="0" smtClean="0"/>
           </a:p>
           <a:p>
             <a:pPr lvl="1" eaLnBrk="1" hangingPunct="1">
               <a:spcBef>
-                <a:spcPct val="50000"/>
+                <a:spcPts val="600"/>
               </a:spcBef>
             </a:pPr>
             <a:r>
               <a:rPr lang="en-US" sz="2000" dirty="0" smtClean="0"/>
-              <a:t>x = indicator</a:t>
+              <a:t>If negative, countercyclical</a:t>
             </a:r>
           </a:p>
           <a:p>
             <a:pPr eaLnBrk="1" hangingPunct="1">
               <a:spcBef>
-                <a:spcPct val="50000"/>
+                <a:spcPts val="1200"/>
+              </a:spcBef>
+              <a:spcAft>
+                <a:spcPts val="600"/>
+              </a:spcAft>
+            </a:pPr>
+            <a:r>
+              <a:rPr lang="en-US" sz="2400" dirty="0" smtClean="0"/>
+              <a:t>Leading or lagging </a:t>
+            </a:r>
+          </a:p>
+          <a:p>
+            <a:pPr lvl="1" eaLnBrk="1" hangingPunct="1">
+              <a:spcBef>
+                <a:spcPts val="600"/>
               </a:spcBef>
             </a:pPr>
             <a:r>
-              <a:rPr lang="en-US" sz="2400" dirty="0" smtClean="0"/>
-              <a:t>Sample period:  1960 to present [why?]</a:t>
-            </a:r>
-          </a:p>
-          <a:p>
-            <a:pPr eaLnBrk="1" hangingPunct="1">
+              <a:rPr lang="en-US" sz="2000" dirty="0" smtClean="0"/>
+              <a:t>If to the left, leading</a:t>
+            </a:r>
+          </a:p>
+          <a:p>
+            <a:pPr lvl="1" eaLnBrk="1" hangingPunct="1">
               <a:spcBef>
-                <a:spcPct val="50000"/>
+                <a:spcPts val="600"/>
               </a:spcBef>
             </a:pPr>
             <a:r>
-              <a:rPr lang="en-US" sz="2400" dirty="0" smtClean="0"/>
-              <a:t>Most variables are </a:t>
-            </a:r>
-            <a:r>
-              <a:rPr lang="en-US" sz="2400" dirty="0" err="1" smtClean="0"/>
-              <a:t>yoy</a:t>
-            </a:r>
-            <a:r>
-              <a:rPr lang="en-US" sz="2400" dirty="0" smtClean="0"/>
-              <a:t> growth rates [why?]  </a:t>
-            </a:r>
-          </a:p>
-          <a:p>
-            <a:pPr eaLnBrk="1" hangingPunct="1">
-              <a:spcBef>
-                <a:spcPct val="50000"/>
-              </a:spcBef>
-            </a:pPr>
-            <a:r>
-              <a:rPr lang="en-US" sz="2400" dirty="0" smtClean="0"/>
-              <a:t>Does indicator lead or lag IP growth?</a:t>
+              <a:rPr lang="en-US" sz="2000" dirty="0" smtClean="0"/>
+              <a:t>If to the right, lagging </a:t>
             </a:r>
           </a:p>
         </p:txBody>
@@ -20804,6 +20970,11 @@
         </p:txBody>
       </p:sp>
     </p:spTree>
+    <p:extLst>
+      <p:ext uri="{BB962C8B-B14F-4D97-AF65-F5344CB8AC3E}">
+        <p14:creationId xmlns:p14="http://schemas.microsoft.com/office/powerpoint/2010/main" val="670702047"/>
+      </p:ext>
+    </p:extLst>
   </p:cSld>
   <p:clrMapOvr>
     <a:masterClrMapping/>
@@ -20837,7 +21008,7 @@
       </p:grpSpPr>
       <p:sp>
         <p:nvSpPr>
-          <p:cNvPr id="50178" name="Rectangle 4"/>
+          <p:cNvPr id="56322" name="Rectangle 4"/>
           <p:cNvSpPr>
             <a:spLocks noGrp="1" noChangeArrowheads="1"/>
           </p:cNvSpPr>
@@ -20853,14 +21024,26 @@
             <a:pPr algn="l" eaLnBrk="1" hangingPunct="1"/>
             <a:r>
               <a:rPr lang="en-US" dirty="0" smtClean="0"/>
-              <a:t>Does employment lead or lag?</a:t>
+              <a:t>Initial (“new”) claims for UI </a:t>
+            </a:r>
+            <a:r>
+              <a:rPr lang="en-US" sz="2400" dirty="0" smtClean="0"/>
+              <a:t>(</a:t>
+            </a:r>
+            <a:r>
+              <a:rPr lang="en-US" sz="2400" dirty="0" err="1" smtClean="0"/>
+              <a:t>yoy</a:t>
+            </a:r>
+            <a:r>
+              <a:rPr lang="en-US" sz="2400" dirty="0" smtClean="0"/>
+              <a:t> growth) </a:t>
             </a:r>
           </a:p>
         </p:txBody>
       </p:sp>
       <p:pic>
         <p:nvPicPr>
-          <p:cNvPr id="50179" name="Picture 5" descr="xcemp"/>
+          <p:cNvPr id="56323" name="Picture 5" descr="xcnewclaims"/>
           <p:cNvPicPr>
             <a:picLocks noChangeAspect="1" noChangeArrowheads="1"/>
           </p:cNvPicPr>
@@ -20875,8 +21058,8 @@
         </p:blipFill>
         <p:spPr bwMode="auto">
           <a:xfrm>
-            <a:off x="1219200" y="1219200"/>
-            <a:ext cx="6705600" cy="4908550"/>
+            <a:off x="1368425" y="1268413"/>
+            <a:ext cx="6705600" cy="4906962"/>
           </a:xfrm>
           <a:prstGeom prst="rect">
             <a:avLst/>
@@ -20969,7 +21152,7 @@
             <a:pPr algn="l" eaLnBrk="1" hangingPunct="1"/>
             <a:r>
               <a:rPr lang="en-US" dirty="0" smtClean="0"/>
-              <a:t>Where we’re headed</a:t>
+              <a:t>The idea</a:t>
             </a:r>
           </a:p>
         </p:txBody>
@@ -21001,10 +21184,13 @@
               <a:spcBef>
                 <a:spcPts val="1200"/>
               </a:spcBef>
+              <a:spcAft>
+                <a:spcPts val="600"/>
+              </a:spcAft>
             </a:pPr>
             <a:r>
               <a:rPr lang="en-US" sz="2400" dirty="0" smtClean="0"/>
-              <a:t>Short-term economic performance</a:t>
+              <a:t>Lots of indicators of economic activity </a:t>
             </a:r>
           </a:p>
           <a:p>
@@ -21015,28 +21201,45 @@
               <a:spcBef>
                 <a:spcPts val="1200"/>
               </a:spcBef>
+              <a:spcAft>
+                <a:spcPts val="600"/>
+              </a:spcAft>
             </a:pPr>
             <a:r>
               <a:rPr lang="en-US" sz="2400" dirty="0" smtClean="0"/>
-              <a:t>A series of topics</a:t>
-            </a:r>
-          </a:p>
-          <a:p>
-            <a:pPr eaLnBrk="1" hangingPunct="1">
+              <a:t>We use their past patterns to assess </a:t>
+            </a:r>
+          </a:p>
+          <a:p>
+            <a:pPr lvl="1" eaLnBrk="1" hangingPunct="1">
               <a:lnSpc>
                 <a:spcPct val="90000"/>
               </a:lnSpc>
               <a:spcBef>
-                <a:spcPts val="1200"/>
+                <a:spcPts val="600"/>
               </a:spcBef>
             </a:pPr>
             <a:r>
-              <a:rPr lang="en-US" sz="2400" dirty="0" smtClean="0"/>
-              <a:t>On today’s agenda </a:t>
+              <a:rPr lang="en-US" sz="2000" dirty="0" smtClean="0"/>
+              <a:t>Current economic conditions</a:t>
             </a:r>
           </a:p>
           <a:p>
             <a:pPr lvl="1" eaLnBrk="1" hangingPunct="1">
+              <a:lnSpc>
+                <a:spcPct val="90000"/>
+              </a:lnSpc>
+              <a:spcBef>
+                <a:spcPts val="600"/>
+              </a:spcBef>
+            </a:pPr>
+            <a:r>
+              <a:rPr lang="en-US" sz="2000" dirty="0" smtClean="0"/>
+              <a:t>Near-term future economic conditions</a:t>
+            </a:r>
+          </a:p>
+          <a:p>
+            <a:pPr eaLnBrk="1" hangingPunct="1">
               <a:lnSpc>
                 <a:spcPct val="90000"/>
               </a:lnSpc>
@@ -21045,12 +21248,12 @@
               </a:spcBef>
             </a:pPr>
             <a:r>
-              <a:rPr lang="en-US" sz="1800" dirty="0" smtClean="0"/>
-              <a:t>Indicators</a:t>
-            </a:r>
-          </a:p>
-          <a:p>
-            <a:pPr lvl="1" eaLnBrk="1" hangingPunct="1">
+              <a:rPr lang="en-US" sz="2400" dirty="0" smtClean="0"/>
+              <a:t>If (say) an increase in housing starts has been associated with good economic performance in the past …   </a:t>
+            </a:r>
+          </a:p>
+          <a:p>
+            <a:pPr eaLnBrk="1" hangingPunct="1">
               <a:lnSpc>
                 <a:spcPct val="90000"/>
               </a:lnSpc>
@@ -21059,8 +21262,8 @@
               </a:spcBef>
             </a:pPr>
             <a:r>
-              <a:rPr lang="en-US" sz="1800" dirty="0" smtClean="0"/>
-              <a:t>Big inflations</a:t>
+              <a:rPr lang="en-US" sz="2400" dirty="0" smtClean="0"/>
+              <a:t>What if this time is different? </a:t>
             </a:r>
           </a:p>
         </p:txBody>
@@ -21099,7 +21302,133 @@
   <p:timing>
     <p:tnLst>
       <p:par>
-        <p:cTn id="1" dur="indefinite" restart="never" nodeType="tmRoot"/>
+        <p:cTn id="1" dur="indefinite" restart="never" nodeType="tmRoot">
+          <p:childTnLst>
+            <p:seq concurrent="1" nextAc="seek">
+              <p:cTn id="2" dur="indefinite" nodeType="mainSeq">
+                <p:childTnLst>
+                  <p:par>
+                    <p:cTn id="3" fill="hold">
+                      <p:stCondLst>
+                        <p:cond delay="indefinite"/>
+                      </p:stCondLst>
+                      <p:childTnLst>
+                        <p:par>
+                          <p:cTn id="4" fill="hold">
+                            <p:stCondLst>
+                              <p:cond delay="0"/>
+                            </p:stCondLst>
+                            <p:childTnLst>
+                              <p:par>
+                                <p:cTn id="5" presetID="2" presetClass="entr" presetSubtype="4" fill="hold" nodeType="clickEffect">
+                                  <p:stCondLst>
+                                    <p:cond delay="0"/>
+                                  </p:stCondLst>
+                                  <p:childTnLst>
+                                    <p:set>
+                                      <p:cBhvr>
+                                        <p:cTn id="6" dur="1" fill="hold">
+                                          <p:stCondLst>
+                                            <p:cond delay="0"/>
+                                          </p:stCondLst>
+                                        </p:cTn>
+                                        <p:tgtEl>
+                                          <p:spTgt spid="4099">
+                                            <p:txEl>
+                                              <p:pRg st="5" end="5"/>
+                                            </p:txEl>
+                                          </p:spTgt>
+                                        </p:tgtEl>
+                                        <p:attrNameLst>
+                                          <p:attrName>style.visibility</p:attrName>
+                                        </p:attrNameLst>
+                                      </p:cBhvr>
+                                      <p:to>
+                                        <p:strVal val="visible"/>
+                                      </p:to>
+                                    </p:set>
+                                    <p:anim calcmode="lin" valueType="num">
+                                      <p:cBhvr additive="base">
+                                        <p:cTn id="7" dur="500" fill="hold"/>
+                                        <p:tgtEl>
+                                          <p:spTgt spid="4099">
+                                            <p:txEl>
+                                              <p:pRg st="5" end="5"/>
+                                            </p:txEl>
+                                          </p:spTgt>
+                                        </p:tgtEl>
+                                        <p:attrNameLst>
+                                          <p:attrName>ppt_x</p:attrName>
+                                        </p:attrNameLst>
+                                      </p:cBhvr>
+                                      <p:tavLst>
+                                        <p:tav tm="0">
+                                          <p:val>
+                                            <p:strVal val="#ppt_x"/>
+                                          </p:val>
+                                        </p:tav>
+                                        <p:tav tm="100000">
+                                          <p:val>
+                                            <p:strVal val="#ppt_x"/>
+                                          </p:val>
+                                        </p:tav>
+                                      </p:tavLst>
+                                    </p:anim>
+                                    <p:anim calcmode="lin" valueType="num">
+                                      <p:cBhvr additive="base">
+                                        <p:cTn id="8" dur="500" fill="hold"/>
+                                        <p:tgtEl>
+                                          <p:spTgt spid="4099">
+                                            <p:txEl>
+                                              <p:pRg st="5" end="5"/>
+                                            </p:txEl>
+                                          </p:spTgt>
+                                        </p:tgtEl>
+                                        <p:attrNameLst>
+                                          <p:attrName>ppt_y</p:attrName>
+                                        </p:attrNameLst>
+                                      </p:cBhvr>
+                                      <p:tavLst>
+                                        <p:tav tm="0">
+                                          <p:val>
+                                            <p:strVal val="1+#ppt_h/2"/>
+                                          </p:val>
+                                        </p:tav>
+                                        <p:tav tm="100000">
+                                          <p:val>
+                                            <p:strVal val="#ppt_y"/>
+                                          </p:val>
+                                        </p:tav>
+                                      </p:tavLst>
+                                    </p:anim>
+                                  </p:childTnLst>
+                                </p:cTn>
+                              </p:par>
+                            </p:childTnLst>
+                          </p:cTn>
+                        </p:par>
+                      </p:childTnLst>
+                    </p:cTn>
+                  </p:par>
+                </p:childTnLst>
+              </p:cTn>
+              <p:prevCondLst>
+                <p:cond evt="onPrev" delay="0">
+                  <p:tgtEl>
+                    <p:sldTgt/>
+                  </p:tgtEl>
+                </p:cond>
+              </p:prevCondLst>
+              <p:nextCondLst>
+                <p:cond evt="onNext" delay="0">
+                  <p:tgtEl>
+                    <p:sldTgt/>
+                  </p:tgtEl>
+                </p:cond>
+              </p:nextCondLst>
+            </p:seq>
+          </p:childTnLst>
+        </p:cTn>
       </p:par>
     </p:tnLst>
   </p:timing>
@@ -21125,7 +21454,7 @@
       </p:grpSpPr>
       <p:sp>
         <p:nvSpPr>
-          <p:cNvPr id="49154" name="Rectangle 2"/>
+          <p:cNvPr id="57346" name="Rectangle 4"/>
           <p:cNvSpPr>
             <a:spLocks noGrp="1" noChangeArrowheads="1"/>
           </p:cNvSpPr>
@@ -21141,119 +21470,68 @@
             <a:pPr algn="l" eaLnBrk="1" hangingPunct="1"/>
             <a:r>
               <a:rPr lang="en-US" dirty="0" smtClean="0"/>
-              <a:t>How to tell </a:t>
-            </a:r>
-          </a:p>
-        </p:txBody>
-      </p:sp>
-      <p:sp>
-        <p:nvSpPr>
-          <p:cNvPr id="49155" name="Rectangle 3"/>
-          <p:cNvSpPr>
-            <a:spLocks noGrp="1" noChangeArrowheads="1"/>
-          </p:cNvSpPr>
-          <p:nvPr>
-            <p:ph type="body" idx="1"/>
-          </p:nvPr>
-        </p:nvSpPr>
-        <p:spPr/>
-        <p:txBody>
-          <a:bodyPr/>
-          <a:lstStyle/>
-          <a:p>
-            <a:pPr eaLnBrk="1" hangingPunct="1">
-              <a:spcBef>
-                <a:spcPct val="50000"/>
-              </a:spcBef>
-            </a:pPr>
-            <a:r>
-              <a:rPr lang="en-US" sz="2400" dirty="0" smtClean="0"/>
-              <a:t>Find the largest correlation</a:t>
-            </a:r>
-          </a:p>
-          <a:p>
-            <a:pPr eaLnBrk="1" hangingPunct="1">
-              <a:spcBef>
-                <a:spcPts val="1200"/>
-              </a:spcBef>
-              <a:spcAft>
-                <a:spcPts val="600"/>
-              </a:spcAft>
-            </a:pPr>
-            <a:r>
-              <a:rPr lang="en-US" sz="2400" dirty="0" err="1" smtClean="0"/>
-              <a:t>Procyclical</a:t>
-            </a:r>
-            <a:r>
-              <a:rPr lang="en-US" sz="2400" dirty="0" smtClean="0"/>
-              <a:t> or countercyclical? </a:t>
-            </a:r>
-          </a:p>
-          <a:p>
-            <a:pPr lvl="1" eaLnBrk="1" hangingPunct="1">
-              <a:spcBef>
-                <a:spcPts val="600"/>
-              </a:spcBef>
-            </a:pPr>
-            <a:r>
-              <a:rPr lang="en-US" sz="2000" dirty="0" smtClean="0"/>
-              <a:t>If positive, </a:t>
-            </a:r>
-            <a:r>
-              <a:rPr lang="en-US" sz="2000" dirty="0" err="1" smtClean="0"/>
-              <a:t>procyclical</a:t>
-            </a:r>
-            <a:endParaRPr lang="en-US" sz="2000" dirty="0" smtClean="0"/>
-          </a:p>
-          <a:p>
-            <a:pPr lvl="1" eaLnBrk="1" hangingPunct="1">
-              <a:spcBef>
-                <a:spcPts val="600"/>
-              </a:spcBef>
-            </a:pPr>
-            <a:r>
-              <a:rPr lang="en-US" sz="2000" dirty="0" smtClean="0"/>
-              <a:t>If negative, countercyclical</a:t>
-            </a:r>
-          </a:p>
-          <a:p>
-            <a:pPr eaLnBrk="1" hangingPunct="1">
-              <a:spcBef>
-                <a:spcPts val="1200"/>
-              </a:spcBef>
-              <a:spcAft>
-                <a:spcPts val="600"/>
-              </a:spcAft>
-            </a:pPr>
-            <a:r>
-              <a:rPr lang="en-US" sz="2400" dirty="0" smtClean="0"/>
-              <a:t>Leading or lagging </a:t>
-            </a:r>
-          </a:p>
-          <a:p>
-            <a:pPr lvl="1" eaLnBrk="1" hangingPunct="1">
-              <a:spcBef>
-                <a:spcPts val="600"/>
-              </a:spcBef>
-            </a:pPr>
-            <a:r>
-              <a:rPr lang="en-US" sz="2000" dirty="0" smtClean="0"/>
-              <a:t>If to the left, leading</a:t>
-            </a:r>
-          </a:p>
-          <a:p>
-            <a:pPr lvl="1" eaLnBrk="1" hangingPunct="1">
-              <a:spcBef>
-                <a:spcPts val="600"/>
-              </a:spcBef>
-            </a:pPr>
-            <a:r>
-              <a:rPr lang="en-US" sz="2000" dirty="0" smtClean="0"/>
-              <a:t>If to the right, lagging </a:t>
-            </a:r>
-          </a:p>
-        </p:txBody>
-      </p:sp>
+              <a:t>Housing starts </a:t>
+            </a:r>
+            <a:r>
+              <a:rPr lang="en-US" sz="2400" dirty="0" smtClean="0">
+                <a:solidFill>
+                  <a:srgbClr val="000000"/>
+                </a:solidFill>
+              </a:rPr>
+              <a:t>(</a:t>
+            </a:r>
+            <a:r>
+              <a:rPr lang="en-US" sz="2400" dirty="0" err="1" smtClean="0">
+                <a:solidFill>
+                  <a:srgbClr val="000000"/>
+                </a:solidFill>
+              </a:rPr>
+              <a:t>yoy</a:t>
+            </a:r>
+            <a:r>
+              <a:rPr lang="en-US" sz="2400" dirty="0" smtClean="0">
+                <a:solidFill>
+                  <a:srgbClr val="000000"/>
+                </a:solidFill>
+              </a:rPr>
+              <a:t> growth) </a:t>
+            </a:r>
+            <a:endParaRPr lang="en-US" dirty="0" smtClean="0"/>
+          </a:p>
+        </p:txBody>
+      </p:sp>
+      <p:pic>
+        <p:nvPicPr>
+          <p:cNvPr id="57347" name="Picture 5" descr="xchs"/>
+          <p:cNvPicPr>
+            <a:picLocks noChangeAspect="1" noChangeArrowheads="1"/>
+          </p:cNvPicPr>
+          <p:nvPr/>
+        </p:nvPicPr>
+        <p:blipFill>
+          <a:blip r:embed="rId2"/>
+          <a:srcRect/>
+          <a:stretch>
+            <a:fillRect/>
+          </a:stretch>
+        </p:blipFill>
+        <p:spPr bwMode="auto">
+          <a:xfrm>
+            <a:off x="1368425" y="1268413"/>
+            <a:ext cx="6705600" cy="4906962"/>
+          </a:xfrm>
+          <a:prstGeom prst="rect">
+            <a:avLst/>
+          </a:prstGeom>
+          <a:noFill/>
+          <a:ln w="9525">
+            <a:noFill/>
+            <a:miter lim="800000"/>
+            <a:headEnd/>
+            <a:tailEnd/>
+          </a:ln>
+        </p:spPr>
+      </p:pic>
       <p:sp>
         <p:nvSpPr>
           <p:cNvPr id="2" name="Slide Number Placeholder 1"/>
@@ -21272,7 +21550,7 @@
             <a:pPr>
               <a:defRPr/>
             </a:pPr>
-            <a:fld id="{CD881EE7-D394-49C6-AE2C-728820140E60}" type="slidenum">
+            <a:fld id="{7F74D1DA-387E-4C94-AA86-E5ADDE0B2FE6}" type="slidenum">
               <a:rPr lang="en-US" smtClean="0"/>
               <a:pPr>
                 <a:defRPr/>
@@ -21284,11 +21562,6 @@
         </p:txBody>
       </p:sp>
     </p:spTree>
-    <p:extLst>
-      <p:ext uri="{BB962C8B-B14F-4D97-AF65-F5344CB8AC3E}">
-        <p14:creationId xmlns:p14="http://schemas.microsoft.com/office/powerpoint/2010/main" val="670702047"/>
-      </p:ext>
-    </p:extLst>
   </p:cSld>
   <p:clrMapOvr>
     <a:masterClrMapping/>
@@ -21322,7 +21595,7 @@
       </p:grpSpPr>
       <p:sp>
         <p:nvSpPr>
-          <p:cNvPr id="56322" name="Rectangle 4"/>
+          <p:cNvPr id="59394" name="Rectangle 4"/>
           <p:cNvSpPr>
             <a:spLocks noGrp="1" noChangeArrowheads="1"/>
           </p:cNvSpPr>
@@ -21338,7 +21611,7 @@
             <a:pPr algn="l" eaLnBrk="1" hangingPunct="1"/>
             <a:r>
               <a:rPr lang="en-US" dirty="0" smtClean="0"/>
-              <a:t>Initial (“new”) claims for UI </a:t>
+              <a:t>Consumer sentiment </a:t>
             </a:r>
             <a:r>
               <a:rPr lang="en-US" sz="2400" dirty="0" smtClean="0"/>
@@ -21357,7 +21630,7 @@
       </p:sp>
       <p:pic>
         <p:nvPicPr>
-          <p:cNvPr id="56323" name="Picture 5" descr="xcnewclaims"/>
+          <p:cNvPr id="59395" name="Picture 5" descr="xcgmcsi"/>
           <p:cNvPicPr>
             <a:picLocks noChangeAspect="1" noChangeArrowheads="1"/>
           </p:cNvPicPr>
@@ -21372,7 +21645,7 @@
         </p:blipFill>
         <p:spPr bwMode="auto">
           <a:xfrm>
-            <a:off x="1368425" y="1268413"/>
+            <a:off x="1368425" y="1233488"/>
             <a:ext cx="6705600" cy="4906962"/>
           </a:xfrm>
           <a:prstGeom prst="rect">
@@ -21450,7 +21723,7 @@
       </p:grpSpPr>
       <p:sp>
         <p:nvSpPr>
-          <p:cNvPr id="57346" name="Rectangle 4"/>
+          <p:cNvPr id="60418" name="Rectangle 4"/>
           <p:cNvSpPr>
             <a:spLocks noGrp="1" noChangeArrowheads="1"/>
           </p:cNvSpPr>
@@ -21466,7 +21739,7 @@
             <a:pPr algn="l" eaLnBrk="1" hangingPunct="1"/>
             <a:r>
               <a:rPr lang="en-US" dirty="0" smtClean="0"/>
-              <a:t>Housing starts </a:t>
+              <a:t>S&amp;P 500 </a:t>
             </a:r>
             <a:r>
               <a:rPr lang="en-US" sz="2400" dirty="0" smtClean="0">
@@ -21498,7 +21771,7 @@
       </p:sp>
       <p:pic>
         <p:nvPicPr>
-          <p:cNvPr id="57347" name="Picture 5" descr="xchs"/>
+          <p:cNvPr id="60419" name="Picture 5" descr="xcsp500"/>
           <p:cNvPicPr>
             <a:picLocks noChangeAspect="1" noChangeArrowheads="1"/>
           </p:cNvPicPr>
@@ -21513,7 +21786,7 @@
         </p:blipFill>
         <p:spPr bwMode="auto">
           <a:xfrm>
-            <a:off x="1368425" y="1268413"/>
+            <a:off x="1368425" y="1233488"/>
             <a:ext cx="6705600" cy="4906962"/>
           </a:xfrm>
           <a:prstGeom prst="rect">
@@ -21591,7 +21864,7 @@
       </p:grpSpPr>
       <p:sp>
         <p:nvSpPr>
-          <p:cNvPr id="59394" name="Rectangle 4"/>
+          <p:cNvPr id="61442" name="Rectangle 4"/>
           <p:cNvSpPr>
             <a:spLocks noGrp="1" noChangeArrowheads="1"/>
           </p:cNvSpPr>
@@ -21607,26 +21880,14 @@
             <a:pPr algn="l" eaLnBrk="1" hangingPunct="1"/>
             <a:r>
               <a:rPr lang="en-US" dirty="0" smtClean="0"/>
-              <a:t>Consumer sentiment </a:t>
-            </a:r>
-            <a:r>
-              <a:rPr lang="en-US" sz="2400" dirty="0" smtClean="0"/>
-              <a:t>(</a:t>
-            </a:r>
-            <a:r>
-              <a:rPr lang="en-US" sz="2400" dirty="0" err="1" smtClean="0"/>
-              <a:t>yoy</a:t>
-            </a:r>
-            <a:r>
-              <a:rPr lang="en-US" sz="2400" dirty="0" smtClean="0"/>
-              <a:t> growth) </a:t>
+              <a:t>Yield spread</a:t>
             </a:r>
           </a:p>
         </p:txBody>
       </p:sp>
       <p:pic>
         <p:nvPicPr>
-          <p:cNvPr id="59395" name="Picture 5" descr="xcgmcsi"/>
+          <p:cNvPr id="61443" name="Picture 5" descr="xcs10yff"/>
           <p:cNvPicPr>
             <a:picLocks noChangeAspect="1" noChangeArrowheads="1"/>
           </p:cNvPicPr>
@@ -21641,7 +21902,7 @@
         </p:blipFill>
         <p:spPr bwMode="auto">
           <a:xfrm>
-            <a:off x="1368425" y="1233488"/>
+            <a:off x="1368425" y="1268413"/>
             <a:ext cx="6705600" cy="4906962"/>
           </a:xfrm>
           <a:prstGeom prst="rect">
@@ -21719,263 +21980,6 @@
       </p:grpSpPr>
       <p:sp>
         <p:nvSpPr>
-          <p:cNvPr id="60418" name="Rectangle 4"/>
-          <p:cNvSpPr>
-            <a:spLocks noGrp="1" noChangeArrowheads="1"/>
-          </p:cNvSpPr>
-          <p:nvPr>
-            <p:ph type="title"/>
-          </p:nvPr>
-        </p:nvSpPr>
-        <p:spPr/>
-        <p:txBody>
-          <a:bodyPr/>
-          <a:lstStyle/>
-          <a:p>
-            <a:pPr algn="l" eaLnBrk="1" hangingPunct="1"/>
-            <a:r>
-              <a:rPr lang="en-US" dirty="0" smtClean="0"/>
-              <a:t>S&amp;P 500 </a:t>
-            </a:r>
-            <a:r>
-              <a:rPr lang="en-US" sz="2400" dirty="0" smtClean="0">
-                <a:solidFill>
-                  <a:srgbClr val="000000"/>
-                </a:solidFill>
-              </a:rPr>
-              <a:t>(</a:t>
-            </a:r>
-            <a:r>
-              <a:rPr lang="en-US" sz="2400" dirty="0" err="1" smtClean="0">
-                <a:solidFill>
-                  <a:srgbClr val="000000"/>
-                </a:solidFill>
-              </a:rPr>
-              <a:t>yoy</a:t>
-            </a:r>
-            <a:r>
-              <a:rPr lang="en-US" sz="2400" dirty="0" smtClean="0">
-                <a:solidFill>
-                  <a:srgbClr val="000000"/>
-                </a:solidFill>
-              </a:rPr>
-              <a:t> growth) </a:t>
-            </a:r>
-            <a:endParaRPr lang="en-US" dirty="0" smtClean="0"/>
-          </a:p>
-        </p:txBody>
-      </p:sp>
-      <p:pic>
-        <p:nvPicPr>
-          <p:cNvPr id="60419" name="Picture 5" descr="xcsp500"/>
-          <p:cNvPicPr>
-            <a:picLocks noChangeAspect="1" noChangeArrowheads="1"/>
-          </p:cNvPicPr>
-          <p:nvPr/>
-        </p:nvPicPr>
-        <p:blipFill>
-          <a:blip r:embed="rId2"/>
-          <a:srcRect/>
-          <a:stretch>
-            <a:fillRect/>
-          </a:stretch>
-        </p:blipFill>
-        <p:spPr bwMode="auto">
-          <a:xfrm>
-            <a:off x="1368425" y="1233488"/>
-            <a:ext cx="6705600" cy="4906962"/>
-          </a:xfrm>
-          <a:prstGeom prst="rect">
-            <a:avLst/>
-          </a:prstGeom>
-          <a:noFill/>
-          <a:ln w="9525">
-            <a:noFill/>
-            <a:miter lim="800000"/>
-            <a:headEnd/>
-            <a:tailEnd/>
-          </a:ln>
-        </p:spPr>
-      </p:pic>
-      <p:sp>
-        <p:nvSpPr>
-          <p:cNvPr id="2" name="Slide Number Placeholder 1"/>
-          <p:cNvSpPr>
-            <a:spLocks noGrp="1"/>
-          </p:cNvSpPr>
-          <p:nvPr>
-            <p:ph type="sldNum" sz="quarter" idx="12"/>
-          </p:nvPr>
-        </p:nvSpPr>
-        <p:spPr/>
-        <p:txBody>
-          <a:bodyPr/>
-          <a:lstStyle/>
-          <a:p>
-            <a:pPr>
-              <a:defRPr/>
-            </a:pPr>
-            <a:fld id="{7F74D1DA-387E-4C94-AA86-E5ADDE0B2FE6}" type="slidenum">
-              <a:rPr lang="en-US" smtClean="0"/>
-              <a:pPr>
-                <a:defRPr/>
-              </a:pPr>
-              <a:t>44</a:t>
-            </a:fld>
-            <a:endParaRPr lang="en-US"/>
-          </a:p>
-        </p:txBody>
-      </p:sp>
-    </p:spTree>
-  </p:cSld>
-  <p:clrMapOvr>
-    <a:masterClrMapping/>
-  </p:clrMapOvr>
-  <p:timing>
-    <p:tnLst>
-      <p:par>
-        <p:cTn id="1" dur="indefinite" restart="never" nodeType="tmRoot"/>
-      </p:par>
-    </p:tnLst>
-  </p:timing>
-</p:sld>
-</file>
-
-<file path=ppt/slides/slide45.xml><?xml version="1.0" encoding="utf-8"?>
-<p:sld xmlns:a="http://schemas.openxmlformats.org/drawingml/2006/main" xmlns:r="http://schemas.openxmlformats.org/officeDocument/2006/relationships" xmlns:p="http://schemas.openxmlformats.org/presentationml/2006/main">
-  <p:cSld>
-    <p:spTree>
-      <p:nvGrpSpPr>
-        <p:cNvPr id="1" name=""/>
-        <p:cNvGrpSpPr/>
-        <p:nvPr/>
-      </p:nvGrpSpPr>
-      <p:grpSpPr>
-        <a:xfrm>
-          <a:off x="0" y="0"/>
-          <a:ext cx="0" cy="0"/>
-          <a:chOff x="0" y="0"/>
-          <a:chExt cx="0" cy="0"/>
-        </a:xfrm>
-      </p:grpSpPr>
-      <p:sp>
-        <p:nvSpPr>
-          <p:cNvPr id="61442" name="Rectangle 4"/>
-          <p:cNvSpPr>
-            <a:spLocks noGrp="1" noChangeArrowheads="1"/>
-          </p:cNvSpPr>
-          <p:nvPr>
-            <p:ph type="title"/>
-          </p:nvPr>
-        </p:nvSpPr>
-        <p:spPr/>
-        <p:txBody>
-          <a:bodyPr/>
-          <a:lstStyle/>
-          <a:p>
-            <a:pPr algn="l" eaLnBrk="1" hangingPunct="1"/>
-            <a:r>
-              <a:rPr lang="en-US" dirty="0" smtClean="0"/>
-              <a:t>Yield spread</a:t>
-            </a:r>
-          </a:p>
-        </p:txBody>
-      </p:sp>
-      <p:pic>
-        <p:nvPicPr>
-          <p:cNvPr id="61443" name="Picture 5" descr="xcs10yff"/>
-          <p:cNvPicPr>
-            <a:picLocks noChangeAspect="1" noChangeArrowheads="1"/>
-          </p:cNvPicPr>
-          <p:nvPr/>
-        </p:nvPicPr>
-        <p:blipFill>
-          <a:blip r:embed="rId2"/>
-          <a:srcRect/>
-          <a:stretch>
-            <a:fillRect/>
-          </a:stretch>
-        </p:blipFill>
-        <p:spPr bwMode="auto">
-          <a:xfrm>
-            <a:off x="1368425" y="1268413"/>
-            <a:ext cx="6705600" cy="4906962"/>
-          </a:xfrm>
-          <a:prstGeom prst="rect">
-            <a:avLst/>
-          </a:prstGeom>
-          <a:noFill/>
-          <a:ln w="9525">
-            <a:noFill/>
-            <a:miter lim="800000"/>
-            <a:headEnd/>
-            <a:tailEnd/>
-          </a:ln>
-        </p:spPr>
-      </p:pic>
-      <p:sp>
-        <p:nvSpPr>
-          <p:cNvPr id="2" name="Slide Number Placeholder 1"/>
-          <p:cNvSpPr>
-            <a:spLocks noGrp="1"/>
-          </p:cNvSpPr>
-          <p:nvPr>
-            <p:ph type="sldNum" sz="quarter" idx="12"/>
-          </p:nvPr>
-        </p:nvSpPr>
-        <p:spPr/>
-        <p:txBody>
-          <a:bodyPr/>
-          <a:lstStyle/>
-          <a:p>
-            <a:pPr>
-              <a:defRPr/>
-            </a:pPr>
-            <a:fld id="{7F74D1DA-387E-4C94-AA86-E5ADDE0B2FE6}" type="slidenum">
-              <a:rPr lang="en-US" smtClean="0"/>
-              <a:pPr>
-                <a:defRPr/>
-              </a:pPr>
-              <a:t>45</a:t>
-            </a:fld>
-            <a:endParaRPr lang="en-US"/>
-          </a:p>
-        </p:txBody>
-      </p:sp>
-    </p:spTree>
-  </p:cSld>
-  <p:clrMapOvr>
-    <a:masterClrMapping/>
-  </p:clrMapOvr>
-  <p:timing>
-    <p:tnLst>
-      <p:par>
-        <p:cTn id="1" dur="indefinite" restart="never" nodeType="tmRoot"/>
-      </p:par>
-    </p:tnLst>
-  </p:timing>
-</p:sld>
-</file>
-
-<file path=ppt/slides/slide46.xml><?xml version="1.0" encoding="utf-8"?>
-<p:sld xmlns:a="http://schemas.openxmlformats.org/drawingml/2006/main" xmlns:r="http://schemas.openxmlformats.org/officeDocument/2006/relationships" xmlns:p="http://schemas.openxmlformats.org/presentationml/2006/main">
-  <p:cSld>
-    <p:spTree>
-      <p:nvGrpSpPr>
-        <p:cNvPr id="1" name=""/>
-        <p:cNvGrpSpPr/>
-        <p:nvPr/>
-      </p:nvGrpSpPr>
-      <p:grpSpPr>
-        <a:xfrm>
-          <a:off x="0" y="0"/>
-          <a:ext cx="0" cy="0"/>
-          <a:chOff x="0" y="0"/>
-          <a:chExt cx="0" cy="0"/>
-        </a:xfrm>
-      </p:grpSpPr>
-      <p:sp>
-        <p:nvSpPr>
           <p:cNvPr id="4098" name="Rectangle 2"/>
           <p:cNvSpPr>
             <a:spLocks noGrp="1" noChangeArrowheads="1"/>
@@ -22077,7 +22081,7 @@
             <a:fld id="{E041A9CD-8F68-446A-8192-3D8982304C37}" type="slidenum">
               <a:rPr lang="en-US" smtClean="0"/>
               <a:pPr/>
-              <a:t>46</a:t>
+              <a:t>44</a:t>
             </a:fld>
             <a:endParaRPr lang="en-US" smtClean="0"/>
           </a:p>
@@ -22182,6 +22186,199 @@
 </p:sld>
 </file>
 
+<file path=ppt/slides/slide45.xml><?xml version="1.0" encoding="utf-8"?>
+<p:sld xmlns:a="http://schemas.openxmlformats.org/drawingml/2006/main" xmlns:r="http://schemas.openxmlformats.org/officeDocument/2006/relationships" xmlns:p="http://schemas.openxmlformats.org/presentationml/2006/main">
+  <p:cSld>
+    <p:spTree>
+      <p:nvGrpSpPr>
+        <p:cNvPr id="1" name=""/>
+        <p:cNvGrpSpPr/>
+        <p:nvPr/>
+      </p:nvGrpSpPr>
+      <p:grpSpPr>
+        <a:xfrm>
+          <a:off x="0" y="0"/>
+          <a:ext cx="0" cy="0"/>
+          <a:chOff x="0" y="0"/>
+          <a:chExt cx="0" cy="0"/>
+        </a:xfrm>
+      </p:grpSpPr>
+      <p:sp>
+        <p:nvSpPr>
+          <p:cNvPr id="4098" name="Rectangle 2"/>
+          <p:cNvSpPr>
+            <a:spLocks noGrp="1" noChangeArrowheads="1"/>
+          </p:cNvSpPr>
+          <p:nvPr>
+            <p:ph type="title" idx="4294967295"/>
+          </p:nvPr>
+        </p:nvSpPr>
+        <p:spPr/>
+        <p:txBody>
+          <a:bodyPr/>
+          <a:lstStyle/>
+          <a:p>
+            <a:pPr algn="l" eaLnBrk="1" hangingPunct="1"/>
+            <a:r>
+              <a:rPr lang="en-US" dirty="0" smtClean="0"/>
+              <a:t>Computing cross-correlations</a:t>
+            </a:r>
+          </a:p>
+        </p:txBody>
+      </p:sp>
+      <p:sp>
+        <p:nvSpPr>
+          <p:cNvPr id="4099" name="Rectangle 3"/>
+          <p:cNvSpPr>
+            <a:spLocks noGrp="1" noChangeArrowheads="1"/>
+          </p:cNvSpPr>
+          <p:nvPr>
+            <p:ph type="body" idx="4294967295"/>
+          </p:nvPr>
+        </p:nvSpPr>
+        <p:spPr/>
+        <p:txBody>
+          <a:bodyPr/>
+          <a:lstStyle/>
+          <a:p>
+            <a:pPr eaLnBrk="1" hangingPunct="1">
+              <a:spcBef>
+                <a:spcPts val="1200"/>
+              </a:spcBef>
+              <a:spcAft>
+                <a:spcPts val="600"/>
+              </a:spcAft>
+            </a:pPr>
+            <a:r>
+              <a:rPr lang="en-US" sz="2400" dirty="0" smtClean="0"/>
+              <a:t>How do we compute them?  </a:t>
+            </a:r>
+          </a:p>
+          <a:p>
+            <a:pPr lvl="1" eaLnBrk="1" hangingPunct="1">
+              <a:spcBef>
+                <a:spcPts val="600"/>
+              </a:spcBef>
+            </a:pPr>
+            <a:r>
+              <a:rPr lang="en-US" sz="2000" dirty="0" smtClean="0"/>
+              <a:t>Method 1:  use Excel to calculate each point [see link]</a:t>
+            </a:r>
+          </a:p>
+          <a:p>
+            <a:pPr lvl="1" eaLnBrk="1" hangingPunct="1">
+              <a:spcBef>
+                <a:spcPts val="600"/>
+              </a:spcBef>
+            </a:pPr>
+            <a:r>
+              <a:rPr lang="en-US" sz="2000" dirty="0" smtClean="0"/>
+              <a:t>Method 2:  use some kind of statistical software [R? Python?] </a:t>
+            </a:r>
+          </a:p>
+        </p:txBody>
+      </p:sp>
+      <p:sp>
+        <p:nvSpPr>
+          <p:cNvPr id="4100" name="Slide Number Placeholder 3"/>
+          <p:cNvSpPr>
+            <a:spLocks noGrp="1"/>
+          </p:cNvSpPr>
+          <p:nvPr>
+            <p:ph type="sldNum" sz="quarter" idx="12"/>
+          </p:nvPr>
+        </p:nvSpPr>
+        <p:spPr>
+          <a:noFill/>
+        </p:spPr>
+        <p:txBody>
+          <a:bodyPr/>
+          <a:lstStyle/>
+          <a:p>
+            <a:fld id="{E041A9CD-8F68-446A-8192-3D8982304C37}" type="slidenum">
+              <a:rPr lang="en-US" smtClean="0"/>
+              <a:pPr/>
+              <a:t>45</a:t>
+            </a:fld>
+            <a:endParaRPr lang="en-US" smtClean="0"/>
+          </a:p>
+        </p:txBody>
+      </p:sp>
+    </p:spTree>
+    <p:extLst>
+      <p:ext uri="{BB962C8B-B14F-4D97-AF65-F5344CB8AC3E}">
+        <p14:creationId xmlns:p14="http://schemas.microsoft.com/office/powerpoint/2010/main" val="2305503089"/>
+      </p:ext>
+    </p:extLst>
+  </p:cSld>
+  <p:clrMapOvr>
+    <a:masterClrMapping/>
+  </p:clrMapOvr>
+  <p:timing>
+    <p:tnLst>
+      <p:par>
+        <p:cTn id="1" dur="indefinite" restart="never" nodeType="tmRoot"/>
+      </p:par>
+    </p:tnLst>
+  </p:timing>
+</p:sld>
+</file>
+
+<file path=ppt/slides/slide46.xml><?xml version="1.0" encoding="utf-8"?>
+<p:sld xmlns:a="http://schemas.openxmlformats.org/drawingml/2006/main" xmlns:r="http://schemas.openxmlformats.org/officeDocument/2006/relationships" xmlns:p="http://schemas.openxmlformats.org/presentationml/2006/main">
+  <p:cSld>
+    <p:spTree>
+      <p:nvGrpSpPr>
+        <p:cNvPr id="1" name=""/>
+        <p:cNvGrpSpPr/>
+        <p:nvPr/>
+      </p:nvGrpSpPr>
+      <p:grpSpPr>
+        <a:xfrm>
+          <a:off x="0" y="0"/>
+          <a:ext cx="0" cy="0"/>
+          <a:chOff x="0" y="0"/>
+          <a:chExt cx="0" cy="0"/>
+        </a:xfrm>
+      </p:grpSpPr>
+      <p:sp>
+        <p:nvSpPr>
+          <p:cNvPr id="57346" name="Rectangle 4"/>
+          <p:cNvSpPr>
+            <a:spLocks noGrp="1" noChangeArrowheads="1"/>
+          </p:cNvSpPr>
+          <p:nvPr>
+            <p:ph type="ctrTitle"/>
+          </p:nvPr>
+        </p:nvSpPr>
+        <p:spPr/>
+        <p:txBody>
+          <a:bodyPr/>
+          <a:lstStyle/>
+          <a:p>
+            <a:pPr eaLnBrk="1" hangingPunct="1"/>
+            <a:r>
+              <a:rPr lang="en-US" i="1" dirty="0" smtClean="0"/>
+              <a:t>Business cycle scorecard</a:t>
+            </a:r>
+          </a:p>
+        </p:txBody>
+      </p:sp>
+    </p:spTree>
+  </p:cSld>
+  <p:clrMapOvr>
+    <a:masterClrMapping/>
+  </p:clrMapOvr>
+  <p:timing>
+    <p:tnLst>
+      <p:par>
+        <p:cTn id="1" dur="indefinite" restart="never" nodeType="tmRoot"/>
+      </p:par>
+    </p:tnLst>
+  </p:timing>
+</p:sld>
+</file>
+
 <file path=ppt/slides/slide47.xml><?xml version="1.0" encoding="utf-8"?>
 <p:sld xmlns:a="http://schemas.openxmlformats.org/drawingml/2006/main" xmlns:r="http://schemas.openxmlformats.org/officeDocument/2006/relationships" xmlns:p="http://schemas.openxmlformats.org/presentationml/2006/main">
   <p:cSld>
@@ -22217,7 +22414,7 @@
             <a:pPr algn="l" eaLnBrk="1" hangingPunct="1"/>
             <a:r>
               <a:rPr lang="en-US" dirty="0" smtClean="0"/>
-              <a:t>Computing cross-correlations</a:t>
+              <a:t>Business cycle scorecard</a:t>
             </a:r>
           </a:p>
         </p:txBody>
@@ -22236,6 +22433,17 @@
         <p:txBody>
           <a:bodyPr/>
           <a:lstStyle/>
+          <a:p>
+            <a:pPr eaLnBrk="1" hangingPunct="1">
+              <a:spcBef>
+                <a:spcPts val="1200"/>
+              </a:spcBef>
+            </a:pPr>
+            <a:r>
+              <a:rPr lang="en-US" sz="2400" dirty="0" smtClean="0"/>
+              <a:t>Useful summary of lots of indicators</a:t>
+            </a:r>
+          </a:p>
           <a:p>
             <a:pPr eaLnBrk="1" hangingPunct="1">
               <a:spcBef>
@@ -22247,7 +22455,7 @@
             </a:pPr>
             <a:r>
               <a:rPr lang="en-US" sz="2400" dirty="0" smtClean="0"/>
-              <a:t>How do we compute them?  </a:t>
+              <a:t>For each one:</a:t>
             </a:r>
           </a:p>
           <a:p>
@@ -22258,7 +22466,7 @@
             </a:pPr>
             <a:r>
               <a:rPr lang="en-US" sz="2000" dirty="0" smtClean="0"/>
-              <a:t>Method 1:  use Excel to calculate each point [see link]</a:t>
+              <a:t>Graph indicator over time</a:t>
             </a:r>
           </a:p>
           <a:p>
@@ -22269,7 +22477,18 @@
             </a:pPr>
             <a:r>
               <a:rPr lang="en-US" sz="2000" dirty="0" smtClean="0"/>
-              <a:t>Method 2:  use some kind of statistical software [R?] </a:t>
+              <a:t>Add lines for mean, +/- one std deviation</a:t>
+            </a:r>
+          </a:p>
+          <a:p>
+            <a:pPr lvl="1" eaLnBrk="1" hangingPunct="1">
+              <a:spcBef>
+                <a:spcPts val="600"/>
+              </a:spcBef>
+            </a:pPr>
+            <a:r>
+              <a:rPr lang="en-US" sz="2000" dirty="0" smtClean="0"/>
+              <a:t>Rate indicator as strong positive, positive, negative, strong negative </a:t>
             </a:r>
           </a:p>
         </p:txBody>
@@ -22301,11 +22520,6 @@
         </p:txBody>
       </p:sp>
     </p:spTree>
-    <p:extLst>
-      <p:ext uri="{BB962C8B-B14F-4D97-AF65-F5344CB8AC3E}">
-        <p14:creationId xmlns:p14="http://schemas.microsoft.com/office/powerpoint/2010/main" val="2305503089"/>
-      </p:ext>
-    </p:extLst>
   </p:cSld>
   <p:clrMapOvr>
     <a:masterClrMapping/>
@@ -22339,61 +22553,6 @@
       </p:grpSpPr>
       <p:sp>
         <p:nvSpPr>
-          <p:cNvPr id="57346" name="Rectangle 4"/>
-          <p:cNvSpPr>
-            <a:spLocks noGrp="1" noChangeArrowheads="1"/>
-          </p:cNvSpPr>
-          <p:nvPr>
-            <p:ph type="ctrTitle"/>
-          </p:nvPr>
-        </p:nvSpPr>
-        <p:spPr/>
-        <p:txBody>
-          <a:bodyPr/>
-          <a:lstStyle/>
-          <a:p>
-            <a:pPr eaLnBrk="1" hangingPunct="1"/>
-            <a:r>
-              <a:rPr lang="en-US" i="1" dirty="0" smtClean="0"/>
-              <a:t>Business cycle scorecard</a:t>
-            </a:r>
-          </a:p>
-        </p:txBody>
-      </p:sp>
-    </p:spTree>
-  </p:cSld>
-  <p:clrMapOvr>
-    <a:masterClrMapping/>
-  </p:clrMapOvr>
-  <p:timing>
-    <p:tnLst>
-      <p:par>
-        <p:cTn id="1" dur="indefinite" restart="never" nodeType="tmRoot"/>
-      </p:par>
-    </p:tnLst>
-  </p:timing>
-</p:sld>
-</file>
-
-<file path=ppt/slides/slide49.xml><?xml version="1.0" encoding="utf-8"?>
-<p:sld xmlns:a="http://schemas.openxmlformats.org/drawingml/2006/main" xmlns:r="http://schemas.openxmlformats.org/officeDocument/2006/relationships" xmlns:p="http://schemas.openxmlformats.org/presentationml/2006/main">
-  <p:cSld>
-    <p:spTree>
-      <p:nvGrpSpPr>
-        <p:cNvPr id="1" name=""/>
-        <p:cNvGrpSpPr/>
-        <p:nvPr/>
-      </p:nvGrpSpPr>
-      <p:grpSpPr>
-        <a:xfrm>
-          <a:off x="0" y="0"/>
-          <a:ext cx="0" cy="0"/>
-          <a:chOff x="0" y="0"/>
-          <a:chExt cx="0" cy="0"/>
-        </a:xfrm>
-      </p:grpSpPr>
-      <p:sp>
-        <p:nvSpPr>
           <p:cNvPr id="4098" name="Rectangle 2"/>
           <p:cNvSpPr>
             <a:spLocks noGrp="1" noChangeArrowheads="1"/>
@@ -22412,80 +22571,7 @@
               <a:rPr lang="en-US" dirty="0" smtClean="0"/>
               <a:t>Business cycle scorecard</a:t>
             </a:r>
-          </a:p>
-        </p:txBody>
-      </p:sp>
-      <p:sp>
-        <p:nvSpPr>
-          <p:cNvPr id="4099" name="Rectangle 3"/>
-          <p:cNvSpPr>
-            <a:spLocks noGrp="1" noChangeArrowheads="1"/>
-          </p:cNvSpPr>
-          <p:nvPr>
-            <p:ph type="body" idx="4294967295"/>
-          </p:nvPr>
-        </p:nvSpPr>
-        <p:spPr/>
-        <p:txBody>
-          <a:bodyPr/>
-          <a:lstStyle/>
-          <a:p>
-            <a:pPr eaLnBrk="1" hangingPunct="1">
-              <a:spcBef>
-                <a:spcPts val="1200"/>
-              </a:spcBef>
-            </a:pPr>
-            <a:r>
-              <a:rPr lang="en-US" sz="2400" dirty="0" smtClean="0"/>
-              <a:t>Useful summary of lots of indicators</a:t>
-            </a:r>
-          </a:p>
-          <a:p>
-            <a:pPr eaLnBrk="1" hangingPunct="1">
-              <a:spcBef>
-                <a:spcPts val="1200"/>
-              </a:spcBef>
-              <a:spcAft>
-                <a:spcPts val="600"/>
-              </a:spcAft>
-            </a:pPr>
-            <a:r>
-              <a:rPr lang="en-US" sz="2400" dirty="0" smtClean="0"/>
-              <a:t>For each one:</a:t>
-            </a:r>
-          </a:p>
-          <a:p>
-            <a:pPr lvl="1" eaLnBrk="1" hangingPunct="1">
-              <a:spcBef>
-                <a:spcPts val="600"/>
-              </a:spcBef>
-            </a:pPr>
-            <a:r>
-              <a:rPr lang="en-US" sz="2000" dirty="0" smtClean="0"/>
-              <a:t>Graph indicator over time</a:t>
-            </a:r>
-          </a:p>
-          <a:p>
-            <a:pPr lvl="1" eaLnBrk="1" hangingPunct="1">
-              <a:spcBef>
-                <a:spcPts val="600"/>
-              </a:spcBef>
-            </a:pPr>
-            <a:r>
-              <a:rPr lang="en-US" sz="2000" dirty="0" smtClean="0"/>
-              <a:t>Add lines for mean, +/- one std deviation</a:t>
-            </a:r>
-          </a:p>
-          <a:p>
-            <a:pPr lvl="1" eaLnBrk="1" hangingPunct="1">
-              <a:spcBef>
-                <a:spcPts val="600"/>
-              </a:spcBef>
-            </a:pPr>
-            <a:r>
-              <a:rPr lang="en-US" sz="2000" dirty="0" smtClean="0"/>
-              <a:t>Rate indicator as strong positive, positive, negative, strong negative </a:t>
-            </a:r>
+            <a:endParaRPr lang="en-US" sz="2400" dirty="0" smtClean="0"/>
           </a:p>
         </p:txBody>
       </p:sp>
@@ -22509,220 +22595,7 @@
             <a:fld id="{E041A9CD-8F68-446A-8192-3D8982304C37}" type="slidenum">
               <a:rPr lang="en-US" smtClean="0"/>
               <a:pPr/>
-              <a:t>49</a:t>
-            </a:fld>
-            <a:endParaRPr lang="en-US" smtClean="0"/>
-          </a:p>
-        </p:txBody>
-      </p:sp>
-    </p:spTree>
-  </p:cSld>
-  <p:clrMapOvr>
-    <a:masterClrMapping/>
-  </p:clrMapOvr>
-  <p:timing>
-    <p:tnLst>
-      <p:par>
-        <p:cTn id="1" dur="indefinite" restart="never" nodeType="tmRoot"/>
-      </p:par>
-    </p:tnLst>
-  </p:timing>
-</p:sld>
-</file>
-
-<file path=ppt/slides/slide5.xml><?xml version="1.0" encoding="utf-8"?>
-<p:sld xmlns:a="http://schemas.openxmlformats.org/drawingml/2006/main" xmlns:r="http://schemas.openxmlformats.org/officeDocument/2006/relationships" xmlns:p="http://schemas.openxmlformats.org/presentationml/2006/main">
-  <p:cSld>
-    <p:spTree>
-      <p:nvGrpSpPr>
-        <p:cNvPr id="1" name=""/>
-        <p:cNvGrpSpPr/>
-        <p:nvPr/>
-      </p:nvGrpSpPr>
-      <p:grpSpPr>
-        <a:xfrm>
-          <a:off x="0" y="0"/>
-          <a:ext cx="0" cy="0"/>
-          <a:chOff x="0" y="0"/>
-          <a:chExt cx="0" cy="0"/>
-        </a:xfrm>
-      </p:grpSpPr>
-      <p:sp>
-        <p:nvSpPr>
-          <p:cNvPr id="4098" name="Rectangle 2"/>
-          <p:cNvSpPr>
-            <a:spLocks noGrp="1" noChangeArrowheads="1"/>
-          </p:cNvSpPr>
-          <p:nvPr>
-            <p:ph type="title" idx="4294967295"/>
-          </p:nvPr>
-        </p:nvSpPr>
-        <p:spPr/>
-        <p:txBody>
-          <a:bodyPr/>
-          <a:lstStyle/>
-          <a:p>
-            <a:pPr algn="l" eaLnBrk="1" hangingPunct="1"/>
-            <a:r>
-              <a:rPr lang="en-US" dirty="0" smtClean="0"/>
-              <a:t>The question </a:t>
-            </a:r>
-          </a:p>
-        </p:txBody>
-      </p:sp>
-      <p:sp>
-        <p:nvSpPr>
-          <p:cNvPr id="4099" name="Rectangle 3"/>
-          <p:cNvSpPr>
-            <a:spLocks noGrp="1" noChangeArrowheads="1"/>
-          </p:cNvSpPr>
-          <p:nvPr>
-            <p:ph type="body" idx="4294967295"/>
-          </p:nvPr>
-        </p:nvSpPr>
-        <p:spPr>
-          <a:xfrm>
-            <a:off x="457200" y="1600200"/>
-            <a:ext cx="8077200" cy="4525963"/>
-          </a:xfrm>
-        </p:spPr>
-        <p:txBody>
-          <a:bodyPr/>
-          <a:lstStyle/>
-          <a:p>
-            <a:pPr eaLnBrk="1" hangingPunct="1">
-              <a:lnSpc>
-                <a:spcPct val="90000"/>
-              </a:lnSpc>
-              <a:spcBef>
-                <a:spcPct val="50000"/>
-              </a:spcBef>
-            </a:pPr>
-            <a:r>
-              <a:rPr lang="en-US" sz="2400" dirty="0" smtClean="0"/>
-              <a:t>How does the US economy look to you right now? </a:t>
-            </a:r>
-          </a:p>
-          <a:p>
-            <a:pPr eaLnBrk="1" hangingPunct="1">
-              <a:lnSpc>
-                <a:spcPct val="90000"/>
-              </a:lnSpc>
-              <a:spcBef>
-                <a:spcPct val="50000"/>
-              </a:spcBef>
-            </a:pPr>
-            <a:r>
-              <a:rPr lang="en-US" sz="2400" dirty="0" smtClean="0"/>
-              <a:t>How can you tell?  </a:t>
-            </a:r>
-            <a:endParaRPr lang="en-US" sz="2000" dirty="0" smtClean="0"/>
-          </a:p>
-        </p:txBody>
-      </p:sp>
-      <p:sp>
-        <p:nvSpPr>
-          <p:cNvPr id="4100" name="Slide Number Placeholder 3"/>
-          <p:cNvSpPr>
-            <a:spLocks noGrp="1"/>
-          </p:cNvSpPr>
-          <p:nvPr>
-            <p:ph type="sldNum" sz="quarter" idx="12"/>
-          </p:nvPr>
-        </p:nvSpPr>
-        <p:spPr>
-          <a:noFill/>
-        </p:spPr>
-        <p:txBody>
-          <a:bodyPr/>
-          <a:lstStyle/>
-          <a:p>
-            <a:fld id="{E041A9CD-8F68-446A-8192-3D8982304C37}" type="slidenum">
-              <a:rPr lang="en-US" smtClean="0"/>
-              <a:pPr/>
-              <a:t>5</a:t>
-            </a:fld>
-            <a:endParaRPr lang="en-US" smtClean="0"/>
-          </a:p>
-        </p:txBody>
-      </p:sp>
-    </p:spTree>
-  </p:cSld>
-  <p:clrMapOvr>
-    <a:masterClrMapping/>
-  </p:clrMapOvr>
-  <p:timing>
-    <p:tnLst>
-      <p:par>
-        <p:cTn id="1" dur="indefinite" restart="never" nodeType="tmRoot"/>
-      </p:par>
-    </p:tnLst>
-  </p:timing>
-</p:sld>
-</file>
-
-<file path=ppt/slides/slide50.xml><?xml version="1.0" encoding="utf-8"?>
-<p:sld xmlns:a="http://schemas.openxmlformats.org/drawingml/2006/main" xmlns:r="http://schemas.openxmlformats.org/officeDocument/2006/relationships" xmlns:p="http://schemas.openxmlformats.org/presentationml/2006/main">
-  <p:cSld>
-    <p:spTree>
-      <p:nvGrpSpPr>
-        <p:cNvPr id="1" name=""/>
-        <p:cNvGrpSpPr/>
-        <p:nvPr/>
-      </p:nvGrpSpPr>
-      <p:grpSpPr>
-        <a:xfrm>
-          <a:off x="0" y="0"/>
-          <a:ext cx="0" cy="0"/>
-          <a:chOff x="0" y="0"/>
-          <a:chExt cx="0" cy="0"/>
-        </a:xfrm>
-      </p:grpSpPr>
-      <p:sp>
-        <p:nvSpPr>
-          <p:cNvPr id="4098" name="Rectangle 2"/>
-          <p:cNvSpPr>
-            <a:spLocks noGrp="1" noChangeArrowheads="1"/>
-          </p:cNvSpPr>
-          <p:nvPr>
-            <p:ph type="title" idx="4294967295"/>
-          </p:nvPr>
-        </p:nvSpPr>
-        <p:spPr/>
-        <p:txBody>
-          <a:bodyPr/>
-          <a:lstStyle/>
-          <a:p>
-            <a:pPr algn="l" eaLnBrk="1" hangingPunct="1"/>
-            <a:r>
-              <a:rPr lang="en-US" dirty="0" smtClean="0"/>
-              <a:t>Business cycle scorecard</a:t>
-            </a:r>
-            <a:endParaRPr lang="en-US" sz="2400" dirty="0" smtClean="0"/>
-          </a:p>
-        </p:txBody>
-      </p:sp>
-      <p:sp>
-        <p:nvSpPr>
-          <p:cNvPr id="4100" name="Slide Number Placeholder 3"/>
-          <p:cNvSpPr>
-            <a:spLocks noGrp="1"/>
-          </p:cNvSpPr>
-          <p:nvPr>
-            <p:ph type="sldNum" sz="quarter" idx="12"/>
-          </p:nvPr>
-        </p:nvSpPr>
-        <p:spPr>
-          <a:noFill/>
-        </p:spPr>
-        <p:txBody>
-          <a:bodyPr/>
-          <a:lstStyle/>
-          <a:p>
-            <a:fld id="{E041A9CD-8F68-446A-8192-3D8982304C37}" type="slidenum">
-              <a:rPr lang="en-US" smtClean="0"/>
-              <a:pPr/>
-              <a:t>50</a:t>
+              <a:t>48</a:t>
             </a:fld>
             <a:endParaRPr lang="en-US" smtClean="0"/>
           </a:p>
@@ -22775,7 +22648,7 @@
 </p:sld>
 </file>
 
-<file path=ppt/slides/slide51.xml><?xml version="1.0" encoding="utf-8"?>
+<file path=ppt/slides/slide49.xml><?xml version="1.0" encoding="utf-8"?>
 <p:sld xmlns:a="http://schemas.openxmlformats.org/drawingml/2006/main" xmlns:r="http://schemas.openxmlformats.org/officeDocument/2006/relationships" xmlns:p="http://schemas.openxmlformats.org/presentationml/2006/main">
   <p:cSld>
     <p:spTree>
@@ -22836,7 +22709,7 @@
             <a:fld id="{E041A9CD-8F68-446A-8192-3D8982304C37}" type="slidenum">
               <a:rPr lang="en-US" smtClean="0"/>
               <a:pPr/>
-              <a:t>51</a:t>
+              <a:t>49</a:t>
             </a:fld>
             <a:endParaRPr lang="en-US" smtClean="0"/>
           </a:p>
@@ -22889,7 +22762,7 @@
 </p:sld>
 </file>
 
-<file path=ppt/slides/slide52.xml><?xml version="1.0" encoding="utf-8"?>
+<file path=ppt/slides/slide5.xml><?xml version="1.0" encoding="utf-8"?>
 <p:sld xmlns:a="http://schemas.openxmlformats.org/drawingml/2006/main" xmlns:r="http://schemas.openxmlformats.org/officeDocument/2006/relationships" xmlns:p="http://schemas.openxmlformats.org/presentationml/2006/main">
   <p:cSld>
     <p:spTree>
@@ -22924,7 +22797,50 @@
             <a:pPr algn="l" eaLnBrk="1" hangingPunct="1"/>
             <a:r>
               <a:rPr lang="en-US" dirty="0" smtClean="0"/>
-              <a:t>Business cycle scorecard</a:t>
+              <a:t>Joke of the day </a:t>
+            </a:r>
+          </a:p>
+        </p:txBody>
+      </p:sp>
+      <p:sp>
+        <p:nvSpPr>
+          <p:cNvPr id="4099" name="Rectangle 3"/>
+          <p:cNvSpPr>
+            <a:spLocks noGrp="1" noChangeArrowheads="1"/>
+          </p:cNvSpPr>
+          <p:nvPr>
+            <p:ph type="body" idx="4294967295"/>
+          </p:nvPr>
+        </p:nvSpPr>
+        <p:spPr>
+          <a:xfrm>
+            <a:off x="457200" y="1600200"/>
+            <a:ext cx="8153400" cy="4525963"/>
+          </a:xfrm>
+        </p:spPr>
+        <p:txBody>
+          <a:bodyPr/>
+          <a:lstStyle/>
+          <a:p>
+            <a:pPr eaLnBrk="1" hangingPunct="1">
+              <a:spcBef>
+                <a:spcPts val="1200"/>
+              </a:spcBef>
+            </a:pPr>
+            <a:r>
+              <a:rPr lang="en-US" sz="2400" dirty="0" smtClean="0"/>
+              <a:t>Why do economists add a digit after the decimal point to their forecasts?  </a:t>
+            </a:r>
+          </a:p>
+          <a:p>
+            <a:pPr eaLnBrk="1" hangingPunct="1">
+              <a:spcBef>
+                <a:spcPts val="1200"/>
+              </a:spcBef>
+            </a:pPr>
+            <a:r>
+              <a:rPr lang="en-US" sz="2400" dirty="0" smtClean="0"/>
+              <a:t>To show they have a sense of humor </a:t>
             </a:r>
           </a:p>
         </p:txBody>
@@ -22949,7 +22865,253 @@
             <a:fld id="{E041A9CD-8F68-446A-8192-3D8982304C37}" type="slidenum">
               <a:rPr lang="en-US" smtClean="0"/>
               <a:pPr/>
-              <a:t>52</a:t>
+              <a:t>5</a:t>
+            </a:fld>
+            <a:endParaRPr lang="en-US" smtClean="0"/>
+          </a:p>
+        </p:txBody>
+      </p:sp>
+    </p:spTree>
+  </p:cSld>
+  <p:clrMapOvr>
+    <a:masterClrMapping/>
+  </p:clrMapOvr>
+  <p:timing>
+    <p:tnLst>
+      <p:par>
+        <p:cTn id="1" dur="indefinite" restart="never" nodeType="tmRoot">
+          <p:childTnLst>
+            <p:seq concurrent="1" nextAc="seek">
+              <p:cTn id="2" dur="indefinite" nodeType="mainSeq">
+                <p:childTnLst>
+                  <p:par>
+                    <p:cTn id="3" fill="hold">
+                      <p:stCondLst>
+                        <p:cond delay="indefinite"/>
+                      </p:stCondLst>
+                      <p:childTnLst>
+                        <p:par>
+                          <p:cTn id="4" fill="hold">
+                            <p:stCondLst>
+                              <p:cond delay="0"/>
+                            </p:stCondLst>
+                            <p:childTnLst>
+                              <p:par>
+                                <p:cTn id="5" presetID="35" presetClass="entr" presetSubtype="0" fill="hold" nodeType="clickEffect">
+                                  <p:stCondLst>
+                                    <p:cond delay="0"/>
+                                  </p:stCondLst>
+                                  <p:childTnLst>
+                                    <p:set>
+                                      <p:cBhvr>
+                                        <p:cTn id="6" dur="1" fill="hold">
+                                          <p:stCondLst>
+                                            <p:cond delay="0"/>
+                                          </p:stCondLst>
+                                        </p:cTn>
+                                        <p:tgtEl>
+                                          <p:spTgt spid="4099">
+                                            <p:txEl>
+                                              <p:pRg st="1" end="1"/>
+                                            </p:txEl>
+                                          </p:spTgt>
+                                        </p:tgtEl>
+                                        <p:attrNameLst>
+                                          <p:attrName>style.visibility</p:attrName>
+                                        </p:attrNameLst>
+                                      </p:cBhvr>
+                                      <p:to>
+                                        <p:strVal val="visible"/>
+                                      </p:to>
+                                    </p:set>
+                                    <p:animEffect transition="in" filter="fade">
+                                      <p:cBhvr>
+                                        <p:cTn id="7" dur="2000"/>
+                                        <p:tgtEl>
+                                          <p:spTgt spid="4099">
+                                            <p:txEl>
+                                              <p:pRg st="1" end="1"/>
+                                            </p:txEl>
+                                          </p:spTgt>
+                                        </p:tgtEl>
+                                      </p:cBhvr>
+                                    </p:animEffect>
+                                    <p:anim calcmode="lin" valueType="num">
+                                      <p:cBhvr>
+                                        <p:cTn id="8" dur="2000" fill="hold"/>
+                                        <p:tgtEl>
+                                          <p:spTgt spid="4099">
+                                            <p:txEl>
+                                              <p:pRg st="1" end="1"/>
+                                            </p:txEl>
+                                          </p:spTgt>
+                                        </p:tgtEl>
+                                        <p:attrNameLst>
+                                          <p:attrName>style.rotation</p:attrName>
+                                        </p:attrNameLst>
+                                      </p:cBhvr>
+                                      <p:tavLst>
+                                        <p:tav tm="0">
+                                          <p:val>
+                                            <p:fltVal val="720"/>
+                                          </p:val>
+                                        </p:tav>
+                                        <p:tav tm="100000">
+                                          <p:val>
+                                            <p:fltVal val="0"/>
+                                          </p:val>
+                                        </p:tav>
+                                      </p:tavLst>
+                                    </p:anim>
+                                    <p:anim calcmode="lin" valueType="num">
+                                      <p:cBhvr>
+                                        <p:cTn id="9" dur="2000" fill="hold"/>
+                                        <p:tgtEl>
+                                          <p:spTgt spid="4099">
+                                            <p:txEl>
+                                              <p:pRg st="1" end="1"/>
+                                            </p:txEl>
+                                          </p:spTgt>
+                                        </p:tgtEl>
+                                        <p:attrNameLst>
+                                          <p:attrName>ppt_h</p:attrName>
+                                        </p:attrNameLst>
+                                      </p:cBhvr>
+                                      <p:tavLst>
+                                        <p:tav tm="0">
+                                          <p:val>
+                                            <p:fltVal val="0"/>
+                                          </p:val>
+                                        </p:tav>
+                                        <p:tav tm="100000">
+                                          <p:val>
+                                            <p:strVal val="#ppt_h"/>
+                                          </p:val>
+                                        </p:tav>
+                                      </p:tavLst>
+                                    </p:anim>
+                                    <p:anim calcmode="lin" valueType="num">
+                                      <p:cBhvr>
+                                        <p:cTn id="10" dur="2000" fill="hold"/>
+                                        <p:tgtEl>
+                                          <p:spTgt spid="4099">
+                                            <p:txEl>
+                                              <p:pRg st="1" end="1"/>
+                                            </p:txEl>
+                                          </p:spTgt>
+                                        </p:tgtEl>
+                                        <p:attrNameLst>
+                                          <p:attrName>ppt_w</p:attrName>
+                                        </p:attrNameLst>
+                                      </p:cBhvr>
+                                      <p:tavLst>
+                                        <p:tav tm="0">
+                                          <p:val>
+                                            <p:fltVal val="0"/>
+                                          </p:val>
+                                        </p:tav>
+                                        <p:tav tm="100000">
+                                          <p:val>
+                                            <p:strVal val="#ppt_w"/>
+                                          </p:val>
+                                        </p:tav>
+                                      </p:tavLst>
+                                    </p:anim>
+                                  </p:childTnLst>
+                                </p:cTn>
+                              </p:par>
+                            </p:childTnLst>
+                          </p:cTn>
+                        </p:par>
+                      </p:childTnLst>
+                    </p:cTn>
+                  </p:par>
+                </p:childTnLst>
+              </p:cTn>
+              <p:prevCondLst>
+                <p:cond evt="onPrev" delay="0">
+                  <p:tgtEl>
+                    <p:sldTgt/>
+                  </p:tgtEl>
+                </p:cond>
+              </p:prevCondLst>
+              <p:nextCondLst>
+                <p:cond evt="onNext" delay="0">
+                  <p:tgtEl>
+                    <p:sldTgt/>
+                  </p:tgtEl>
+                </p:cond>
+              </p:nextCondLst>
+            </p:seq>
+          </p:childTnLst>
+        </p:cTn>
+      </p:par>
+    </p:tnLst>
+  </p:timing>
+</p:sld>
+</file>
+
+<file path=ppt/slides/slide50.xml><?xml version="1.0" encoding="utf-8"?>
+<p:sld xmlns:a="http://schemas.openxmlformats.org/drawingml/2006/main" xmlns:r="http://schemas.openxmlformats.org/officeDocument/2006/relationships" xmlns:p="http://schemas.openxmlformats.org/presentationml/2006/main">
+  <p:cSld>
+    <p:spTree>
+      <p:nvGrpSpPr>
+        <p:cNvPr id="1" name=""/>
+        <p:cNvGrpSpPr/>
+        <p:nvPr/>
+      </p:nvGrpSpPr>
+      <p:grpSpPr>
+        <a:xfrm>
+          <a:off x="0" y="0"/>
+          <a:ext cx="0" cy="0"/>
+          <a:chOff x="0" y="0"/>
+          <a:chExt cx="0" cy="0"/>
+        </a:xfrm>
+      </p:grpSpPr>
+      <p:sp>
+        <p:nvSpPr>
+          <p:cNvPr id="4098" name="Rectangle 2"/>
+          <p:cNvSpPr>
+            <a:spLocks noGrp="1" noChangeArrowheads="1"/>
+          </p:cNvSpPr>
+          <p:nvPr>
+            <p:ph type="title" idx="4294967295"/>
+          </p:nvPr>
+        </p:nvSpPr>
+        <p:spPr/>
+        <p:txBody>
+          <a:bodyPr/>
+          <a:lstStyle/>
+          <a:p>
+            <a:pPr algn="l" eaLnBrk="1" hangingPunct="1"/>
+            <a:r>
+              <a:rPr lang="en-US" dirty="0" smtClean="0"/>
+              <a:t>Business cycle scorecard</a:t>
+            </a:r>
+          </a:p>
+        </p:txBody>
+      </p:sp>
+      <p:sp>
+        <p:nvSpPr>
+          <p:cNvPr id="4100" name="Slide Number Placeholder 3"/>
+          <p:cNvSpPr>
+            <a:spLocks noGrp="1"/>
+          </p:cNvSpPr>
+          <p:nvPr>
+            <p:ph type="sldNum" sz="quarter" idx="12"/>
+          </p:nvPr>
+        </p:nvSpPr>
+        <p:spPr>
+          <a:noFill/>
+        </p:spPr>
+        <p:txBody>
+          <a:bodyPr/>
+          <a:lstStyle/>
+          <a:p>
+            <a:fld id="{E041A9CD-8F68-446A-8192-3D8982304C37}" type="slidenum">
+              <a:rPr lang="en-US" smtClean="0"/>
+              <a:pPr/>
+              <a:t>50</a:t>
             </a:fld>
             <a:endParaRPr lang="en-US" smtClean="0"/>
           </a:p>
@@ -24940,7 +25102,7 @@
 </p:sld>
 </file>
 
-<file path=ppt/slides/slide53.xml><?xml version="1.0" encoding="utf-8"?>
+<file path=ppt/slides/slide51.xml><?xml version="1.0" encoding="utf-8"?>
 <p:sld xmlns:a="http://schemas.openxmlformats.org/drawingml/2006/main" xmlns:r="http://schemas.openxmlformats.org/officeDocument/2006/relationships" xmlns:p="http://schemas.openxmlformats.org/presentationml/2006/main">
   <p:cSld>
     <p:spTree>
@@ -25074,7 +25236,7 @@
             <a:fld id="{E041A9CD-8F68-446A-8192-3D8982304C37}" type="slidenum">
               <a:rPr lang="en-US" smtClean="0"/>
               <a:pPr/>
-              <a:t>53</a:t>
+              <a:t>51</a:t>
             </a:fld>
             <a:endParaRPr lang="en-US" smtClean="0"/>
           </a:p>
@@ -25095,7 +25257,7 @@
 </p:sld>
 </file>
 
-<file path=ppt/slides/slide54.xml><?xml version="1.0" encoding="utf-8"?>
+<file path=ppt/slides/slide52.xml><?xml version="1.0" encoding="utf-8"?>
 <p:sld xmlns:a="http://schemas.openxmlformats.org/drawingml/2006/main" xmlns:r="http://schemas.openxmlformats.org/officeDocument/2006/relationships" xmlns:p="http://schemas.openxmlformats.org/presentationml/2006/main">
   <p:cSld>
     <p:spTree>
@@ -25155,7 +25317,7 @@
             <a:fld id="{E041A9CD-8F68-446A-8192-3D8982304C37}" type="slidenum">
               <a:rPr lang="en-US" smtClean="0"/>
               <a:pPr/>
-              <a:t>54</a:t>
+              <a:t>52</a:t>
             </a:fld>
             <a:endParaRPr lang="en-US" smtClean="0"/>
           </a:p>
@@ -25268,7 +25430,7 @@
 </p:sld>
 </file>
 
-<file path=ppt/slides/slide55.xml><?xml version="1.0" encoding="utf-8"?>
+<file path=ppt/slides/slide53.xml><?xml version="1.0" encoding="utf-8"?>
 <p:sld xmlns:a="http://schemas.openxmlformats.org/drawingml/2006/main" xmlns:r="http://schemas.openxmlformats.org/officeDocument/2006/relationships" xmlns:p="http://schemas.openxmlformats.org/presentationml/2006/main">
   <p:cSld>
     <p:spTree>
@@ -25472,7 +25634,7 @@
             <a:fld id="{E041A9CD-8F68-446A-8192-3D8982304C37}" type="slidenum">
               <a:rPr lang="en-US" smtClean="0"/>
               <a:pPr/>
-              <a:t>55</a:t>
+              <a:t>53</a:t>
             </a:fld>
             <a:endParaRPr lang="en-US" smtClean="0"/>
           </a:p>
@@ -25663,7 +25825,208 @@
 </p:sld>
 </file>
 
-<file path=ppt/slides/slide56.xml><?xml version="1.0" encoding="utf-8"?>
+<file path=ppt/slides/slide54.xml><?xml version="1.0" encoding="utf-8"?>
+<p:sld xmlns:a="http://schemas.openxmlformats.org/drawingml/2006/main" xmlns:r="http://schemas.openxmlformats.org/officeDocument/2006/relationships" xmlns:p="http://schemas.openxmlformats.org/presentationml/2006/main">
+  <p:cSld>
+    <p:spTree>
+      <p:nvGrpSpPr>
+        <p:cNvPr id="1" name=""/>
+        <p:cNvGrpSpPr/>
+        <p:nvPr/>
+      </p:nvGrpSpPr>
+      <p:grpSpPr>
+        <a:xfrm>
+          <a:off x="0" y="0"/>
+          <a:ext cx="0" cy="0"/>
+          <a:chOff x="0" y="0"/>
+          <a:chExt cx="0" cy="0"/>
+        </a:xfrm>
+      </p:grpSpPr>
+      <p:sp>
+        <p:nvSpPr>
+          <p:cNvPr id="4098" name="Rectangle 2"/>
+          <p:cNvSpPr>
+            <a:spLocks noGrp="1" noChangeArrowheads="1"/>
+          </p:cNvSpPr>
+          <p:nvPr>
+            <p:ph type="title" idx="4294967295"/>
+          </p:nvPr>
+        </p:nvSpPr>
+        <p:spPr/>
+        <p:txBody>
+          <a:bodyPr/>
+          <a:lstStyle/>
+          <a:p>
+            <a:pPr algn="l" eaLnBrk="1" hangingPunct="1"/>
+            <a:r>
+              <a:rPr lang="en-US" dirty="0" smtClean="0"/>
+              <a:t>Midterm</a:t>
+            </a:r>
+          </a:p>
+        </p:txBody>
+      </p:sp>
+      <p:sp>
+        <p:nvSpPr>
+          <p:cNvPr id="4099" name="Rectangle 3"/>
+          <p:cNvSpPr>
+            <a:spLocks noGrp="1" noChangeArrowheads="1"/>
+          </p:cNvSpPr>
+          <p:nvPr>
+            <p:ph type="body" idx="4294967295"/>
+          </p:nvPr>
+        </p:nvSpPr>
+        <p:spPr>
+          <a:xfrm>
+            <a:off x="457200" y="1600200"/>
+            <a:ext cx="8077200" cy="4525963"/>
+          </a:xfrm>
+        </p:spPr>
+        <p:txBody>
+          <a:bodyPr/>
+          <a:lstStyle/>
+          <a:p>
+            <a:pPr eaLnBrk="1" hangingPunct="1">
+              <a:lnSpc>
+                <a:spcPct val="90000"/>
+              </a:lnSpc>
+              <a:spcBef>
+                <a:spcPts val="1200"/>
+              </a:spcBef>
+            </a:pPr>
+            <a:r>
+              <a:rPr lang="en-US" sz="2400" dirty="0" smtClean="0"/>
+              <a:t>Answers posted </a:t>
+            </a:r>
+          </a:p>
+          <a:p>
+            <a:pPr eaLnBrk="1" hangingPunct="1">
+              <a:lnSpc>
+                <a:spcPct val="90000"/>
+              </a:lnSpc>
+              <a:spcBef>
+                <a:spcPts val="1200"/>
+              </a:spcBef>
+            </a:pPr>
+            <a:r>
+              <a:rPr lang="en-US" sz="2400" dirty="0" smtClean="0"/>
+              <a:t>Grade distribution </a:t>
+            </a:r>
+          </a:p>
+          <a:p>
+            <a:pPr lvl="1" eaLnBrk="1" hangingPunct="1">
+              <a:lnSpc>
+                <a:spcPct val="90000"/>
+              </a:lnSpc>
+              <a:spcBef>
+                <a:spcPts val="1200"/>
+              </a:spcBef>
+            </a:pPr>
+            <a:r>
+              <a:rPr lang="en-US" sz="2000" dirty="0" smtClean="0"/>
+              <a:t>Maximum:  110 (out of 110)</a:t>
+            </a:r>
+          </a:p>
+          <a:p>
+            <a:pPr lvl="1" eaLnBrk="1" hangingPunct="1">
+              <a:lnSpc>
+                <a:spcPct val="90000"/>
+              </a:lnSpc>
+              <a:spcBef>
+                <a:spcPts val="1200"/>
+              </a:spcBef>
+            </a:pPr>
+            <a:r>
+              <a:rPr lang="en-US" sz="2000" dirty="0" smtClean="0"/>
+              <a:t>80th percentile:  106  </a:t>
+            </a:r>
+          </a:p>
+          <a:p>
+            <a:pPr lvl="1" eaLnBrk="1" hangingPunct="1">
+              <a:lnSpc>
+                <a:spcPct val="90000"/>
+              </a:lnSpc>
+              <a:spcBef>
+                <a:spcPts val="1200"/>
+              </a:spcBef>
+            </a:pPr>
+            <a:r>
+              <a:rPr lang="en-US" sz="2000" dirty="0" smtClean="0"/>
+              <a:t>65th:  101 </a:t>
+            </a:r>
+          </a:p>
+          <a:p>
+            <a:pPr lvl="1" eaLnBrk="1" hangingPunct="1">
+              <a:lnSpc>
+                <a:spcPct val="90000"/>
+              </a:lnSpc>
+              <a:spcBef>
+                <a:spcPts val="1200"/>
+              </a:spcBef>
+            </a:pPr>
+            <a:r>
+              <a:rPr lang="en-US" sz="2000" dirty="0" smtClean="0"/>
+              <a:t>50th:  98 </a:t>
+            </a:r>
+          </a:p>
+          <a:p>
+            <a:pPr lvl="1" eaLnBrk="1" hangingPunct="1">
+              <a:lnSpc>
+                <a:spcPct val="90000"/>
+              </a:lnSpc>
+              <a:spcBef>
+                <a:spcPts val="1200"/>
+              </a:spcBef>
+            </a:pPr>
+            <a:r>
+              <a:rPr lang="en-US" sz="2000" dirty="0" smtClean="0"/>
+              <a:t>25th :  92  </a:t>
+            </a:r>
+            <a:endParaRPr lang="en-US" sz="1400" dirty="0" smtClean="0"/>
+          </a:p>
+        </p:txBody>
+      </p:sp>
+      <p:sp>
+        <p:nvSpPr>
+          <p:cNvPr id="4100" name="Slide Number Placeholder 3"/>
+          <p:cNvSpPr>
+            <a:spLocks noGrp="1"/>
+          </p:cNvSpPr>
+          <p:nvPr>
+            <p:ph type="sldNum" sz="quarter" idx="12"/>
+          </p:nvPr>
+        </p:nvSpPr>
+        <p:spPr>
+          <a:noFill/>
+        </p:spPr>
+        <p:txBody>
+          <a:bodyPr/>
+          <a:lstStyle/>
+          <a:p>
+            <a:fld id="{E041A9CD-8F68-446A-8192-3D8982304C37}" type="slidenum">
+              <a:rPr lang="en-US" smtClean="0"/>
+              <a:pPr/>
+              <a:t>54</a:t>
+            </a:fld>
+            <a:endParaRPr lang="en-US" smtClean="0"/>
+          </a:p>
+        </p:txBody>
+      </p:sp>
+    </p:spTree>
+  </p:cSld>
+  <p:clrMapOvr>
+    <a:masterClrMapping/>
+  </p:clrMapOvr>
+  <p:timing>
+    <p:tnLst>
+      <p:par>
+        <p:cTn id="1" dur="indefinite" restart="never" nodeType="tmRoot"/>
+      </p:par>
+    </p:tnLst>
+  </p:timing>
+</p:sld>
+</file>
+
+<file path=ppt/slides/slide55.xml><?xml version="1.0" encoding="utf-8"?>
 <p:sld xmlns:a="http://schemas.openxmlformats.org/drawingml/2006/main" xmlns:r="http://schemas.openxmlformats.org/officeDocument/2006/relationships" xmlns:p="http://schemas.openxmlformats.org/presentationml/2006/main">
   <p:cSld>
     <p:spTree>
@@ -25772,6 +26135,103 @@
 </p:sld>
 </file>
 
+<file path=ppt/slides/slide56.xml><?xml version="1.0" encoding="utf-8"?>
+<p:sld xmlns:a="http://schemas.openxmlformats.org/drawingml/2006/main" xmlns:r="http://schemas.openxmlformats.org/officeDocument/2006/relationships" xmlns:p="http://schemas.openxmlformats.org/presentationml/2006/main">
+  <p:cSld>
+    <p:spTree>
+      <p:nvGrpSpPr>
+        <p:cNvPr id="1" name=""/>
+        <p:cNvGrpSpPr/>
+        <p:nvPr/>
+      </p:nvGrpSpPr>
+      <p:grpSpPr>
+        <a:xfrm>
+          <a:off x="0" y="0"/>
+          <a:ext cx="0" cy="0"/>
+          <a:chOff x="0" y="0"/>
+          <a:chExt cx="0" cy="0"/>
+        </a:xfrm>
+      </p:grpSpPr>
+      <p:sp>
+        <p:nvSpPr>
+          <p:cNvPr id="3074" name="Rectangle 2"/>
+          <p:cNvSpPr>
+            <a:spLocks noGrp="1" noChangeArrowheads="1"/>
+          </p:cNvSpPr>
+          <p:nvPr>
+            <p:ph type="ctrTitle"/>
+          </p:nvPr>
+        </p:nvSpPr>
+        <p:spPr>
+          <a:xfrm>
+            <a:off x="685800" y="2514600"/>
+            <a:ext cx="7772400" cy="1752600"/>
+          </a:xfrm>
+        </p:spPr>
+        <p:txBody>
+          <a:bodyPr/>
+          <a:lstStyle/>
+          <a:p>
+            <a:pPr eaLnBrk="1" hangingPunct="1"/>
+            <a:r>
+              <a:rPr lang="en-US" dirty="0" smtClean="0"/>
+              <a:t>The Global Economy</a:t>
+            </a:r>
+            <a:br>
+              <a:rPr lang="en-US" dirty="0" smtClean="0"/>
+            </a:br>
+            <a:r>
+              <a:rPr lang="en-US" i="1" dirty="0" smtClean="0"/>
+              <a:t>Inflation and Monetary Policy</a:t>
+            </a:r>
+          </a:p>
+        </p:txBody>
+      </p:sp>
+      <p:pic>
+        <p:nvPicPr>
+          <p:cNvPr id="4" name="Picture 3"/>
+          <p:cNvPicPr>
+            <a:picLocks noChangeAspect="1"/>
+          </p:cNvPicPr>
+          <p:nvPr/>
+        </p:nvPicPr>
+        <p:blipFill>
+          <a:blip r:embed="rId3">
+            <a:extLst>
+              <a:ext uri="{28A0092B-C50C-407E-A947-70E740481C1C}">
+                <a14:useLocalDpi xmlns:a14="http://schemas.microsoft.com/office/drawing/2010/main" val="0"/>
+              </a:ext>
+            </a:extLst>
+          </a:blip>
+          <a:stretch>
+            <a:fillRect/>
+          </a:stretch>
+        </p:blipFill>
+        <p:spPr>
+          <a:xfrm>
+            <a:off x="6172200" y="6281758"/>
+            <a:ext cx="2619375" cy="433367"/>
+          </a:xfrm>
+          <a:prstGeom prst="rect">
+            <a:avLst/>
+          </a:prstGeom>
+        </p:spPr>
+      </p:pic>
+    </p:spTree>
+  </p:cSld>
+  <p:clrMapOvr>
+    <a:masterClrMapping/>
+  </p:clrMapOvr>
+  <p:timing>
+    <p:tnLst>
+      <p:par>
+        <p:cTn id="1" dur="indefinite" restart="never" nodeType="tmRoot"/>
+      </p:par>
+    </p:tnLst>
+  </p:timing>
+</p:sld>
+</file>
+
 <file path=ppt/slides/slide57.xml><?xml version="1.0" encoding="utf-8"?>
 <p:sld xmlns:a="http://schemas.openxmlformats.org/drawingml/2006/main" xmlns:r="http://schemas.openxmlformats.org/officeDocument/2006/relationships" xmlns:p="http://schemas.openxmlformats.org/presentationml/2006/main">
   <p:cSld>
@@ -25791,71 +26251,198 @@
       </p:grpSpPr>
       <p:sp>
         <p:nvSpPr>
-          <p:cNvPr id="3074" name="Rectangle 2"/>
+          <p:cNvPr id="4098" name="Rectangle 2"/>
           <p:cNvSpPr>
             <a:spLocks noGrp="1" noChangeArrowheads="1"/>
           </p:cNvSpPr>
           <p:nvPr>
-            <p:ph type="ctrTitle"/>
+            <p:ph type="title" idx="4294967295"/>
+          </p:nvPr>
+        </p:nvSpPr>
+        <p:spPr/>
+        <p:txBody>
+          <a:bodyPr/>
+          <a:lstStyle/>
+          <a:p>
+            <a:pPr algn="l" eaLnBrk="1" hangingPunct="1"/>
+            <a:r>
+              <a:rPr lang="en-US" dirty="0" smtClean="0"/>
+              <a:t>Terminology </a:t>
+            </a:r>
+          </a:p>
+        </p:txBody>
+      </p:sp>
+      <p:sp>
+        <p:nvSpPr>
+          <p:cNvPr id="4099" name="Rectangle 3"/>
+          <p:cNvSpPr>
+            <a:spLocks noGrp="1" noChangeArrowheads="1"/>
+          </p:cNvSpPr>
+          <p:nvPr>
+            <p:ph type="body" idx="4294967295"/>
           </p:nvPr>
         </p:nvSpPr>
         <p:spPr>
           <a:xfrm>
-            <a:off x="685800" y="2514600"/>
-            <a:ext cx="7772400" cy="1752600"/>
+            <a:off x="457200" y="1600200"/>
+            <a:ext cx="8001000" cy="4525963"/>
           </a:xfrm>
         </p:spPr>
         <p:txBody>
           <a:bodyPr/>
           <a:lstStyle/>
           <a:p>
-            <a:pPr eaLnBrk="1" hangingPunct="1"/>
-            <a:r>
-              <a:rPr lang="en-US" dirty="0" smtClean="0"/>
-              <a:t>The Global Economy</a:t>
-            </a:r>
-            <a:br>
-              <a:rPr lang="en-US" dirty="0" smtClean="0"/>
-            </a:br>
-            <a:r>
-              <a:rPr lang="en-US" i="1" dirty="0" smtClean="0"/>
-              <a:t>Inflation and Monetary Policy</a:t>
-            </a:r>
-          </a:p>
-        </p:txBody>
-      </p:sp>
-      <p:pic>
-        <p:nvPicPr>
-          <p:cNvPr id="3075" name="Picture 4" descr="Logo3"/>
-          <p:cNvPicPr>
-            <a:picLocks noChangeAspect="1" noChangeArrowheads="1"/>
-          </p:cNvPicPr>
-          <p:nvPr/>
-        </p:nvPicPr>
-        <p:blipFill>
-          <a:blip r:embed="rId3"/>
-          <a:srcRect/>
-          <a:stretch>
-            <a:fillRect/>
-          </a:stretch>
-        </p:blipFill>
-        <p:spPr bwMode="auto">
-          <a:xfrm>
-            <a:off x="6553200" y="6172200"/>
-            <a:ext cx="2209800" cy="465138"/>
-          </a:xfrm>
-          <a:prstGeom prst="rect">
-            <a:avLst/>
-          </a:prstGeom>
+            <a:pPr eaLnBrk="1" hangingPunct="1">
+              <a:spcBef>
+                <a:spcPts val="1200"/>
+              </a:spcBef>
+              <a:spcAft>
+                <a:spcPts val="600"/>
+              </a:spcAft>
+            </a:pPr>
+            <a:r>
+              <a:rPr lang="en-US" sz="2400" dirty="0" smtClean="0"/>
+              <a:t>The </a:t>
+            </a:r>
+            <a:r>
+              <a:rPr lang="en-US" sz="2400" b="1" dirty="0" smtClean="0"/>
+              <a:t>price level</a:t>
+            </a:r>
+            <a:r>
+              <a:rPr lang="en-US" sz="2400" dirty="0" smtClean="0"/>
+              <a:t> is a measure of average prices </a:t>
+            </a:r>
+          </a:p>
+          <a:p>
+            <a:pPr lvl="1" eaLnBrk="1" hangingPunct="1">
+              <a:spcBef>
+                <a:spcPts val="600"/>
+              </a:spcBef>
+            </a:pPr>
+            <a:r>
+              <a:rPr lang="en-US" sz="2000" dirty="0" smtClean="0"/>
+              <a:t>We label it P</a:t>
+            </a:r>
+          </a:p>
+          <a:p>
+            <a:pPr lvl="1" eaLnBrk="1" hangingPunct="1">
+              <a:spcBef>
+                <a:spcPts val="600"/>
+              </a:spcBef>
+            </a:pPr>
+            <a:r>
+              <a:rPr lang="en-US" sz="2000" dirty="0" smtClean="0"/>
+              <a:t>Measured in units of currency (how many dollars to buy…) </a:t>
+            </a:r>
+          </a:p>
+          <a:p>
+            <a:pPr eaLnBrk="1" hangingPunct="1">
+              <a:spcBef>
+                <a:spcPts val="1200"/>
+              </a:spcBef>
+              <a:spcAft>
+                <a:spcPts val="600"/>
+              </a:spcAft>
+            </a:pPr>
+            <a:r>
+              <a:rPr lang="en-US" sz="2400" b="1" dirty="0" smtClean="0"/>
+              <a:t>Inflation</a:t>
+            </a:r>
+            <a:r>
+              <a:rPr lang="en-US" sz="2400" dirty="0" smtClean="0"/>
+              <a:t> is the rate of growth of the price level</a:t>
+            </a:r>
+          </a:p>
+          <a:p>
+            <a:pPr lvl="1">
+              <a:lnSpc>
+                <a:spcPct val="90000"/>
+              </a:lnSpc>
+              <a:spcBef>
+                <a:spcPts val="600"/>
+              </a:spcBef>
+            </a:pPr>
+            <a:r>
+              <a:rPr lang="en-US" sz="2000" dirty="0" smtClean="0"/>
+              <a:t>Buying goods takes more currency </a:t>
+            </a:r>
+          </a:p>
+          <a:p>
+            <a:pPr lvl="1">
+              <a:lnSpc>
+                <a:spcPct val="90000"/>
+              </a:lnSpc>
+              <a:spcBef>
+                <a:spcPts val="600"/>
+              </a:spcBef>
+            </a:pPr>
+            <a:r>
+              <a:rPr lang="en-US" sz="2000" dirty="0" smtClean="0"/>
+              <a:t>Or:  a unit of currency buys less (same thing, of course) </a:t>
+            </a:r>
+          </a:p>
+          <a:p>
+            <a:pPr eaLnBrk="1" hangingPunct="1">
+              <a:spcBef>
+                <a:spcPts val="1200"/>
+              </a:spcBef>
+            </a:pPr>
+            <a:r>
+              <a:rPr lang="en-US" sz="2400" dirty="0" smtClean="0"/>
+              <a:t>We call it</a:t>
+            </a:r>
+            <a:r>
+              <a:rPr lang="en-US" sz="2400" b="1" dirty="0" smtClean="0"/>
+              <a:t> deflation</a:t>
+            </a:r>
+            <a:r>
+              <a:rPr lang="en-US" sz="2400" dirty="0" smtClean="0"/>
+              <a:t> if growth rate is negative </a:t>
+            </a:r>
+          </a:p>
+          <a:p>
+            <a:pPr eaLnBrk="1" hangingPunct="1">
+              <a:spcBef>
+                <a:spcPts val="1200"/>
+              </a:spcBef>
+            </a:pPr>
+            <a:r>
+              <a:rPr lang="en-US" sz="2400" b="1" dirty="0" smtClean="0"/>
+              <a:t>Hyperinflation</a:t>
+            </a:r>
+            <a:r>
+              <a:rPr lang="en-US" sz="2400" dirty="0" smtClean="0"/>
+              <a:t> is inflation &gt; 100% per year </a:t>
+            </a:r>
+          </a:p>
+        </p:txBody>
+      </p:sp>
+      <p:sp>
+        <p:nvSpPr>
+          <p:cNvPr id="4100" name="Slide Number Placeholder 3"/>
+          <p:cNvSpPr>
+            <a:spLocks noGrp="1"/>
+          </p:cNvSpPr>
+          <p:nvPr>
+            <p:ph type="sldNum" sz="quarter" idx="12"/>
+          </p:nvPr>
+        </p:nvSpPr>
+        <p:spPr>
           <a:noFill/>
-          <a:ln w="9525">
-            <a:noFill/>
-            <a:miter lim="800000"/>
-            <a:headEnd/>
-            <a:tailEnd/>
-          </a:ln>
         </p:spPr>
-      </p:pic>
+        <p:txBody>
+          <a:bodyPr/>
+          <a:lstStyle/>
+          <a:p>
+            <a:fld id="{E041A9CD-8F68-446A-8192-3D8982304C37}" type="slidenum">
+              <a:rPr lang="en-US" smtClean="0"/>
+              <a:pPr/>
+              <a:t>57</a:t>
+            </a:fld>
+            <a:endParaRPr lang="en-US" smtClean="0"/>
+          </a:p>
+        </p:txBody>
+      </p:sp>
     </p:spTree>
   </p:cSld>
   <p:clrMapOvr>
@@ -25906,7 +26493,7 @@
             <a:pPr algn="l" eaLnBrk="1" hangingPunct="1"/>
             <a:r>
               <a:rPr lang="en-US" dirty="0" smtClean="0"/>
-              <a:t>Terminology </a:t>
+              <a:t>The idea</a:t>
             </a:r>
           </a:p>
         </p:txBody>
@@ -25924,102 +26511,12 @@
         <p:spPr>
           <a:xfrm>
             <a:off x="457200" y="1600200"/>
-            <a:ext cx="8001000" cy="4525963"/>
+            <a:ext cx="7924800" cy="4525963"/>
           </a:xfrm>
         </p:spPr>
         <p:txBody>
           <a:bodyPr/>
           <a:lstStyle/>
-          <a:p>
-            <a:pPr eaLnBrk="1" hangingPunct="1">
-              <a:spcBef>
-                <a:spcPts val="1200"/>
-              </a:spcBef>
-              <a:spcAft>
-                <a:spcPts val="600"/>
-              </a:spcAft>
-            </a:pPr>
-            <a:r>
-              <a:rPr lang="en-US" sz="2400" dirty="0" smtClean="0"/>
-              <a:t>The </a:t>
-            </a:r>
-            <a:r>
-              <a:rPr lang="en-US" sz="2400" b="1" dirty="0" smtClean="0"/>
-              <a:t>price level</a:t>
-            </a:r>
-            <a:r>
-              <a:rPr lang="en-US" sz="2400" dirty="0" smtClean="0"/>
-              <a:t> is a measure of average prices </a:t>
-            </a:r>
-          </a:p>
-          <a:p>
-            <a:pPr lvl="1" eaLnBrk="1" hangingPunct="1">
-              <a:spcBef>
-                <a:spcPts val="600"/>
-              </a:spcBef>
-            </a:pPr>
-            <a:r>
-              <a:rPr lang="en-US" sz="2000" dirty="0" smtClean="0"/>
-              <a:t>We label it P</a:t>
-            </a:r>
-          </a:p>
-          <a:p>
-            <a:pPr lvl="1" eaLnBrk="1" hangingPunct="1">
-              <a:spcBef>
-                <a:spcPts val="600"/>
-              </a:spcBef>
-            </a:pPr>
-            <a:r>
-              <a:rPr lang="en-US" sz="2000" dirty="0" smtClean="0"/>
-              <a:t>Measured in units of currency (how many dollars to buy…) </a:t>
-            </a:r>
-          </a:p>
-          <a:p>
-            <a:pPr eaLnBrk="1" hangingPunct="1">
-              <a:spcBef>
-                <a:spcPts val="1200"/>
-              </a:spcBef>
-              <a:spcAft>
-                <a:spcPts val="600"/>
-              </a:spcAft>
-            </a:pPr>
-            <a:r>
-              <a:rPr lang="en-US" sz="2400" b="1" dirty="0" smtClean="0"/>
-              <a:t>Inflation</a:t>
-            </a:r>
-            <a:r>
-              <a:rPr lang="en-US" sz="2400" dirty="0" smtClean="0"/>
-              <a:t> is the rate of growth of the price level</a:t>
-            </a:r>
-          </a:p>
-          <a:p>
-            <a:pPr lvl="1">
-              <a:lnSpc>
-                <a:spcPct val="90000"/>
-              </a:lnSpc>
-              <a:spcBef>
-                <a:spcPts val="600"/>
-              </a:spcBef>
-            </a:pPr>
-            <a:r>
-              <a:rPr lang="en-US" sz="2000" dirty="0" smtClean="0"/>
-              <a:t>Buying goods takes more currency </a:t>
-            </a:r>
-          </a:p>
-          <a:p>
-            <a:pPr lvl="1">
-              <a:lnSpc>
-                <a:spcPct val="90000"/>
-              </a:lnSpc>
-              <a:spcBef>
-                <a:spcPts val="600"/>
-              </a:spcBef>
-            </a:pPr>
-            <a:r>
-              <a:rPr lang="en-US" sz="2000" dirty="0" smtClean="0"/>
-              <a:t>Or:  a unit of currency buys less (same thing, of course) </a:t>
-            </a:r>
-          </a:p>
           <a:p>
             <a:pPr eaLnBrk="1" hangingPunct="1">
               <a:spcBef>
@@ -26028,15 +26525,7 @@
             </a:pPr>
             <a:r>
               <a:rPr lang="en-US" sz="2400" dirty="0" smtClean="0"/>
-              <a:t>We call it</a:t>
-            </a:r>
-            <a:r>
-              <a:rPr lang="en-US" sz="2400" b="1" dirty="0" smtClean="0"/>
-              <a:t> deflation</a:t>
-            </a:r>
-            <a:r>
-              <a:rPr lang="en-US" sz="2400" dirty="0" smtClean="0"/>
-              <a:t> if growth rate is negative </a:t>
+              <a:t>Study inflation by looking at extreme cases </a:t>
             </a:r>
           </a:p>
           <a:p>
@@ -26046,13 +26535,18 @@
               </a:spcBef>
             </a:pPr>
             <a:r>
-              <a:rPr lang="en-US" sz="2400" b="1" dirty="0" smtClean="0"/>
-              <a:t>Hyperinflation</a:t>
-            </a:r>
-            <a:r>
               <a:rPr lang="en-US" sz="2400" dirty="0" smtClean="0"/>
-              <a:t> is inflation &gt; 100% per year </a:t>
-            </a:r>
+              <a:t>[Like studying the flu via </a:t>
+            </a:r>
+            <a:r>
+              <a:rPr lang="en-US" sz="2400" dirty="0" err="1" smtClean="0"/>
+              <a:t>ebola</a:t>
+            </a:r>
+            <a:r>
+              <a:rPr lang="en-US" sz="2400" dirty="0" smtClean="0"/>
+              <a:t>?]  </a:t>
+            </a:r>
+            <a:endParaRPr lang="en-US" sz="2000" dirty="0" smtClean="0"/>
           </a:p>
         </p:txBody>
       </p:sp>
@@ -26234,6 +26728,11 @@
         </p:txBody>
       </p:sp>
     </p:spTree>
+    <p:extLst>
+      <p:ext uri="{BB962C8B-B14F-4D97-AF65-F5344CB8AC3E}">
+        <p14:creationId xmlns:p14="http://schemas.microsoft.com/office/powerpoint/2010/main" val="4272960363"/>
+      </p:ext>
+    </p:extLst>
   </p:cSld>
   <p:clrMapOvr>
     <a:masterClrMapping/>
@@ -26267,7 +26766,38 @@
       </p:grpSpPr>
       <p:sp>
         <p:nvSpPr>
-          <p:cNvPr id="4098" name="Rectangle 2"/>
+          <p:cNvPr id="8" name="Rectangle 6"/>
+          <p:cNvSpPr>
+            <a:spLocks noGrp="1" noChangeArrowheads="1"/>
+          </p:cNvSpPr>
+          <p:nvPr>
+            <p:ph type="sldNum" sz="quarter" idx="12"/>
+          </p:nvPr>
+        </p:nvSpPr>
+        <p:spPr>
+          <a:ln/>
+        </p:spPr>
+        <p:txBody>
+          <a:bodyPr/>
+          <a:lstStyle/>
+          <a:p>
+            <a:pPr>
+              <a:defRPr/>
+            </a:pPr>
+            <a:fld id="{4B34E258-05F9-433F-89A4-2667C377CC55}" type="slidenum">
+              <a:rPr lang="en-US"/>
+              <a:pPr>
+                <a:defRPr/>
+              </a:pPr>
+              <a:t>6</a:t>
+            </a:fld>
+            <a:endParaRPr lang="en-US"/>
+          </a:p>
+        </p:txBody>
+      </p:sp>
+      <p:sp>
+        <p:nvSpPr>
+          <p:cNvPr id="364546" name="Rectangle 2"/>
           <p:cNvSpPr>
             <a:spLocks noGrp="1" noChangeArrowheads="1"/>
           </p:cNvSpPr>
@@ -26275,22 +26805,31 @@
             <p:ph type="title" idx="4294967295"/>
           </p:nvPr>
         </p:nvSpPr>
-        <p:spPr/>
+        <p:spPr>
+          <a:xfrm>
+            <a:off x="457200" y="304800"/>
+            <a:ext cx="8001000" cy="838200"/>
+          </a:xfrm>
+        </p:spPr>
         <p:txBody>
           <a:bodyPr/>
           <a:lstStyle/>
           <a:p>
-            <a:pPr algn="l" eaLnBrk="1" hangingPunct="1"/>
-            <a:r>
-              <a:rPr lang="en-US" dirty="0" smtClean="0"/>
-              <a:t>The idea</a:t>
-            </a:r>
-          </a:p>
-        </p:txBody>
-      </p:sp>
-      <p:sp>
-        <p:nvSpPr>
-          <p:cNvPr id="4099" name="Rectangle 3"/>
+            <a:pPr algn="l"/>
+            <a:r>
+              <a:rPr lang="en-US" sz="3600" b="1" dirty="0" smtClean="0">
+                <a:solidFill>
+                  <a:schemeClr val="tx1"/>
+                </a:solidFill>
+              </a:rPr>
+              <a:t>Bonus joke of the day </a:t>
+            </a:r>
+          </a:p>
+        </p:txBody>
+      </p:sp>
+      <p:sp>
+        <p:nvSpPr>
+          <p:cNvPr id="364547" name="Rectangle 3"/>
           <p:cNvSpPr>
             <a:spLocks noGrp="1" noChangeArrowheads="1"/>
           </p:cNvSpPr>
@@ -26300,77 +26839,15 @@
         </p:nvSpPr>
         <p:spPr>
           <a:xfrm>
-            <a:off x="457200" y="1600200"/>
-            <a:ext cx="8077200" cy="4525963"/>
+            <a:off x="533400" y="1447800"/>
+            <a:ext cx="8153400" cy="838200"/>
           </a:xfrm>
         </p:spPr>
         <p:txBody>
           <a:bodyPr/>
           <a:lstStyle/>
           <a:p>
-            <a:pPr eaLnBrk="1" hangingPunct="1">
-              <a:lnSpc>
-                <a:spcPct val="90000"/>
-              </a:lnSpc>
-              <a:spcBef>
-                <a:spcPts val="1200"/>
-              </a:spcBef>
-              <a:spcAft>
-                <a:spcPts val="600"/>
-              </a:spcAft>
-            </a:pPr>
-            <a:r>
-              <a:rPr lang="en-US" sz="2400" dirty="0" smtClean="0"/>
-              <a:t>Lots of indicators of economic activity </a:t>
-            </a:r>
-          </a:p>
-          <a:p>
-            <a:pPr eaLnBrk="1" hangingPunct="1">
-              <a:lnSpc>
-                <a:spcPct val="90000"/>
-              </a:lnSpc>
-              <a:spcBef>
-                <a:spcPts val="1200"/>
-              </a:spcBef>
-              <a:spcAft>
-                <a:spcPts val="600"/>
-              </a:spcAft>
-            </a:pPr>
-            <a:r>
-              <a:rPr lang="en-US" sz="2400" dirty="0" smtClean="0"/>
-              <a:t>We use their past patterns to assess </a:t>
-            </a:r>
-          </a:p>
-          <a:p>
-            <a:pPr lvl="1" eaLnBrk="1" hangingPunct="1">
-              <a:lnSpc>
-                <a:spcPct val="90000"/>
-              </a:lnSpc>
-              <a:spcBef>
-                <a:spcPts val="600"/>
-              </a:spcBef>
-            </a:pPr>
-            <a:r>
-              <a:rPr lang="en-US" sz="2000" dirty="0" smtClean="0"/>
-              <a:t>Current economic conditions</a:t>
-            </a:r>
-          </a:p>
-          <a:p>
-            <a:pPr lvl="1" eaLnBrk="1" hangingPunct="1">
-              <a:lnSpc>
-                <a:spcPct val="90000"/>
-              </a:lnSpc>
-              <a:spcBef>
-                <a:spcPts val="600"/>
-              </a:spcBef>
-            </a:pPr>
-            <a:r>
-              <a:rPr lang="en-US" sz="2000" dirty="0" smtClean="0"/>
-              <a:t>Near-term future economic conditions</a:t>
-            </a:r>
-          </a:p>
-          <a:p>
-            <a:pPr eaLnBrk="1" hangingPunct="1">
+            <a:pPr>
               <a:lnSpc>
                 <a:spcPct val="90000"/>
               </a:lnSpc>
@@ -26380,48 +26857,149 @@
             </a:pPr>
             <a:r>
               <a:rPr lang="en-US" sz="2400" dirty="0" smtClean="0"/>
-              <a:t>If (say) an increase in housing starts has been associated with good economic performance in the past …   </a:t>
-            </a:r>
-          </a:p>
-          <a:p>
-            <a:pPr eaLnBrk="1" hangingPunct="1">
-              <a:lnSpc>
-                <a:spcPct val="90000"/>
-              </a:lnSpc>
-              <a:spcBef>
-                <a:spcPct val="50000"/>
-              </a:spcBef>
-            </a:pPr>
-            <a:r>
-              <a:rPr lang="en-US" sz="2400" dirty="0" smtClean="0"/>
-              <a:t>What if this time is different? </a:t>
-            </a:r>
-          </a:p>
-        </p:txBody>
-      </p:sp>
-      <p:sp>
-        <p:nvSpPr>
-          <p:cNvPr id="4100" name="Slide Number Placeholder 3"/>
-          <p:cNvSpPr>
-            <a:spLocks noGrp="1"/>
-          </p:cNvSpPr>
-          <p:nvPr>
-            <p:ph type="sldNum" sz="quarter" idx="12"/>
-          </p:nvPr>
-        </p:nvSpPr>
-        <p:spPr>
+              <a:t>“Nation's Unemployment Outlook Improves Drastically After Fifth Beer,” The Onion.  </a:t>
+            </a:r>
+          </a:p>
+        </p:txBody>
+      </p:sp>
+      <p:sp>
+        <p:nvSpPr>
+          <p:cNvPr id="364548" name="Line 4"/>
+          <p:cNvSpPr>
+            <a:spLocks noChangeShapeType="1"/>
+          </p:cNvSpPr>
+          <p:nvPr/>
+        </p:nvSpPr>
+        <p:spPr bwMode="auto">
+          <a:xfrm>
+            <a:off x="1143000" y="1143000"/>
+            <a:ext cx="8001000" cy="0"/>
+          </a:xfrm>
+          <a:prstGeom prst="line">
+            <a:avLst/>
+          </a:prstGeom>
           <a:noFill/>
+          <a:ln w="9525">
+            <a:solidFill>
+              <a:schemeClr val="tx1"/>
+            </a:solidFill>
+            <a:round/>
+            <a:headEnd/>
+            <a:tailEnd/>
+          </a:ln>
         </p:spPr>
         <p:txBody>
-          <a:bodyPr/>
+          <a:bodyPr wrap="none" anchor="ctr"/>
           <a:lstStyle/>
           <a:p>
-            <a:fld id="{E041A9CD-8F68-446A-8192-3D8982304C37}" type="slidenum">
-              <a:rPr lang="en-US" smtClean="0"/>
-              <a:pPr/>
-              <a:t>6</a:t>
-            </a:fld>
-            <a:endParaRPr lang="en-US" smtClean="0"/>
+            <a:endParaRPr lang="en-US"/>
+          </a:p>
+        </p:txBody>
+      </p:sp>
+      <p:sp>
+        <p:nvSpPr>
+          <p:cNvPr id="364549" name="Line 5"/>
+          <p:cNvSpPr>
+            <a:spLocks noChangeShapeType="1"/>
+          </p:cNvSpPr>
+          <p:nvPr/>
+        </p:nvSpPr>
+        <p:spPr bwMode="auto">
+          <a:xfrm>
+            <a:off x="0" y="6172200"/>
+            <a:ext cx="6477000" cy="0"/>
+          </a:xfrm>
+          <a:prstGeom prst="line">
+            <a:avLst/>
+          </a:prstGeom>
+          <a:noFill/>
+          <a:ln w="9525">
+            <a:solidFill>
+              <a:schemeClr val="tx1"/>
+            </a:solidFill>
+            <a:round/>
+            <a:headEnd/>
+            <a:tailEnd/>
+          </a:ln>
+        </p:spPr>
+        <p:txBody>
+          <a:bodyPr wrap="none" anchor="ctr"/>
+          <a:lstStyle/>
+          <a:p>
+            <a:endParaRPr lang="en-US"/>
+          </a:p>
+        </p:txBody>
+      </p:sp>
+      <p:pic>
+        <p:nvPicPr>
+          <p:cNvPr id="364553" name="Picture 9" descr="Nations-unemployment-chart-R"/>
+          <p:cNvPicPr>
+            <a:picLocks noChangeAspect="1" noChangeArrowheads="1"/>
+          </p:cNvPicPr>
+          <p:nvPr/>
+        </p:nvPicPr>
+        <p:blipFill>
+          <a:blip r:embed="rId3"/>
+          <a:srcRect/>
+          <a:stretch>
+            <a:fillRect/>
+          </a:stretch>
+        </p:blipFill>
+        <p:spPr bwMode="auto">
+          <a:xfrm>
+            <a:off x="1598766" y="2209800"/>
+            <a:ext cx="5638800" cy="3843338"/>
+          </a:xfrm>
+          <a:prstGeom prst="rect">
+            <a:avLst/>
+          </a:prstGeom>
+          <a:solidFill>
+            <a:schemeClr val="bg1"/>
+          </a:solidFill>
+          <a:ln w="9525">
+            <a:solidFill>
+              <a:schemeClr val="bg1"/>
+            </a:solidFill>
+            <a:miter lim="800000"/>
+            <a:headEnd/>
+            <a:tailEnd/>
+          </a:ln>
+        </p:spPr>
+      </p:pic>
+      <p:sp>
+        <p:nvSpPr>
+          <p:cNvPr id="364554" name="Rectangle 10"/>
+          <p:cNvSpPr>
+            <a:spLocks noChangeArrowheads="1"/>
+          </p:cNvSpPr>
+          <p:nvPr/>
+        </p:nvSpPr>
+        <p:spPr bwMode="auto">
+          <a:xfrm>
+            <a:off x="1676400" y="2286000"/>
+            <a:ext cx="5486400" cy="457200"/>
+          </a:xfrm>
+          <a:prstGeom prst="rect">
+            <a:avLst/>
+          </a:prstGeom>
+          <a:solidFill>
+            <a:schemeClr val="bg1"/>
+          </a:solidFill>
+          <a:ln w="38100" algn="ctr">
+            <a:noFill/>
+            <a:miter lim="800000"/>
+            <a:headEnd/>
+            <a:tailEnd/>
+          </a:ln>
+          <a:effectLst/>
+        </p:spPr>
+        <p:txBody>
+          <a:bodyPr lIns="182880" tIns="182880" rIns="182880" bIns="182880" anchor="ctr">
+            <a:spAutoFit/>
+          </a:bodyPr>
+          <a:lstStyle/>
+          <a:p>
+            <a:endParaRPr lang="en-US"/>
           </a:p>
         </p:txBody>
       </p:sp>
@@ -26433,133 +27011,7 @@
   <p:timing>
     <p:tnLst>
       <p:par>
-        <p:cTn id="1" dur="indefinite" restart="never" nodeType="tmRoot">
-          <p:childTnLst>
-            <p:seq concurrent="1" nextAc="seek">
-              <p:cTn id="2" dur="indefinite" nodeType="mainSeq">
-                <p:childTnLst>
-                  <p:par>
-                    <p:cTn id="3" fill="hold">
-                      <p:stCondLst>
-                        <p:cond delay="indefinite"/>
-                      </p:stCondLst>
-                      <p:childTnLst>
-                        <p:par>
-                          <p:cTn id="4" fill="hold">
-                            <p:stCondLst>
-                              <p:cond delay="0"/>
-                            </p:stCondLst>
-                            <p:childTnLst>
-                              <p:par>
-                                <p:cTn id="5" presetID="2" presetClass="entr" presetSubtype="4" fill="hold" nodeType="clickEffect">
-                                  <p:stCondLst>
-                                    <p:cond delay="0"/>
-                                  </p:stCondLst>
-                                  <p:childTnLst>
-                                    <p:set>
-                                      <p:cBhvr>
-                                        <p:cTn id="6" dur="1" fill="hold">
-                                          <p:stCondLst>
-                                            <p:cond delay="0"/>
-                                          </p:stCondLst>
-                                        </p:cTn>
-                                        <p:tgtEl>
-                                          <p:spTgt spid="4099">
-                                            <p:txEl>
-                                              <p:pRg st="5" end="5"/>
-                                            </p:txEl>
-                                          </p:spTgt>
-                                        </p:tgtEl>
-                                        <p:attrNameLst>
-                                          <p:attrName>style.visibility</p:attrName>
-                                        </p:attrNameLst>
-                                      </p:cBhvr>
-                                      <p:to>
-                                        <p:strVal val="visible"/>
-                                      </p:to>
-                                    </p:set>
-                                    <p:anim calcmode="lin" valueType="num">
-                                      <p:cBhvr additive="base">
-                                        <p:cTn id="7" dur="500" fill="hold"/>
-                                        <p:tgtEl>
-                                          <p:spTgt spid="4099">
-                                            <p:txEl>
-                                              <p:pRg st="5" end="5"/>
-                                            </p:txEl>
-                                          </p:spTgt>
-                                        </p:tgtEl>
-                                        <p:attrNameLst>
-                                          <p:attrName>ppt_x</p:attrName>
-                                        </p:attrNameLst>
-                                      </p:cBhvr>
-                                      <p:tavLst>
-                                        <p:tav tm="0">
-                                          <p:val>
-                                            <p:strVal val="#ppt_x"/>
-                                          </p:val>
-                                        </p:tav>
-                                        <p:tav tm="100000">
-                                          <p:val>
-                                            <p:strVal val="#ppt_x"/>
-                                          </p:val>
-                                        </p:tav>
-                                      </p:tavLst>
-                                    </p:anim>
-                                    <p:anim calcmode="lin" valueType="num">
-                                      <p:cBhvr additive="base">
-                                        <p:cTn id="8" dur="500" fill="hold"/>
-                                        <p:tgtEl>
-                                          <p:spTgt spid="4099">
-                                            <p:txEl>
-                                              <p:pRg st="5" end="5"/>
-                                            </p:txEl>
-                                          </p:spTgt>
-                                        </p:tgtEl>
-                                        <p:attrNameLst>
-                                          <p:attrName>ppt_y</p:attrName>
-                                        </p:attrNameLst>
-                                      </p:cBhvr>
-                                      <p:tavLst>
-                                        <p:tav tm="0">
-                                          <p:val>
-                                            <p:strVal val="1+#ppt_h/2"/>
-                                          </p:val>
-                                        </p:tav>
-                                        <p:tav tm="100000">
-                                          <p:val>
-                                            <p:strVal val="#ppt_y"/>
-                                          </p:val>
-                                        </p:tav>
-                                      </p:tavLst>
-                                    </p:anim>
-                                  </p:childTnLst>
-                                </p:cTn>
-                              </p:par>
-                            </p:childTnLst>
-                          </p:cTn>
-                        </p:par>
-                      </p:childTnLst>
-                    </p:cTn>
-                  </p:par>
-                </p:childTnLst>
-              </p:cTn>
-              <p:prevCondLst>
-                <p:cond evt="onPrev" delay="0">
-                  <p:tgtEl>
-                    <p:sldTgt/>
-                  </p:tgtEl>
-                </p:cond>
-              </p:prevCondLst>
-              <p:nextCondLst>
-                <p:cond evt="onNext" delay="0">
-                  <p:tgtEl>
-                    <p:sldTgt/>
-                  </p:tgtEl>
-                </p:cond>
-              </p:nextCondLst>
-            </p:seq>
-          </p:childTnLst>
-        </p:cTn>
+        <p:cTn id="1" dur="indefinite" restart="never" nodeType="tmRoot"/>
       </p:par>
     </p:tnLst>
   </p:timing>
@@ -30683,7 +31135,7 @@
             <a:pPr algn="l" eaLnBrk="1" hangingPunct="1"/>
             <a:r>
               <a:rPr lang="en-US" dirty="0" smtClean="0"/>
-              <a:t>Joke of the day </a:t>
+              <a:t>Forecasting</a:t>
             </a:r>
           </a:p>
         </p:txBody>
@@ -30715,7 +31167,18 @@
             </a:pPr>
             <a:r>
               <a:rPr lang="en-US" sz="2400" dirty="0" smtClean="0"/>
-              <a:t>Why do economists add a digit after the decimal point to their forecasts?  </a:t>
+              <a:t>Tim Harford</a:t>
+            </a:r>
+          </a:p>
+          <a:p>
+            <a:pPr lvl="1" eaLnBrk="1" hangingPunct="1">
+              <a:spcBef>
+                <a:spcPts val="1200"/>
+              </a:spcBef>
+            </a:pPr>
+            <a:r>
+              <a:rPr lang="en-US" sz="2000" dirty="0" smtClean="0"/>
+              <a:t>Economists have allowed themselves to walk into a trap where we say we can forecast, but no serious economist thinks we can.  [True, that, but what does he mean by “we”?] </a:t>
             </a:r>
           </a:p>
           <a:p>
@@ -30726,7 +31189,18 @@
             </a:pPr>
             <a:r>
               <a:rPr lang="en-US" sz="2400" dirty="0" smtClean="0"/>
-              <a:t>To show they have a sense of humor </a:t>
+              <a:t>John Maynard Keynes </a:t>
+            </a:r>
+          </a:p>
+          <a:p>
+            <a:pPr lvl="1" eaLnBrk="1" hangingPunct="1">
+              <a:spcBef>
+                <a:spcPts val="1200"/>
+              </a:spcBef>
+            </a:pPr>
+            <a:r>
+              <a:rPr lang="en-US" sz="2000" dirty="0" smtClean="0"/>
+              <a:t>You don't expect dentists to be able to forecast how many teeth you'll have when you're 80. You expect them to give good advice and fix problems.  </a:t>
             </a:r>
           </a:p>
         </p:txBody>
@@ -30758,6 +31232,11 @@
         </p:txBody>
       </p:sp>
     </p:spTree>
+    <p:extLst>
+      <p:ext uri="{BB962C8B-B14F-4D97-AF65-F5344CB8AC3E}">
+        <p14:creationId xmlns:p14="http://schemas.microsoft.com/office/powerpoint/2010/main" val="3257146674"/>
+      </p:ext>
+    </p:extLst>
   </p:cSld>
   <p:clrMapOvr>
     <a:masterClrMapping/>
@@ -30765,172 +31244,7 @@
   <p:timing>
     <p:tnLst>
       <p:par>
-        <p:cTn id="1" dur="indefinite" restart="never" nodeType="tmRoot">
-          <p:childTnLst>
-            <p:seq concurrent="1" nextAc="seek">
-              <p:cTn id="2" dur="indefinite" nodeType="mainSeq">
-                <p:childTnLst>
-                  <p:par>
-                    <p:cTn id="3" fill="hold">
-                      <p:stCondLst>
-                        <p:cond delay="indefinite"/>
-                      </p:stCondLst>
-                      <p:childTnLst>
-                        <p:par>
-                          <p:cTn id="4" fill="hold">
-                            <p:stCondLst>
-                              <p:cond delay="0"/>
-                            </p:stCondLst>
-                            <p:childTnLst>
-                              <p:par>
-                                <p:cTn id="5" presetID="35" presetClass="entr" presetSubtype="0" fill="hold" nodeType="clickEffect">
-                                  <p:stCondLst>
-                                    <p:cond delay="0"/>
-                                  </p:stCondLst>
-                                  <p:childTnLst>
-                                    <p:set>
-                                      <p:cBhvr>
-                                        <p:cTn id="6" dur="1" fill="hold">
-                                          <p:stCondLst>
-                                            <p:cond delay="0"/>
-                                          </p:stCondLst>
-                                        </p:cTn>
-                                        <p:tgtEl>
-                                          <p:spTgt spid="4099">
-                                            <p:txEl>
-                                              <p:pRg st="1" end="1"/>
-                                            </p:txEl>
-                                          </p:spTgt>
-                                        </p:tgtEl>
-                                        <p:attrNameLst>
-                                          <p:attrName>style.visibility</p:attrName>
-                                        </p:attrNameLst>
-                                      </p:cBhvr>
-                                      <p:to>
-                                        <p:strVal val="visible"/>
-                                      </p:to>
-                                    </p:set>
-                                    <p:animEffect transition="in" filter="fade">
-                                      <p:cBhvr>
-                                        <p:cTn id="7" dur="2000"/>
-                                        <p:tgtEl>
-                                          <p:spTgt spid="4099">
-                                            <p:txEl>
-                                              <p:pRg st="1" end="1"/>
-                                            </p:txEl>
-                                          </p:spTgt>
-                                        </p:tgtEl>
-                                      </p:cBhvr>
-                                    </p:animEffect>
-                                    <p:anim calcmode="lin" valueType="num">
-                                      <p:cBhvr>
-                                        <p:cTn id="8" dur="2000" fill="hold"/>
-                                        <p:tgtEl>
-                                          <p:spTgt spid="4099">
-                                            <p:txEl>
-                                              <p:pRg st="1" end="1"/>
-                                            </p:txEl>
-                                          </p:spTgt>
-                                        </p:tgtEl>
-                                        <p:attrNameLst>
-                                          <p:attrName>style.rotation</p:attrName>
-                                        </p:attrNameLst>
-                                      </p:cBhvr>
-                                      <p:tavLst>
-                                        <p:tav tm="0">
-                                          <p:val>
-                                            <p:fltVal val="720"/>
-                                          </p:val>
-                                        </p:tav>
-                                        <p:tav tm="100000">
-                                          <p:val>
-                                            <p:fltVal val="0"/>
-                                          </p:val>
-                                        </p:tav>
-                                      </p:tavLst>
-                                    </p:anim>
-                                    <p:anim calcmode="lin" valueType="num">
-                                      <p:cBhvr>
-                                        <p:cTn id="9" dur="2000" fill="hold"/>
-                                        <p:tgtEl>
-                                          <p:spTgt spid="4099">
-                                            <p:txEl>
-                                              <p:pRg st="1" end="1"/>
-                                            </p:txEl>
-                                          </p:spTgt>
-                                        </p:tgtEl>
-                                        <p:attrNameLst>
-                                          <p:attrName>ppt_h</p:attrName>
-                                        </p:attrNameLst>
-                                      </p:cBhvr>
-                                      <p:tavLst>
-                                        <p:tav tm="0">
-                                          <p:val>
-                                            <p:fltVal val="0"/>
-                                          </p:val>
-                                        </p:tav>
-                                        <p:tav tm="100000">
-                                          <p:val>
-                                            <p:strVal val="#ppt_h"/>
-                                          </p:val>
-                                        </p:tav>
-                                      </p:tavLst>
-                                    </p:anim>
-                                    <p:anim calcmode="lin" valueType="num">
-                                      <p:cBhvr>
-                                        <p:cTn id="10" dur="2000" fill="hold"/>
-                                        <p:tgtEl>
-                                          <p:spTgt spid="4099">
-                                            <p:txEl>
-                                              <p:pRg st="1" end="1"/>
-                                            </p:txEl>
-                                          </p:spTgt>
-                                        </p:tgtEl>
-                                        <p:attrNameLst>
-                                          <p:attrName>ppt_w</p:attrName>
-                                        </p:attrNameLst>
-                                      </p:cBhvr>
-                                      <p:tavLst>
-                                        <p:tav tm="0">
-                                          <p:val>
-                                            <p:fltVal val="0"/>
-                                          </p:val>
-                                        </p:tav>
-                                        <p:tav tm="100000">
-                                          <p:val>
-                                            <p:strVal val="#ppt_w"/>
-                                          </p:val>
-                                        </p:tav>
-                                      </p:tavLst>
-                                    </p:anim>
-                                  </p:childTnLst>
-                                </p:cTn>
-                              </p:par>
-                            </p:childTnLst>
-                          </p:cTn>
-                        </p:par>
-                      </p:childTnLst>
-                    </p:cTn>
-                  </p:par>
-                </p:childTnLst>
-              </p:cTn>
-              <p:prevCondLst>
-                <p:cond evt="onPrev" delay="0">
-                  <p:tgtEl>
-                    <p:sldTgt/>
-                  </p:tgtEl>
-                </p:cond>
-              </p:prevCondLst>
-              <p:nextCondLst>
-                <p:cond evt="onNext" delay="0">
-                  <p:tgtEl>
-                    <p:sldTgt/>
-                  </p:tgtEl>
-                </p:cond>
-              </p:nextCondLst>
-            </p:seq>
-          </p:childTnLst>
-        </p:cTn>
+        <p:cTn id="1" dur="indefinite" restart="never" nodeType="tmRoot"/>
       </p:par>
     </p:tnLst>
   </p:timing>
@@ -32997,17 +33311,163 @@
       </p:grpSpPr>
       <p:sp>
         <p:nvSpPr>
-          <p:cNvPr id="8" name="Rectangle 6"/>
+          <p:cNvPr id="357378" name="Rectangle 2"/>
           <p:cNvSpPr>
             <a:spLocks noGrp="1" noChangeArrowheads="1"/>
+          </p:cNvSpPr>
+          <p:nvPr>
+            <p:ph type="title"/>
+          </p:nvPr>
+        </p:nvSpPr>
+        <p:spPr/>
+        <p:txBody>
+          <a:bodyPr/>
+          <a:lstStyle/>
+          <a:p>
+            <a:pPr algn="l"/>
+            <a:r>
+              <a:rPr lang="en-US" dirty="0"/>
+              <a:t>Courses related to </a:t>
+            </a:r>
+            <a:r>
+              <a:rPr lang="en-US" dirty="0" smtClean="0"/>
+              <a:t>this topic</a:t>
+            </a:r>
+            <a:endParaRPr lang="en-US" dirty="0"/>
+          </a:p>
+        </p:txBody>
+      </p:sp>
+      <p:sp>
+        <p:nvSpPr>
+          <p:cNvPr id="357379" name="Rectangle 3"/>
+          <p:cNvSpPr>
+            <a:spLocks noGrp="1" noChangeArrowheads="1"/>
+          </p:cNvSpPr>
+          <p:nvPr>
+            <p:ph type="body" idx="1"/>
+          </p:nvPr>
+        </p:nvSpPr>
+        <p:spPr>
+          <a:xfrm>
+            <a:off x="457200" y="1600200"/>
+            <a:ext cx="8458200" cy="4525963"/>
+          </a:xfrm>
+        </p:spPr>
+        <p:txBody>
+          <a:bodyPr/>
+          <a:lstStyle/>
+          <a:p>
+            <a:pPr>
+              <a:spcBef>
+                <a:spcPts val="1200"/>
+              </a:spcBef>
+            </a:pPr>
+            <a:r>
+              <a:rPr lang="en-US" sz="2400" dirty="0" smtClean="0"/>
+              <a:t>Real-world analysis of economic data (ECON-GB.2347)</a:t>
+            </a:r>
+            <a:endParaRPr lang="en-US" sz="2000" dirty="0" smtClean="0"/>
+          </a:p>
+          <a:p>
+            <a:pPr lvl="1">
+              <a:spcBef>
+                <a:spcPts val="1200"/>
+              </a:spcBef>
+            </a:pPr>
+            <a:r>
+              <a:rPr lang="en-US" sz="2000" dirty="0" smtClean="0"/>
+              <a:t>Professor Peter </a:t>
+            </a:r>
+            <a:r>
+              <a:rPr lang="en-US" sz="2000" dirty="0" err="1" smtClean="0"/>
+              <a:t>D’Antonio</a:t>
+            </a:r>
+            <a:r>
+              <a:rPr lang="en-US" sz="2000" dirty="0" smtClean="0"/>
+              <a:t>, </a:t>
+            </a:r>
+            <a:r>
+              <a:rPr lang="en-US" sz="2000" dirty="0" err="1" smtClean="0"/>
+              <a:t>Citi</a:t>
+            </a:r>
+            <a:r>
+              <a:rPr lang="en-US" sz="2000" dirty="0" smtClean="0"/>
+              <a:t>, Director and Head of US Economic Forecasting, does this for a living </a:t>
+            </a:r>
+          </a:p>
+          <a:p>
+            <a:pPr>
+              <a:spcBef>
+                <a:spcPts val="1200"/>
+              </a:spcBef>
+              <a:spcAft>
+                <a:spcPts val="600"/>
+              </a:spcAft>
+            </a:pPr>
+            <a:r>
+              <a:rPr lang="en-US" sz="2400" dirty="0" smtClean="0"/>
+              <a:t>Forecasting time series data (STAT-GB.0018) </a:t>
+            </a:r>
+          </a:p>
+          <a:p>
+            <a:pPr lvl="1">
+              <a:spcBef>
+                <a:spcPts val="600"/>
+              </a:spcBef>
+            </a:pPr>
+            <a:r>
+              <a:rPr lang="en-US" sz="2000" dirty="0" smtClean="0"/>
+              <a:t>Professor Cliff </a:t>
+            </a:r>
+            <a:r>
+              <a:rPr lang="en-US" sz="2000" dirty="0" err="1" smtClean="0"/>
+              <a:t>Hurvich</a:t>
+            </a:r>
+            <a:r>
+              <a:rPr lang="en-US" sz="2000" dirty="0" smtClean="0"/>
+              <a:t>, expert and pianist </a:t>
+            </a:r>
+          </a:p>
+          <a:p>
+            <a:pPr lvl="1">
+              <a:spcBef>
+                <a:spcPts val="600"/>
+              </a:spcBef>
+            </a:pPr>
+            <a:r>
+              <a:rPr lang="en-US" sz="2000" dirty="0" smtClean="0"/>
+              <a:t>Or Professor </a:t>
+            </a:r>
+            <a:r>
+              <a:rPr lang="en-US" sz="2000" dirty="0" err="1" smtClean="0"/>
+              <a:t>Rohit</a:t>
+            </a:r>
+            <a:r>
+              <a:rPr lang="en-US" sz="2000" dirty="0" smtClean="0"/>
+              <a:t> </a:t>
+            </a:r>
+            <a:r>
+              <a:rPr lang="en-US" sz="2000" dirty="0" err="1" smtClean="0"/>
+              <a:t>Deo</a:t>
+            </a:r>
+            <a:r>
+              <a:rPr lang="en-US" sz="2000" dirty="0" smtClean="0"/>
+              <a:t>, also an expert</a:t>
+            </a:r>
+          </a:p>
+        </p:txBody>
+      </p:sp>
+      <p:sp>
+        <p:nvSpPr>
+          <p:cNvPr id="4" name="Slide Number Placeholder 3"/>
+          <p:cNvSpPr>
+            <a:spLocks noGrp="1"/>
           </p:cNvSpPr>
           <p:nvPr>
             <p:ph type="sldNum" sz="quarter" idx="12"/>
           </p:nvPr>
         </p:nvSpPr>
-        <p:spPr>
-          <a:ln/>
-        </p:spPr>
+        <p:spPr/>
         <p:txBody>
           <a:bodyPr/>
           <a:lstStyle/>
@@ -33015,8 +33475,8 @@
             <a:pPr>
               <a:defRPr/>
             </a:pPr>
-            <a:fld id="{4B34E258-05F9-433F-89A4-2667C377CC55}" type="slidenum">
-              <a:rPr lang="en-US"/>
+            <a:fld id="{90DC53D5-C2E1-41A2-9018-B1428E4E4B53}" type="slidenum">
+              <a:rPr lang="en-US" smtClean="0"/>
               <a:pPr>
                 <a:defRPr/>
               </a:pPr>
@@ -33026,215 +33486,12 @@
           </a:p>
         </p:txBody>
       </p:sp>
-      <p:sp>
-        <p:nvSpPr>
-          <p:cNvPr id="364546" name="Rectangle 2"/>
-          <p:cNvSpPr>
-            <a:spLocks noGrp="1" noChangeArrowheads="1"/>
-          </p:cNvSpPr>
-          <p:nvPr>
-            <p:ph type="title" idx="4294967295"/>
-          </p:nvPr>
-        </p:nvSpPr>
-        <p:spPr>
-          <a:xfrm>
-            <a:off x="457200" y="304800"/>
-            <a:ext cx="8001000" cy="838200"/>
-          </a:xfrm>
-        </p:spPr>
-        <p:txBody>
-          <a:bodyPr/>
-          <a:lstStyle/>
-          <a:p>
-            <a:pPr algn="l"/>
-            <a:r>
-              <a:rPr lang="en-US" sz="3600" b="1" dirty="0" smtClean="0">
-                <a:solidFill>
-                  <a:schemeClr val="tx1"/>
-                </a:solidFill>
-              </a:rPr>
-              <a:t>Bonus joke of the day </a:t>
-            </a:r>
-          </a:p>
-        </p:txBody>
-      </p:sp>
-      <p:sp>
-        <p:nvSpPr>
-          <p:cNvPr id="364547" name="Rectangle 3"/>
-          <p:cNvSpPr>
-            <a:spLocks noGrp="1" noChangeArrowheads="1"/>
-          </p:cNvSpPr>
-          <p:nvPr>
-            <p:ph type="body" idx="4294967295"/>
-          </p:nvPr>
-        </p:nvSpPr>
-        <p:spPr>
-          <a:xfrm>
-            <a:off x="533400" y="1447800"/>
-            <a:ext cx="8153400" cy="838200"/>
-          </a:xfrm>
-        </p:spPr>
-        <p:txBody>
-          <a:bodyPr/>
-          <a:lstStyle/>
-          <a:p>
-            <a:pPr>
-              <a:lnSpc>
-                <a:spcPct val="90000"/>
-              </a:lnSpc>
-              <a:spcBef>
-                <a:spcPct val="50000"/>
-              </a:spcBef>
-            </a:pPr>
-            <a:r>
-              <a:rPr lang="en-US" sz="2400" dirty="0" smtClean="0"/>
-              <a:t>“Nation's Unemployment Outlook Improves Drastically After Fifth Beer,” The Onion.  </a:t>
-            </a:r>
-          </a:p>
-        </p:txBody>
-      </p:sp>
-      <p:sp>
-        <p:nvSpPr>
-          <p:cNvPr id="364548" name="Line 4"/>
-          <p:cNvSpPr>
-            <a:spLocks noChangeShapeType="1"/>
-          </p:cNvSpPr>
-          <p:nvPr/>
-        </p:nvSpPr>
-        <p:spPr bwMode="auto">
-          <a:xfrm>
-            <a:off x="1143000" y="1143000"/>
-            <a:ext cx="8001000" cy="0"/>
-          </a:xfrm>
-          <a:prstGeom prst="line">
-            <a:avLst/>
-          </a:prstGeom>
-          <a:noFill/>
-          <a:ln w="9525">
-            <a:solidFill>
-              <a:schemeClr val="tx1"/>
-            </a:solidFill>
-            <a:round/>
-            <a:headEnd/>
-            <a:tailEnd/>
-          </a:ln>
-        </p:spPr>
-        <p:txBody>
-          <a:bodyPr wrap="none" anchor="ctr"/>
-          <a:lstStyle/>
-          <a:p>
-            <a:endParaRPr lang="en-US"/>
-          </a:p>
-        </p:txBody>
-      </p:sp>
-      <p:sp>
-        <p:nvSpPr>
-          <p:cNvPr id="364549" name="Line 5"/>
-          <p:cNvSpPr>
-            <a:spLocks noChangeShapeType="1"/>
-          </p:cNvSpPr>
-          <p:nvPr/>
-        </p:nvSpPr>
-        <p:spPr bwMode="auto">
-          <a:xfrm>
-            <a:off x="0" y="6172200"/>
-            <a:ext cx="6477000" cy="0"/>
-          </a:xfrm>
-          <a:prstGeom prst="line">
-            <a:avLst/>
-          </a:prstGeom>
-          <a:noFill/>
-          <a:ln w="9525">
-            <a:solidFill>
-              <a:schemeClr val="tx1"/>
-            </a:solidFill>
-            <a:round/>
-            <a:headEnd/>
-            <a:tailEnd/>
-          </a:ln>
-        </p:spPr>
-        <p:txBody>
-          <a:bodyPr wrap="none" anchor="ctr"/>
-          <a:lstStyle/>
-          <a:p>
-            <a:endParaRPr lang="en-US"/>
-          </a:p>
-        </p:txBody>
-      </p:sp>
-      <p:pic>
-        <p:nvPicPr>
-          <p:cNvPr id="364553" name="Picture 9" descr="Nations-unemployment-chart-R"/>
-          <p:cNvPicPr>
-            <a:picLocks noChangeAspect="1" noChangeArrowheads="1"/>
-          </p:cNvPicPr>
-          <p:nvPr/>
-        </p:nvPicPr>
-        <p:blipFill>
-          <a:blip r:embed="rId3"/>
-          <a:srcRect/>
-          <a:stretch>
-            <a:fillRect/>
-          </a:stretch>
-        </p:blipFill>
-        <p:spPr bwMode="auto">
-          <a:xfrm>
-            <a:off x="1598766" y="2209800"/>
-            <a:ext cx="5638800" cy="3843338"/>
-          </a:xfrm>
-          <a:prstGeom prst="rect">
-            <a:avLst/>
-          </a:prstGeom>
-          <a:solidFill>
-            <a:schemeClr val="bg1"/>
-          </a:solidFill>
-          <a:ln w="9525">
-            <a:solidFill>
-              <a:schemeClr val="bg1"/>
-            </a:solidFill>
-            <a:miter lim="800000"/>
-            <a:headEnd/>
-            <a:tailEnd/>
-          </a:ln>
-        </p:spPr>
-      </p:pic>
-      <p:sp>
-        <p:nvSpPr>
-          <p:cNvPr id="364554" name="Rectangle 10"/>
-          <p:cNvSpPr>
-            <a:spLocks noChangeArrowheads="1"/>
-          </p:cNvSpPr>
-          <p:nvPr/>
-        </p:nvSpPr>
-        <p:spPr bwMode="auto">
-          <a:xfrm>
-            <a:off x="1676400" y="2286000"/>
-            <a:ext cx="5486400" cy="457200"/>
-          </a:xfrm>
-          <a:prstGeom prst="rect">
-            <a:avLst/>
-          </a:prstGeom>
-          <a:solidFill>
-            <a:schemeClr val="bg1"/>
-          </a:solidFill>
-          <a:ln w="38100" algn="ctr">
-            <a:noFill/>
-            <a:miter lim="800000"/>
-            <a:headEnd/>
-            <a:tailEnd/>
-          </a:ln>
-          <a:effectLst/>
-        </p:spPr>
-        <p:txBody>
-          <a:bodyPr lIns="182880" tIns="182880" rIns="182880" bIns="182880" anchor="ctr">
-            <a:spAutoFit/>
-          </a:bodyPr>
-          <a:lstStyle/>
-          <a:p>
-            <a:endParaRPr lang="en-US"/>
-          </a:p>
-        </p:txBody>
-      </p:sp>
     </p:spTree>
+    <p:extLst>
+      <p:ext uri="{BB962C8B-B14F-4D97-AF65-F5344CB8AC3E}">
+        <p14:creationId xmlns:p14="http://schemas.microsoft.com/office/powerpoint/2010/main" val="3512118795"/>
+      </p:ext>
+    </p:extLst>
   </p:cSld>
   <p:clrMapOvr>
     <a:masterClrMapping/>
@@ -33954,7 +34211,7 @@
                 <a:spcPct val="90000"/>
               </a:lnSpc>
               <a:spcBef>
-                <a:spcPct val="30000"/>
+                <a:spcPts val="1200"/>
               </a:spcBef>
             </a:pPr>
             <a:r>
@@ -33968,7 +34225,7 @@
                 <a:spcPct val="90000"/>
               </a:lnSpc>
               <a:spcBef>
-                <a:spcPct val="30000"/>
+                <a:spcPts val="1200"/>
               </a:spcBef>
             </a:pPr>
             <a:r>
@@ -33982,7 +34239,7 @@
                 <a:spcPct val="90000"/>
               </a:lnSpc>
               <a:spcBef>
-                <a:spcPct val="30000"/>
+                <a:spcPts val="1200"/>
               </a:spcBef>
             </a:pPr>
             <a:r>
@@ -33996,7 +34253,7 @@
                 <a:spcPct val="90000"/>
               </a:lnSpc>
               <a:spcBef>
-                <a:spcPct val="30000"/>
+                <a:spcPts val="1200"/>
               </a:spcBef>
             </a:pPr>
             <a:r>
@@ -35843,7 +36100,7 @@
             <a:pPr algn="l" eaLnBrk="1" hangingPunct="1"/>
             <a:r>
               <a:rPr lang="en-US" dirty="0" smtClean="0"/>
-              <a:t>Forecasting</a:t>
+              <a:t>What’s happening?</a:t>
             </a:r>
           </a:p>
         </p:txBody>
@@ -35861,12 +36118,70 @@
         <p:spPr>
           <a:xfrm>
             <a:off x="457200" y="1600200"/>
-            <a:ext cx="8153400" cy="4525963"/>
+            <a:ext cx="7467600" cy="4525963"/>
           </a:xfrm>
         </p:spPr>
         <p:txBody>
           <a:bodyPr/>
           <a:lstStyle/>
+          <a:p>
+            <a:pPr eaLnBrk="1" hangingPunct="1">
+              <a:spcBef>
+                <a:spcPts val="1200"/>
+              </a:spcBef>
+              <a:spcAft>
+                <a:spcPts val="600"/>
+              </a:spcAft>
+            </a:pPr>
+            <a:r>
+              <a:rPr lang="en-US" sz="2400" dirty="0" smtClean="0"/>
+              <a:t>Employment report comes out Friday at 8:30am </a:t>
+            </a:r>
+          </a:p>
+          <a:p>
+            <a:pPr lvl="1" eaLnBrk="1" hangingPunct="1">
+              <a:spcBef>
+                <a:spcPts val="600"/>
+              </a:spcBef>
+            </a:pPr>
+            <a:r>
+              <a:rPr lang="en-US" sz="2000" dirty="0" smtClean="0"/>
+              <a:t>Consensus:  up 240k in October</a:t>
+            </a:r>
+          </a:p>
+          <a:p>
+            <a:pPr lvl="1" eaLnBrk="1" hangingPunct="1">
+              <a:spcBef>
+                <a:spcPts val="600"/>
+              </a:spcBef>
+            </a:pPr>
+            <a:r>
+              <a:rPr lang="en-US" sz="2000" dirty="0" smtClean="0"/>
+              <a:t>September:   up 248k</a:t>
+            </a:r>
+          </a:p>
+          <a:p>
+            <a:pPr lvl="1" eaLnBrk="1" hangingPunct="1">
+              <a:spcBef>
+                <a:spcPts val="600"/>
+              </a:spcBef>
+            </a:pPr>
+            <a:r>
+              <a:rPr lang="en-US" sz="2000" dirty="0" smtClean="0"/>
+              <a:t>Unemployment rate:  consensus 5.9 (same as Sep) </a:t>
+            </a:r>
+          </a:p>
+          <a:p>
+            <a:pPr lvl="1" eaLnBrk="1" hangingPunct="1">
+              <a:spcBef>
+                <a:spcPts val="600"/>
+              </a:spcBef>
+            </a:pPr>
+            <a:r>
+              <a:rPr lang="en-US" sz="2000" dirty="0" smtClean="0"/>
+              <a:t>More on Bloomberg calendar, FRED </a:t>
+            </a:r>
+          </a:p>
           <a:p>
             <a:pPr eaLnBrk="1" hangingPunct="1">
               <a:spcBef>
@@ -35875,18 +36190,7 @@
             </a:pPr>
             <a:r>
               <a:rPr lang="en-US" sz="2400" dirty="0" smtClean="0"/>
-              <a:t>Tim Harford</a:t>
-            </a:r>
-          </a:p>
-          <a:p>
-            <a:pPr lvl="1" eaLnBrk="1" hangingPunct="1">
-              <a:spcBef>
-                <a:spcPts val="1200"/>
-              </a:spcBef>
-            </a:pPr>
-            <a:r>
-              <a:rPr lang="en-US" sz="2000" dirty="0" smtClean="0"/>
-              <a:t>Economists have allowed themselves to walk into a trap where we say we can forecast, but no serious economist thinks we can.  [True, that, but what does he mean by “we”?] </a:t>
+              <a:t>What do we learn from this?  </a:t>
             </a:r>
           </a:p>
           <a:p>
@@ -35897,18 +36201,7 @@
             </a:pPr>
             <a:r>
               <a:rPr lang="en-US" sz="2400" dirty="0" smtClean="0"/>
-              <a:t>John Maynard Keynes </a:t>
-            </a:r>
-          </a:p>
-          <a:p>
-            <a:pPr lvl="1" eaLnBrk="1" hangingPunct="1">
-              <a:spcBef>
-                <a:spcPts val="1200"/>
-              </a:spcBef>
-            </a:pPr>
-            <a:r>
-              <a:rPr lang="en-US" sz="2000" dirty="0" smtClean="0"/>
-              <a:t>You don't expect dentists to be able to forecast how many teeth you'll have when you're 80. You expect them to give good advice and fix problems.  </a:t>
+              <a:t>How will markets respond?  </a:t>
             </a:r>
           </a:p>
         </p:txBody>
@@ -35940,11 +36233,6 @@
         </p:txBody>
       </p:sp>
     </p:spTree>
-    <p:extLst>
-      <p:ext uri="{BB962C8B-B14F-4D97-AF65-F5344CB8AC3E}">
-        <p14:creationId xmlns:p14="http://schemas.microsoft.com/office/powerpoint/2010/main" val="3257146674"/>
-      </p:ext>
-    </p:extLst>
   </p:cSld>
   <p:clrMapOvr>
     <a:masterClrMapping/>
@@ -43551,6 +43839,135 @@
         </p:txBody>
       </p:sp>
     </p:spTree>
+  </p:cSld>
+  <p:clrMapOvr>
+    <a:masterClrMapping/>
+  </p:clrMapOvr>
+  <p:timing>
+    <p:tnLst>
+      <p:par>
+        <p:cTn id="1" dur="indefinite" restart="never" nodeType="tmRoot"/>
+      </p:par>
+    </p:tnLst>
+  </p:timing>
+</p:sld>
+</file>
+
+<file path=ppt/slides/slide98.xml><?xml version="1.0" encoding="utf-8"?>
+<p:sld xmlns:a="http://schemas.openxmlformats.org/drawingml/2006/main" xmlns:r="http://schemas.openxmlformats.org/officeDocument/2006/relationships" xmlns:p="http://schemas.openxmlformats.org/presentationml/2006/main">
+  <p:cSld>
+    <p:spTree>
+      <p:nvGrpSpPr>
+        <p:cNvPr id="1" name=""/>
+        <p:cNvGrpSpPr/>
+        <p:nvPr/>
+      </p:nvGrpSpPr>
+      <p:grpSpPr>
+        <a:xfrm>
+          <a:off x="0" y="0"/>
+          <a:ext cx="0" cy="0"/>
+          <a:chOff x="0" y="0"/>
+          <a:chExt cx="0" cy="0"/>
+        </a:xfrm>
+      </p:grpSpPr>
+      <p:sp>
+        <p:nvSpPr>
+          <p:cNvPr id="2" name="Title 1"/>
+          <p:cNvSpPr>
+            <a:spLocks noGrp="1"/>
+          </p:cNvSpPr>
+          <p:nvPr>
+            <p:ph type="title"/>
+          </p:nvPr>
+        </p:nvSpPr>
+        <p:spPr/>
+        <p:txBody>
+          <a:bodyPr/>
+          <a:lstStyle/>
+          <a:p>
+            <a:pPr algn="l"/>
+            <a:r>
+              <a:rPr lang="en-US" dirty="0" smtClean="0"/>
+              <a:t>Problem Set #3</a:t>
+            </a:r>
+            <a:endParaRPr lang="en-US" dirty="0"/>
+          </a:p>
+        </p:txBody>
+      </p:sp>
+      <p:sp>
+        <p:nvSpPr>
+          <p:cNvPr id="3" name="Content Placeholder 2"/>
+          <p:cNvSpPr>
+            <a:spLocks noGrp="1"/>
+          </p:cNvSpPr>
+          <p:nvPr>
+            <p:ph idx="1"/>
+          </p:nvPr>
+        </p:nvSpPr>
+        <p:spPr/>
+        <p:txBody>
+          <a:bodyPr/>
+          <a:lstStyle/>
+          <a:p>
+            <a:pPr>
+              <a:spcBef>
+                <a:spcPts val="1200"/>
+              </a:spcBef>
+            </a:pPr>
+            <a:r>
+              <a:rPr lang="en-US" sz="2400" dirty="0" smtClean="0"/>
+              <a:t>Due in a week </a:t>
+            </a:r>
+          </a:p>
+          <a:p>
+            <a:pPr>
+              <a:spcBef>
+                <a:spcPts val="1200"/>
+              </a:spcBef>
+            </a:pPr>
+            <a:r>
+              <a:rPr lang="en-US" sz="2400" dirty="0" smtClean="0"/>
+              <a:t>Post questions on the Google Group</a:t>
+            </a:r>
+            <a:endParaRPr lang="en-US" sz="2000" dirty="0" smtClean="0"/>
+          </a:p>
+        </p:txBody>
+      </p:sp>
+      <p:sp>
+        <p:nvSpPr>
+          <p:cNvPr id="4" name="Slide Number Placeholder 3"/>
+          <p:cNvSpPr>
+            <a:spLocks noGrp="1"/>
+          </p:cNvSpPr>
+          <p:nvPr>
+            <p:ph type="sldNum" sz="quarter" idx="12"/>
+          </p:nvPr>
+        </p:nvSpPr>
+        <p:spPr/>
+        <p:txBody>
+          <a:bodyPr/>
+          <a:lstStyle/>
+          <a:p>
+            <a:pPr>
+              <a:defRPr/>
+            </a:pPr>
+            <a:fld id="{CD881EE7-D394-49C6-AE2C-728820140E60}" type="slidenum">
+              <a:rPr lang="en-US" smtClean="0"/>
+              <a:pPr>
+                <a:defRPr/>
+              </a:pPr>
+              <a:t>98</a:t>
+            </a:fld>
+            <a:endParaRPr lang="en-US"/>
+          </a:p>
+        </p:txBody>
+      </p:sp>
+    </p:spTree>
+    <p:extLst>
+      <p:ext uri="{BB962C8B-B14F-4D97-AF65-F5344CB8AC3E}">
+        <p14:creationId xmlns:p14="http://schemas.microsoft.com/office/powerpoint/2010/main" val="3855013685"/>
+      </p:ext>
+    </p:extLst>
   </p:cSld>
   <p:clrMapOvr>
     <a:masterClrMapping/>
